--- a/2018-04-06-Multi-Tenancy/Multi-Tenancy.pptx
+++ b/2018-04-06-Multi-Tenancy/Multi-Tenancy.pptx
@@ -5,10 +5,10 @@
     <p:sldMasterId id="2147483648" r:id="rId1"/>
   </p:sldMasterIdLst>
   <p:notesMasterIdLst>
-    <p:notesMasterId r:id="rId66"/>
+    <p:notesMasterId r:id="rId67"/>
   </p:notesMasterIdLst>
   <p:handoutMasterIdLst>
-    <p:handoutMasterId r:id="rId67"/>
+    <p:handoutMasterId r:id="rId68"/>
   </p:handoutMasterIdLst>
   <p:sldIdLst>
     <p:sldId id="261" r:id="rId2"/>
@@ -43,38 +43,39 @@
     <p:sldId id="296" r:id="rId31"/>
     <p:sldId id="305" r:id="rId32"/>
     <p:sldId id="297" r:id="rId33"/>
-    <p:sldId id="306" r:id="rId34"/>
-    <p:sldId id="299" r:id="rId35"/>
-    <p:sldId id="300" r:id="rId36"/>
-    <p:sldId id="301" r:id="rId37"/>
-    <p:sldId id="307" r:id="rId38"/>
-    <p:sldId id="308" r:id="rId39"/>
-    <p:sldId id="309" r:id="rId40"/>
-    <p:sldId id="302" r:id="rId41"/>
-    <p:sldId id="303" r:id="rId42"/>
-    <p:sldId id="313" r:id="rId43"/>
-    <p:sldId id="304" r:id="rId44"/>
-    <p:sldId id="314" r:id="rId45"/>
-    <p:sldId id="312" r:id="rId46"/>
-    <p:sldId id="310" r:id="rId47"/>
-    <p:sldId id="315" r:id="rId48"/>
-    <p:sldId id="311" r:id="rId49"/>
-    <p:sldId id="316" r:id="rId50"/>
-    <p:sldId id="321" r:id="rId51"/>
-    <p:sldId id="322" r:id="rId52"/>
-    <p:sldId id="317" r:id="rId53"/>
-    <p:sldId id="318" r:id="rId54"/>
-    <p:sldId id="324" r:id="rId55"/>
-    <p:sldId id="323" r:id="rId56"/>
-    <p:sldId id="325" r:id="rId57"/>
-    <p:sldId id="319" r:id="rId58"/>
-    <p:sldId id="326" r:id="rId59"/>
-    <p:sldId id="327" r:id="rId60"/>
-    <p:sldId id="330" r:id="rId61"/>
-    <p:sldId id="320" r:id="rId62"/>
-    <p:sldId id="328" r:id="rId63"/>
-    <p:sldId id="329" r:id="rId64"/>
-    <p:sldId id="331" r:id="rId65"/>
+    <p:sldId id="332" r:id="rId34"/>
+    <p:sldId id="306" r:id="rId35"/>
+    <p:sldId id="299" r:id="rId36"/>
+    <p:sldId id="300" r:id="rId37"/>
+    <p:sldId id="301" r:id="rId38"/>
+    <p:sldId id="307" r:id="rId39"/>
+    <p:sldId id="308" r:id="rId40"/>
+    <p:sldId id="309" r:id="rId41"/>
+    <p:sldId id="302" r:id="rId42"/>
+    <p:sldId id="303" r:id="rId43"/>
+    <p:sldId id="313" r:id="rId44"/>
+    <p:sldId id="304" r:id="rId45"/>
+    <p:sldId id="314" r:id="rId46"/>
+    <p:sldId id="312" r:id="rId47"/>
+    <p:sldId id="310" r:id="rId48"/>
+    <p:sldId id="315" r:id="rId49"/>
+    <p:sldId id="311" r:id="rId50"/>
+    <p:sldId id="316" r:id="rId51"/>
+    <p:sldId id="321" r:id="rId52"/>
+    <p:sldId id="322" r:id="rId53"/>
+    <p:sldId id="317" r:id="rId54"/>
+    <p:sldId id="318" r:id="rId55"/>
+    <p:sldId id="324" r:id="rId56"/>
+    <p:sldId id="323" r:id="rId57"/>
+    <p:sldId id="325" r:id="rId58"/>
+    <p:sldId id="319" r:id="rId59"/>
+    <p:sldId id="326" r:id="rId60"/>
+    <p:sldId id="327" r:id="rId61"/>
+    <p:sldId id="330" r:id="rId62"/>
+    <p:sldId id="320" r:id="rId63"/>
+    <p:sldId id="328" r:id="rId64"/>
+    <p:sldId id="329" r:id="rId65"/>
+    <p:sldId id="331" r:id="rId66"/>
   </p:sldIdLst>
   <p:sldSz cx="12192000" cy="6858000"/>
   <p:notesSz cx="6858000" cy="9144000"/>
@@ -277,7 +278,7 @@
           <a:p>
             <a:fld id="{59041DB8-B66F-4DC8-A96E-33677E0F90FF}" type="datetimeFigureOut">
               <a:rPr lang="en-US" smtClean="0"/>
-              <a:t>4/1/2018</a:t>
+              <a:t>4/2/2018</a:t>
             </a:fld>
             <a:endParaRPr lang="en-US"/>
           </a:p>
@@ -442,7 +443,7 @@
           <a:p>
             <a:fld id="{DEB49C4A-65AC-492D-9701-81B46C3AD0E4}" type="datetimeFigureOut">
               <a:rPr lang="en-US" smtClean="0"/>
-              <a:t>4/1/2018</a:t>
+              <a:t>4/2/2018</a:t>
             </a:fld>
             <a:endParaRPr lang="en-US"/>
           </a:p>
@@ -2934,7 +2935,7 @@
           <a:p>
             <a:fld id="{384A29A4-78C8-47AB-BA06-22CB45938951}" type="datetime1">
               <a:rPr lang="en-US" smtClean="0"/>
-              <a:t>4/1/2018</a:t>
+              <a:t>4/2/2018</a:t>
             </a:fld>
             <a:endParaRPr lang="en-US"/>
           </a:p>
@@ -3129,7 +3130,7 @@
           <a:p>
             <a:fld id="{E1ED4ACF-2D82-46F2-A8E9-23963AA34E86}" type="datetime1">
               <a:rPr lang="en-US" smtClean="0"/>
-              <a:t>4/1/2018</a:t>
+              <a:t>4/2/2018</a:t>
             </a:fld>
             <a:endParaRPr lang="en-US"/>
           </a:p>
@@ -3313,7 +3314,7 @@
           <a:p>
             <a:fld id="{AE374B5B-21A0-4192-BF4C-38187F1A68D8}" type="datetime1">
               <a:rPr lang="en-US" smtClean="0"/>
-              <a:t>4/1/2018</a:t>
+              <a:t>4/2/2018</a:t>
             </a:fld>
             <a:endParaRPr lang="en-US"/>
           </a:p>
@@ -5654,7 +5655,7 @@
           <a:p>
             <a:fld id="{33B5CF7C-B333-48E1-A4A6-83A3C8B73AC0}" type="datetime1">
               <a:rPr lang="en-US" smtClean="0"/>
-              <a:t>4/1/2018</a:t>
+              <a:t>4/2/2018</a:t>
             </a:fld>
             <a:endParaRPr lang="en-US"/>
           </a:p>
@@ -6107,7 +6108,7 @@
           <a:p>
             <a:fld id="{AE320762-5CBF-4210-AB54-376B091119F8}" type="datetime1">
               <a:rPr lang="en-US" smtClean="0"/>
-              <a:t>4/1/2018</a:t>
+              <a:t>4/2/2018</a:t>
             </a:fld>
             <a:endParaRPr lang="en-US"/>
           </a:p>
@@ -6239,7 +6240,7 @@
           <a:p>
             <a:fld id="{7F0DB371-BF5F-4058-A212-1A908E4D2674}" type="datetime1">
               <a:rPr lang="en-US" smtClean="0"/>
-              <a:t>4/1/2018</a:t>
+              <a:t>4/2/2018</a:t>
             </a:fld>
             <a:endParaRPr lang="en-US"/>
           </a:p>
@@ -8172,7 +8173,7 @@
           <a:p>
             <a:fld id="{60A4083B-90AA-48CF-BAD5-00AA24D7F288}" type="datetime1">
               <a:rPr lang="en-US" smtClean="0"/>
-              <a:t>4/1/2018</a:t>
+              <a:t>4/2/2018</a:t>
             </a:fld>
             <a:endParaRPr lang="en-US"/>
           </a:p>
@@ -10431,7 +10432,7 @@
             <a:fld id="{F5BAF629-ECA2-4CF3-B790-9D9BDED98269}" type="datetime1">
               <a:rPr lang="en-US" smtClean="0"/>
               <a:pPr/>
-              <a:t>4/1/2018</a:t>
+              <a:t>4/2/2018</a:t>
             </a:fld>
             <a:endParaRPr lang="en-US"/>
           </a:p>
@@ -14726,7 +14727,7 @@
             <a:fld id="{B51B2453-8663-4C69-AF73-9FD7B1DEC5D0}" type="datetime1">
               <a:rPr lang="en-US" smtClean="0"/>
               <a:pPr/>
-              <a:t>4/1/2018</a:t>
+              <a:t>4/2/2018</a:t>
             </a:fld>
             <a:endParaRPr lang="en-US" dirty="0"/>
           </a:p>
@@ -18319,7 +18320,7 @@
         </p:nvSpPr>
         <p:spPr/>
         <p:txBody>
-          <a:bodyPr anchor="t"/>
+          <a:bodyPr anchor="b"/>
           <a:lstStyle/>
           <a:p>
             <a:r>
@@ -18354,38 +18355,8 @@
         </p:blipFill>
         <p:spPr>
           <a:xfrm>
-            <a:off x="1295400" y="1126445"/>
+            <a:off x="1848293" y="2604371"/>
             <a:ext cx="7996688" cy="1142384"/>
-          </a:xfrm>
-          <a:prstGeom prst="rect">
-            <a:avLst/>
-          </a:prstGeom>
-        </p:spPr>
-      </p:pic>
-      <p:pic>
-        <p:nvPicPr>
-          <p:cNvPr id="8" name="Picture 7">
-            <a:extLst>
-              <a:ext uri="{FF2B5EF4-FFF2-40B4-BE49-F238E27FC236}">
-                <a16:creationId xmlns:a16="http://schemas.microsoft.com/office/drawing/2014/main" id="{3BE1260B-DA81-4C1A-ADA9-C18250E7D97C}"/>
-              </a:ext>
-            </a:extLst>
-          </p:cNvPr>
-          <p:cNvPicPr>
-            <a:picLocks noChangeAspect="1"/>
-          </p:cNvPicPr>
-          <p:nvPr/>
-        </p:nvPicPr>
-        <p:blipFill>
-          <a:blip r:embed="rId3"/>
-          <a:stretch>
-            <a:fillRect/>
-          </a:stretch>
-        </p:blipFill>
-        <p:spPr>
-          <a:xfrm>
-            <a:off x="2762250" y="2119895"/>
-            <a:ext cx="8134350" cy="4391025"/>
           </a:xfrm>
           <a:prstGeom prst="rect">
             <a:avLst/>
@@ -18418,6 +18389,109 @@
 </file>
 
 <file path=ppt/slides/slide33.xml><?xml version="1.0" encoding="utf-8"?>
+<p:sld xmlns:a="http://schemas.openxmlformats.org/drawingml/2006/main" xmlns:r="http://schemas.openxmlformats.org/officeDocument/2006/relationships" xmlns:p="http://schemas.openxmlformats.org/presentationml/2006/main">
+  <p:cSld>
+    <p:spTree>
+      <p:nvGrpSpPr>
+        <p:cNvPr id="1" name=""/>
+        <p:cNvGrpSpPr/>
+        <p:nvPr/>
+      </p:nvGrpSpPr>
+      <p:grpSpPr>
+        <a:xfrm>
+          <a:off x="0" y="0"/>
+          <a:ext cx="0" cy="0"/>
+          <a:chOff x="0" y="0"/>
+          <a:chExt cx="0" cy="0"/>
+        </a:xfrm>
+      </p:grpSpPr>
+      <p:sp>
+        <p:nvSpPr>
+          <p:cNvPr id="2" name="Title 1">
+            <a:extLst>
+              <a:ext uri="{FF2B5EF4-FFF2-40B4-BE49-F238E27FC236}">
+                <a16:creationId xmlns:a16="http://schemas.microsoft.com/office/drawing/2014/main" id="{23C8226F-AA1E-495E-BB80-B982958E0052}"/>
+              </a:ext>
+            </a:extLst>
+          </p:cNvPr>
+          <p:cNvSpPr>
+            <a:spLocks noGrp="1"/>
+          </p:cNvSpPr>
+          <p:nvPr>
+            <p:ph type="title"/>
+          </p:nvPr>
+        </p:nvSpPr>
+        <p:spPr/>
+        <p:txBody>
+          <a:bodyPr anchor="t"/>
+          <a:lstStyle/>
+          <a:p>
+            <a:r>
+              <a:rPr lang="en-US" dirty="0"/>
+              <a:t>Dynamically Select the Connection String</a:t>
+            </a:r>
+            <a:endParaRPr lang="tr-TR" dirty="0"/>
+          </a:p>
+        </p:txBody>
+      </p:sp>
+      <p:pic>
+        <p:nvPicPr>
+          <p:cNvPr id="4" name="Content Placeholder 3">
+            <a:extLst>
+              <a:ext uri="{FF2B5EF4-FFF2-40B4-BE49-F238E27FC236}">
+                <a16:creationId xmlns:a16="http://schemas.microsoft.com/office/drawing/2014/main" id="{D5665F73-F7B3-4332-B37D-90CBC6556718}"/>
+              </a:ext>
+            </a:extLst>
+          </p:cNvPr>
+          <p:cNvPicPr>
+            <a:picLocks noGrp="1" noChangeAspect="1"/>
+          </p:cNvPicPr>
+          <p:nvPr>
+            <p:ph idx="1"/>
+          </p:nvPr>
+        </p:nvPicPr>
+        <p:blipFill>
+          <a:blip r:embed="rId2"/>
+          <a:stretch>
+            <a:fillRect/>
+          </a:stretch>
+        </p:blipFill>
+        <p:spPr>
+          <a:xfrm>
+            <a:off x="1635756" y="1075045"/>
+            <a:ext cx="8920487" cy="4815392"/>
+          </a:xfrm>
+          <a:prstGeom prst="rect">
+            <a:avLst/>
+          </a:prstGeom>
+        </p:spPr>
+      </p:pic>
+    </p:spTree>
+    <p:extLst>
+      <p:ext uri="{BB962C8B-B14F-4D97-AF65-F5344CB8AC3E}">
+        <p14:creationId xmlns:p14="http://schemas.microsoft.com/office/powerpoint/2010/main" val="1148936214"/>
+      </p:ext>
+    </p:extLst>
+  </p:cSld>
+  <p:clrMapOvr>
+    <a:masterClrMapping/>
+  </p:clrMapOvr>
+  <mc:AlternateContent xmlns:mc="http://schemas.openxmlformats.org/markup-compatibility/2006" xmlns:p14="http://schemas.microsoft.com/office/powerpoint/2010/main">
+    <mc:Choice Requires="p14">
+      <p:transition spd="med" p14:dur="700">
+        <p:fade/>
+      </p:transition>
+    </mc:Choice>
+    <mc:Fallback xmlns="">
+      <p:transition spd="med">
+        <p:fade/>
+      </p:transition>
+    </mc:Fallback>
+  </mc:AlternateContent>
+</p:sld>
+</file>
+
+<file path=ppt/slides/slide34.xml><?xml version="1.0" encoding="utf-8"?>
 <p:sld xmlns:a="http://schemas.openxmlformats.org/drawingml/2006/main" xmlns:r="http://schemas.openxmlformats.org/officeDocument/2006/relationships" xmlns:p="http://schemas.openxmlformats.org/presentationml/2006/main">
   <p:cSld>
     <p:spTree>
@@ -18520,7 +18594,7 @@
 </p:sld>
 </file>
 
-<file path=ppt/slides/slide34.xml><?xml version="1.0" encoding="utf-8"?>
+<file path=ppt/slides/slide35.xml><?xml version="1.0" encoding="utf-8"?>
 <p:sld xmlns:a="http://schemas.openxmlformats.org/drawingml/2006/main" xmlns:r="http://schemas.openxmlformats.org/officeDocument/2006/relationships" xmlns:p="http://schemas.openxmlformats.org/presentationml/2006/main">
   <p:cSld>
     <p:spTree>
@@ -18623,7 +18697,7 @@
 </p:sld>
 </file>
 
-<file path=ppt/slides/slide35.xml><?xml version="1.0" encoding="utf-8"?>
+<file path=ppt/slides/slide36.xml><?xml version="1.0" encoding="utf-8"?>
 <p:sld xmlns:a="http://schemas.openxmlformats.org/drawingml/2006/main" xmlns:r="http://schemas.openxmlformats.org/officeDocument/2006/relationships" xmlns:p="http://schemas.openxmlformats.org/presentationml/2006/main">
   <p:cSld>
     <p:spTree>
@@ -18726,7 +18800,7 @@
 </p:sld>
 </file>
 
-<file path=ppt/slides/slide36.xml><?xml version="1.0" encoding="utf-8"?>
+<file path=ppt/slides/slide37.xml><?xml version="1.0" encoding="utf-8"?>
 <p:sld xmlns:a="http://schemas.openxmlformats.org/drawingml/2006/main" xmlns:r="http://schemas.openxmlformats.org/officeDocument/2006/relationships" xmlns:p="http://schemas.openxmlformats.org/presentationml/2006/main">
   <p:cSld>
     <p:spTree>
@@ -18933,7 +19007,7 @@
 </p:sld>
 </file>
 
-<file path=ppt/slides/slide37.xml><?xml version="1.0" encoding="utf-8"?>
+<file path=ppt/slides/slide38.xml><?xml version="1.0" encoding="utf-8"?>
 <p:sld xmlns:a="http://schemas.openxmlformats.org/drawingml/2006/main" xmlns:r="http://schemas.openxmlformats.org/officeDocument/2006/relationships" xmlns:p="http://schemas.openxmlformats.org/presentationml/2006/main">
   <p:cSld>
     <p:spTree>
@@ -19034,7 +19108,7 @@
 </p:sld>
 </file>
 
-<file path=ppt/slides/slide38.xml><?xml version="1.0" encoding="utf-8"?>
+<file path=ppt/slides/slide39.xml><?xml version="1.0" encoding="utf-8"?>
 <p:sld xmlns:a="http://schemas.openxmlformats.org/drawingml/2006/main" xmlns:r="http://schemas.openxmlformats.org/officeDocument/2006/relationships" xmlns:p="http://schemas.openxmlformats.org/presentationml/2006/main">
   <p:cSld>
     <p:spTree>
@@ -19202,158 +19276,6 @@
     <p:extLst>
       <p:ext uri="{BB962C8B-B14F-4D97-AF65-F5344CB8AC3E}">
         <p14:creationId xmlns:p14="http://schemas.microsoft.com/office/powerpoint/2010/main" val="4204548617"/>
-      </p:ext>
-    </p:extLst>
-  </p:cSld>
-  <p:clrMapOvr>
-    <a:masterClrMapping/>
-  </p:clrMapOvr>
-  <mc:AlternateContent xmlns:mc="http://schemas.openxmlformats.org/markup-compatibility/2006" xmlns:p14="http://schemas.microsoft.com/office/powerpoint/2010/main">
-    <mc:Choice Requires="p14">
-      <p:transition spd="med" p14:dur="700">
-        <p:fade/>
-      </p:transition>
-    </mc:Choice>
-    <mc:Fallback xmlns="">
-      <p:transition spd="med">
-        <p:fade/>
-      </p:transition>
-    </mc:Fallback>
-  </mc:AlternateContent>
-</p:sld>
-</file>
-
-<file path=ppt/slides/slide39.xml><?xml version="1.0" encoding="utf-8"?>
-<p:sld xmlns:a="http://schemas.openxmlformats.org/drawingml/2006/main" xmlns:r="http://schemas.openxmlformats.org/officeDocument/2006/relationships" xmlns:p="http://schemas.openxmlformats.org/presentationml/2006/main">
-  <p:cSld>
-    <p:spTree>
-      <p:nvGrpSpPr>
-        <p:cNvPr id="1" name=""/>
-        <p:cNvGrpSpPr/>
-        <p:nvPr/>
-      </p:nvGrpSpPr>
-      <p:grpSpPr>
-        <a:xfrm>
-          <a:off x="0" y="0"/>
-          <a:ext cx="0" cy="0"/>
-          <a:chOff x="0" y="0"/>
-          <a:chExt cx="0" cy="0"/>
-        </a:xfrm>
-      </p:grpSpPr>
-      <p:sp>
-        <p:nvSpPr>
-          <p:cNvPr id="2" name="Title 1">
-            <a:extLst>
-              <a:ext uri="{FF2B5EF4-FFF2-40B4-BE49-F238E27FC236}">
-                <a16:creationId xmlns:a16="http://schemas.microsoft.com/office/drawing/2014/main" id="{822DF4FC-1170-4E44-A812-E95611010DCE}"/>
-              </a:ext>
-            </a:extLst>
-          </p:cNvPr>
-          <p:cNvSpPr>
-            <a:spLocks noGrp="1"/>
-          </p:cNvSpPr>
-          <p:nvPr>
-            <p:ph type="title"/>
-          </p:nvPr>
-        </p:nvSpPr>
-        <p:spPr/>
-        <p:txBody>
-          <a:bodyPr/>
-          <a:lstStyle/>
-          <a:p>
-            <a:r>
-              <a:rPr lang="en-US" dirty="0"/>
-              <a:t>Automatic Data Filtering: Other Options</a:t>
-            </a:r>
-            <a:endParaRPr lang="tr-TR" dirty="0"/>
-          </a:p>
-        </p:txBody>
-      </p:sp>
-      <p:sp>
-        <p:nvSpPr>
-          <p:cNvPr id="3" name="Content Placeholder 2">
-            <a:extLst>
-              <a:ext uri="{FF2B5EF4-FFF2-40B4-BE49-F238E27FC236}">
-                <a16:creationId xmlns:a16="http://schemas.microsoft.com/office/drawing/2014/main" id="{D1DF5A3F-3489-4681-A707-4D2FC3F90073}"/>
-              </a:ext>
-            </a:extLst>
-          </p:cNvPr>
-          <p:cNvSpPr>
-            <a:spLocks noGrp="1"/>
-          </p:cNvSpPr>
-          <p:nvPr>
-            <p:ph idx="1"/>
-          </p:nvPr>
-        </p:nvSpPr>
-        <p:spPr/>
-        <p:txBody>
-          <a:bodyPr/>
-          <a:lstStyle/>
-          <a:p>
-            <a:r>
-              <a:rPr lang="en-US" b="1" dirty="0"/>
-              <a:t>Row Level Security </a:t>
-            </a:r>
-            <a:r>
-              <a:rPr lang="en-US" dirty="0"/>
-              <a:t>– Available for SQL Server and Azure SQL Database.</a:t>
-            </a:r>
-          </a:p>
-          <a:p>
-            <a:pPr lvl="1"/>
-            <a:r>
-              <a:rPr lang="en-US" dirty="0"/>
-              <a:t>Pros: Completely integrated to DBMS. Works for everything.</a:t>
-            </a:r>
-          </a:p>
-          <a:p>
-            <a:pPr lvl="1"/>
-            <a:r>
-              <a:rPr lang="en-US" dirty="0"/>
-              <a:t>Cons: Relatively complex to implement. Specific to DBMS.</a:t>
-            </a:r>
-          </a:p>
-          <a:p>
-            <a:r>
-              <a:rPr lang="en-US" b="1" dirty="0"/>
-              <a:t>Azure Elastic Database Pool</a:t>
-            </a:r>
-          </a:p>
-          <a:p>
-            <a:pPr lvl="1"/>
-            <a:r>
-              <a:rPr lang="en-US" dirty="0"/>
-              <a:t>Pros: Dynamically create databases per tenant. Easily scale.</a:t>
-            </a:r>
-          </a:p>
-          <a:p>
-            <a:pPr lvl="1"/>
-            <a:r>
-              <a:rPr lang="en-US" dirty="0"/>
-              <a:t>Cons: Only for </a:t>
-            </a:r>
-            <a:r>
-              <a:rPr lang="en-US" i="1" dirty="0" err="1"/>
-              <a:t>db</a:t>
-            </a:r>
-            <a:r>
-              <a:rPr lang="en-US" i="1" dirty="0"/>
-              <a:t> per tenant</a:t>
-            </a:r>
-            <a:r>
-              <a:rPr lang="en-US" dirty="0"/>
-              <a:t> scenario. Has it’s own API. Has limitations.</a:t>
-            </a:r>
-          </a:p>
-          <a:p>
-            <a:endParaRPr lang="tr-TR" dirty="0"/>
-          </a:p>
-        </p:txBody>
-      </p:sp>
-    </p:spTree>
-    <p:extLst>
-      <p:ext uri="{BB962C8B-B14F-4D97-AF65-F5344CB8AC3E}">
-        <p14:creationId xmlns:p14="http://schemas.microsoft.com/office/powerpoint/2010/main" val="1000615958"/>
       </p:ext>
     </p:extLst>
   </p:cSld>
@@ -19663,6 +19585,158 @@
           <p:cNvPr id="2" name="Title 1">
             <a:extLst>
               <a:ext uri="{FF2B5EF4-FFF2-40B4-BE49-F238E27FC236}">
+                <a16:creationId xmlns:a16="http://schemas.microsoft.com/office/drawing/2014/main" id="{822DF4FC-1170-4E44-A812-E95611010DCE}"/>
+              </a:ext>
+            </a:extLst>
+          </p:cNvPr>
+          <p:cNvSpPr>
+            <a:spLocks noGrp="1"/>
+          </p:cNvSpPr>
+          <p:nvPr>
+            <p:ph type="title"/>
+          </p:nvPr>
+        </p:nvSpPr>
+        <p:spPr/>
+        <p:txBody>
+          <a:bodyPr/>
+          <a:lstStyle/>
+          <a:p>
+            <a:r>
+              <a:rPr lang="en-US" dirty="0"/>
+              <a:t>Automatic Data Filtering: Other Options</a:t>
+            </a:r>
+            <a:endParaRPr lang="tr-TR" dirty="0"/>
+          </a:p>
+        </p:txBody>
+      </p:sp>
+      <p:sp>
+        <p:nvSpPr>
+          <p:cNvPr id="3" name="Content Placeholder 2">
+            <a:extLst>
+              <a:ext uri="{FF2B5EF4-FFF2-40B4-BE49-F238E27FC236}">
+                <a16:creationId xmlns:a16="http://schemas.microsoft.com/office/drawing/2014/main" id="{D1DF5A3F-3489-4681-A707-4D2FC3F90073}"/>
+              </a:ext>
+            </a:extLst>
+          </p:cNvPr>
+          <p:cNvSpPr>
+            <a:spLocks noGrp="1"/>
+          </p:cNvSpPr>
+          <p:nvPr>
+            <p:ph idx="1"/>
+          </p:nvPr>
+        </p:nvSpPr>
+        <p:spPr/>
+        <p:txBody>
+          <a:bodyPr/>
+          <a:lstStyle/>
+          <a:p>
+            <a:r>
+              <a:rPr lang="en-US" b="1" dirty="0"/>
+              <a:t>Row Level Security </a:t>
+            </a:r>
+            <a:r>
+              <a:rPr lang="en-US" dirty="0"/>
+              <a:t>– Available for SQL Server and Azure SQL Database.</a:t>
+            </a:r>
+          </a:p>
+          <a:p>
+            <a:pPr lvl="1"/>
+            <a:r>
+              <a:rPr lang="en-US" dirty="0"/>
+              <a:t>Pros: Completely integrated to DBMS. Works for everything.</a:t>
+            </a:r>
+          </a:p>
+          <a:p>
+            <a:pPr lvl="1"/>
+            <a:r>
+              <a:rPr lang="en-US" dirty="0"/>
+              <a:t>Cons: Relatively complex to implement. Specific to DBMS.</a:t>
+            </a:r>
+          </a:p>
+          <a:p>
+            <a:r>
+              <a:rPr lang="en-US" b="1" dirty="0"/>
+              <a:t>Azure Elastic Database Pool</a:t>
+            </a:r>
+          </a:p>
+          <a:p>
+            <a:pPr lvl="1"/>
+            <a:r>
+              <a:rPr lang="en-US" dirty="0"/>
+              <a:t>Pros: Dynamically create databases per tenant. Easily scale.</a:t>
+            </a:r>
+          </a:p>
+          <a:p>
+            <a:pPr lvl="1"/>
+            <a:r>
+              <a:rPr lang="en-US" dirty="0"/>
+              <a:t>Cons: Only for </a:t>
+            </a:r>
+            <a:r>
+              <a:rPr lang="en-US" i="1" dirty="0" err="1"/>
+              <a:t>db</a:t>
+            </a:r>
+            <a:r>
+              <a:rPr lang="en-US" i="1" dirty="0"/>
+              <a:t> per tenant</a:t>
+            </a:r>
+            <a:r>
+              <a:rPr lang="en-US" dirty="0"/>
+              <a:t> scenario. Has it’s own API. Has limitations.</a:t>
+            </a:r>
+          </a:p>
+          <a:p>
+            <a:endParaRPr lang="tr-TR" dirty="0"/>
+          </a:p>
+        </p:txBody>
+      </p:sp>
+    </p:spTree>
+    <p:extLst>
+      <p:ext uri="{BB962C8B-B14F-4D97-AF65-F5344CB8AC3E}">
+        <p14:creationId xmlns:p14="http://schemas.microsoft.com/office/powerpoint/2010/main" val="1000615958"/>
+      </p:ext>
+    </p:extLst>
+  </p:cSld>
+  <p:clrMapOvr>
+    <a:masterClrMapping/>
+  </p:clrMapOvr>
+  <mc:AlternateContent xmlns:mc="http://schemas.openxmlformats.org/markup-compatibility/2006" xmlns:p14="http://schemas.microsoft.com/office/powerpoint/2010/main">
+    <mc:Choice Requires="p14">
+      <p:transition spd="med" p14:dur="700">
+        <p:fade/>
+      </p:transition>
+    </mc:Choice>
+    <mc:Fallback xmlns="">
+      <p:transition spd="med">
+        <p:fade/>
+      </p:transition>
+    </mc:Fallback>
+  </mc:AlternateContent>
+</p:sld>
+</file>
+
+<file path=ppt/slides/slide41.xml><?xml version="1.0" encoding="utf-8"?>
+<p:sld xmlns:a="http://schemas.openxmlformats.org/drawingml/2006/main" xmlns:r="http://schemas.openxmlformats.org/officeDocument/2006/relationships" xmlns:p="http://schemas.openxmlformats.org/presentationml/2006/main">
+  <p:cSld>
+    <p:spTree>
+      <p:nvGrpSpPr>
+        <p:cNvPr id="1" name=""/>
+        <p:cNvGrpSpPr/>
+        <p:nvPr/>
+      </p:nvGrpSpPr>
+      <p:grpSpPr>
+        <a:xfrm>
+          <a:off x="0" y="0"/>
+          <a:ext cx="0" cy="0"/>
+          <a:chOff x="0" y="0"/>
+          <a:chExt cx="0" cy="0"/>
+        </a:xfrm>
+      </p:grpSpPr>
+      <p:sp>
+        <p:nvSpPr>
+          <p:cNvPr id="2" name="Title 1">
+            <a:extLst>
+              <a:ext uri="{FF2B5EF4-FFF2-40B4-BE49-F238E27FC236}">
                 <a16:creationId xmlns:a16="http://schemas.microsoft.com/office/drawing/2014/main" id="{A9A6F59D-36A9-45E9-BC69-ED35D015E9A5}"/>
               </a:ext>
             </a:extLst>
@@ -19834,7 +19908,7 @@
 </p:sld>
 </file>
 
-<file path=ppt/slides/slide41.xml><?xml version="1.0" encoding="utf-8"?>
+<file path=ppt/slides/slide42.xml><?xml version="1.0" encoding="utf-8"?>
 <p:sld xmlns:a="http://schemas.openxmlformats.org/drawingml/2006/main" xmlns:r="http://schemas.openxmlformats.org/officeDocument/2006/relationships" xmlns:p="http://schemas.openxmlformats.org/presentationml/2006/main">
   <p:cSld>
     <p:spTree>
@@ -19937,7 +20011,7 @@
 </p:sld>
 </file>
 
-<file path=ppt/slides/slide42.xml><?xml version="1.0" encoding="utf-8"?>
+<file path=ppt/slides/slide43.xml><?xml version="1.0" encoding="utf-8"?>
 <p:sld xmlns:a="http://schemas.openxmlformats.org/drawingml/2006/main" xmlns:r="http://schemas.openxmlformats.org/officeDocument/2006/relationships" xmlns:p="http://schemas.openxmlformats.org/presentationml/2006/main">
   <p:cSld>
     <p:spTree>
@@ -20023,7 +20097,7 @@
 </p:sld>
 </file>
 
-<file path=ppt/slides/slide43.xml><?xml version="1.0" encoding="utf-8"?>
+<file path=ppt/slides/slide44.xml><?xml version="1.0" encoding="utf-8"?>
 <p:sld xmlns:a="http://schemas.openxmlformats.org/drawingml/2006/main" xmlns:r="http://schemas.openxmlformats.org/officeDocument/2006/relationships" xmlns:p="http://schemas.openxmlformats.org/presentationml/2006/main">
   <p:cSld>
     <p:spTree>
@@ -20179,7 +20253,7 @@
 </p:sld>
 </file>
 
-<file path=ppt/slides/slide44.xml><?xml version="1.0" encoding="utf-8"?>
+<file path=ppt/slides/slide45.xml><?xml version="1.0" encoding="utf-8"?>
 <p:sld xmlns:a="http://schemas.openxmlformats.org/drawingml/2006/main" xmlns:r="http://schemas.openxmlformats.org/officeDocument/2006/relationships" xmlns:p="http://schemas.openxmlformats.org/presentationml/2006/main">
   <p:cSld>
     <p:spTree>
@@ -20279,7 +20353,7 @@
 </p:sld>
 </file>
 
-<file path=ppt/slides/slide45.xml><?xml version="1.0" encoding="utf-8"?>
+<file path=ppt/slides/slide46.xml><?xml version="1.0" encoding="utf-8"?>
 <p:sld xmlns:a="http://schemas.openxmlformats.org/drawingml/2006/main" xmlns:r="http://schemas.openxmlformats.org/officeDocument/2006/relationships" xmlns:p="http://schemas.openxmlformats.org/presentationml/2006/main">
   <p:cSld>
     <p:spTree>
@@ -20426,7 +20500,7 @@
 </p:sld>
 </file>
 
-<file path=ppt/slides/slide46.xml><?xml version="1.0" encoding="utf-8"?>
+<file path=ppt/slides/slide47.xml><?xml version="1.0" encoding="utf-8"?>
 <p:sld xmlns:a="http://schemas.openxmlformats.org/drawingml/2006/main" xmlns:r="http://schemas.openxmlformats.org/officeDocument/2006/relationships" xmlns:p="http://schemas.openxmlformats.org/presentationml/2006/main">
   <p:cSld>
     <p:spTree>
@@ -20536,106 +20610,6 @@
     <p:extLst>
       <p:ext uri="{BB962C8B-B14F-4D97-AF65-F5344CB8AC3E}">
         <p14:creationId xmlns:p14="http://schemas.microsoft.com/office/powerpoint/2010/main" val="2689938307"/>
-      </p:ext>
-    </p:extLst>
-  </p:cSld>
-  <p:clrMapOvr>
-    <a:masterClrMapping/>
-  </p:clrMapOvr>
-  <mc:AlternateContent xmlns:mc="http://schemas.openxmlformats.org/markup-compatibility/2006" xmlns:p14="http://schemas.microsoft.com/office/powerpoint/2010/main">
-    <mc:Choice Requires="p14">
-      <p:transition spd="med" p14:dur="700">
-        <p:fade/>
-      </p:transition>
-    </mc:Choice>
-    <mc:Fallback xmlns="">
-      <p:transition spd="med">
-        <p:fade/>
-      </p:transition>
-    </mc:Fallback>
-  </mc:AlternateContent>
-</p:sld>
-</file>
-
-<file path=ppt/slides/slide47.xml><?xml version="1.0" encoding="utf-8"?>
-<p:sld xmlns:a="http://schemas.openxmlformats.org/drawingml/2006/main" xmlns:r="http://schemas.openxmlformats.org/officeDocument/2006/relationships" xmlns:p="http://schemas.openxmlformats.org/presentationml/2006/main">
-  <p:cSld>
-    <p:spTree>
-      <p:nvGrpSpPr>
-        <p:cNvPr id="1" name=""/>
-        <p:cNvGrpSpPr/>
-        <p:nvPr/>
-      </p:nvGrpSpPr>
-      <p:grpSpPr>
-        <a:xfrm>
-          <a:off x="0" y="0"/>
-          <a:ext cx="0" cy="0"/>
-          <a:chOff x="0" y="0"/>
-          <a:chExt cx="0" cy="0"/>
-        </a:xfrm>
-      </p:grpSpPr>
-      <p:sp>
-        <p:nvSpPr>
-          <p:cNvPr id="2" name="Title 1">
-            <a:extLst>
-              <a:ext uri="{FF2B5EF4-FFF2-40B4-BE49-F238E27FC236}">
-                <a16:creationId xmlns:a16="http://schemas.microsoft.com/office/drawing/2014/main" id="{C54D2C2B-A2E3-4E89-BAA9-D7CB67ABFA27}"/>
-              </a:ext>
-            </a:extLst>
-          </p:cNvPr>
-          <p:cNvSpPr>
-            <a:spLocks noGrp="1"/>
-          </p:cNvSpPr>
-          <p:nvPr>
-            <p:ph type="title"/>
-          </p:nvPr>
-        </p:nvSpPr>
-        <p:spPr/>
-        <p:txBody>
-          <a:bodyPr/>
-          <a:lstStyle/>
-          <a:p>
-            <a:r>
-              <a:rPr lang="en-US" dirty="0"/>
-              <a:t>Multi-Tenancy</a:t>
-            </a:r>
-            <a:endParaRPr lang="tr-TR" dirty="0"/>
-          </a:p>
-        </p:txBody>
-      </p:sp>
-      <p:sp>
-        <p:nvSpPr>
-          <p:cNvPr id="3" name="Text Placeholder 2">
-            <a:extLst>
-              <a:ext uri="{FF2B5EF4-FFF2-40B4-BE49-F238E27FC236}">
-                <a16:creationId xmlns:a16="http://schemas.microsoft.com/office/drawing/2014/main" id="{0F26BB83-7F85-4C25-A0C6-B2CB254AF692}"/>
-              </a:ext>
-            </a:extLst>
-          </p:cNvPr>
-          <p:cNvSpPr>
-            <a:spLocks noGrp="1"/>
-          </p:cNvSpPr>
-          <p:nvPr>
-            <p:ph type="body" idx="1"/>
-          </p:nvPr>
-        </p:nvSpPr>
-        <p:spPr/>
-        <p:txBody>
-          <a:bodyPr/>
-          <a:lstStyle/>
-          <a:p>
-            <a:r>
-              <a:rPr lang="en-US" dirty="0"/>
-              <a:t>DB Transactions &amp; Migrations</a:t>
-            </a:r>
-            <a:endParaRPr lang="tr-TR" dirty="0"/>
-          </a:p>
-        </p:txBody>
-      </p:sp>
-    </p:spTree>
-    <p:extLst>
-      <p:ext uri="{BB962C8B-B14F-4D97-AF65-F5344CB8AC3E}">
-        <p14:creationId xmlns:p14="http://schemas.microsoft.com/office/powerpoint/2010/main" val="3113983200"/>
       </p:ext>
     </p:extLst>
   </p:cSld>
@@ -20679,7 +20653,7 @@
           <p:cNvPr id="2" name="Title 1">
             <a:extLst>
               <a:ext uri="{FF2B5EF4-FFF2-40B4-BE49-F238E27FC236}">
-                <a16:creationId xmlns:a16="http://schemas.microsoft.com/office/drawing/2014/main" id="{C77A8DA4-A894-4405-81F3-988F785844A6}"/>
+                <a16:creationId xmlns:a16="http://schemas.microsoft.com/office/drawing/2014/main" id="{C54D2C2B-A2E3-4E89-BAA9-D7CB67ABFA27}"/>
               </a:ext>
             </a:extLst>
           </p:cNvPr>
@@ -20697,7 +20671,7 @@
           <a:p>
             <a:r>
               <a:rPr lang="en-US" dirty="0"/>
-              <a:t>Distributed Transactions</a:t>
+              <a:t>Multi-Tenancy</a:t>
             </a:r>
             <a:endParaRPr lang="tr-TR" dirty="0"/>
           </a:p>
@@ -20705,10 +20679,10 @@
       </p:sp>
       <p:sp>
         <p:nvSpPr>
-          <p:cNvPr id="3" name="Content Placeholder 2">
+          <p:cNvPr id="3" name="Text Placeholder 2">
             <a:extLst>
               <a:ext uri="{FF2B5EF4-FFF2-40B4-BE49-F238E27FC236}">
-                <a16:creationId xmlns:a16="http://schemas.microsoft.com/office/drawing/2014/main" id="{68D36B3E-9CA1-4B02-9011-D34E61B4AA08}"/>
+                <a16:creationId xmlns:a16="http://schemas.microsoft.com/office/drawing/2014/main" id="{0F26BB83-7F85-4C25-A0C6-B2CB254AF692}"/>
               </a:ext>
             </a:extLst>
           </p:cNvPr>
@@ -20716,7 +20690,7 @@
             <a:spLocks noGrp="1"/>
           </p:cNvSpPr>
           <p:nvPr>
-            <p:ph idx="1"/>
+            <p:ph type="body" idx="1"/>
           </p:nvPr>
         </p:nvSpPr>
         <p:spPr/>
@@ -20726,57 +20700,7 @@
           <a:p>
             <a:r>
               <a:rPr lang="en-US" dirty="0"/>
-              <a:t>Multi-tenant (or host + tenant) operations may require </a:t>
-            </a:r>
-            <a:r>
-              <a:rPr lang="en-US" b="1" dirty="0"/>
-              <a:t>distributed transactions</a:t>
-            </a:r>
-            <a:r>
-              <a:rPr lang="en-US" dirty="0"/>
-              <a:t> with </a:t>
-            </a:r>
-            <a:r>
-              <a:rPr lang="en-US" b="1" i="1" dirty="0"/>
-              <a:t>database per tenant</a:t>
-            </a:r>
-            <a:r>
-              <a:rPr lang="en-US" dirty="0"/>
-              <a:t> approach.</a:t>
-            </a:r>
-          </a:p>
-          <a:p>
-            <a:r>
-              <a:rPr lang="en-US" dirty="0"/>
-              <a:t>SQL Server can handle but requires to run </a:t>
-            </a:r>
-            <a:r>
-              <a:rPr lang="en-US" b="1" dirty="0"/>
-              <a:t>MSDTC</a:t>
-            </a:r>
-            <a:r>
-              <a:rPr lang="en-US" dirty="0"/>
-              <a:t>.</a:t>
-            </a:r>
-          </a:p>
-          <a:p>
-            <a:r>
-              <a:rPr lang="en-US" dirty="0"/>
-              <a:t>May not be possible for cloud systems.</a:t>
-            </a:r>
-          </a:p>
-          <a:p>
-            <a:r>
-              <a:rPr lang="en-US" dirty="0"/>
-              <a:t>Avoid where possible, or use event queues or some other </a:t>
-            </a:r>
-            <a:r>
-              <a:rPr lang="en-US" dirty="0" err="1"/>
-              <a:t>async</a:t>
-            </a:r>
-            <a:r>
-              <a:rPr lang="en-US" dirty="0"/>
-              <a:t> mechanism.</a:t>
+              <a:t>DB Transactions &amp; Migrations</a:t>
             </a:r>
             <a:endParaRPr lang="tr-TR" dirty="0"/>
           </a:p>
@@ -20785,7 +20709,7 @@
     </p:spTree>
     <p:extLst>
       <p:ext uri="{BB962C8B-B14F-4D97-AF65-F5344CB8AC3E}">
-        <p14:creationId xmlns:p14="http://schemas.microsoft.com/office/powerpoint/2010/main" val="3239617914"/>
+        <p14:creationId xmlns:p14="http://schemas.microsoft.com/office/powerpoint/2010/main" val="3113983200"/>
       </p:ext>
     </p:extLst>
   </p:cSld>
@@ -20829,7 +20753,7 @@
           <p:cNvPr id="2" name="Title 1">
             <a:extLst>
               <a:ext uri="{FF2B5EF4-FFF2-40B4-BE49-F238E27FC236}">
-                <a16:creationId xmlns:a16="http://schemas.microsoft.com/office/drawing/2014/main" id="{94409AC8-899E-4C65-8893-0A55FFB787AC}"/>
+                <a16:creationId xmlns:a16="http://schemas.microsoft.com/office/drawing/2014/main" id="{C77A8DA4-A894-4405-81F3-988F785844A6}"/>
               </a:ext>
             </a:extLst>
           </p:cNvPr>
@@ -20847,7 +20771,7 @@
           <a:p>
             <a:r>
               <a:rPr lang="en-US" dirty="0"/>
-              <a:t>Schema / Data Migration</a:t>
+              <a:t>Distributed Transactions</a:t>
             </a:r>
             <a:endParaRPr lang="tr-TR" dirty="0"/>
           </a:p>
@@ -20858,7 +20782,7 @@
           <p:cNvPr id="3" name="Content Placeholder 2">
             <a:extLst>
               <a:ext uri="{FF2B5EF4-FFF2-40B4-BE49-F238E27FC236}">
-                <a16:creationId xmlns:a16="http://schemas.microsoft.com/office/drawing/2014/main" id="{190C1804-2E97-4E87-9F92-D5CA629CDE72}"/>
+                <a16:creationId xmlns:a16="http://schemas.microsoft.com/office/drawing/2014/main" id="{68D36B3E-9CA1-4B02-9011-D34E61B4AA08}"/>
               </a:ext>
             </a:extLst>
           </p:cNvPr>
@@ -20876,71 +20800,57 @@
           <a:p>
             <a:r>
               <a:rPr lang="en-US" dirty="0"/>
-              <a:t>Problem for multiple-databases.</a:t>
-            </a:r>
-          </a:p>
-          <a:p>
-            <a:r>
-              <a:rPr lang="en-US" dirty="0"/>
-              <a:t>Solution: Upgrade </a:t>
+              <a:t>Multi-tenant (or host + tenant) operations may require </a:t>
             </a:r>
             <a:r>
               <a:rPr lang="en-US" b="1" dirty="0"/>
-              <a:t>all in one</a:t>
-            </a:r>
-            <a:r>
-              <a:rPr lang="en-US" dirty="0"/>
-              <a:t> with a custom tool.</a:t>
-            </a:r>
-          </a:p>
-          <a:p>
-            <a:pPr lvl="1"/>
-            <a:r>
-              <a:rPr lang="en-US" dirty="0"/>
-              <a:t>Pros: Easy to implement. All tenants are in the same version.</a:t>
-            </a:r>
-          </a:p>
-          <a:p>
-            <a:pPr lvl="1"/>
-            <a:r>
-              <a:rPr lang="en-US" dirty="0"/>
-              <a:t>Cons: May get too long time for big number of tenants and data. All tenants wait for all upgrade progress.</a:t>
-            </a:r>
-          </a:p>
-          <a:p>
-            <a:r>
-              <a:rPr lang="en-US" dirty="0"/>
-              <a:t>Solution: Upgrade the </a:t>
+              <a:t>distributed transactions</a:t>
+            </a:r>
+            <a:r>
+              <a:rPr lang="en-US" dirty="0"/>
+              <a:t> with </a:t>
+            </a:r>
+            <a:r>
+              <a:rPr lang="en-US" b="1" i="1" dirty="0"/>
+              <a:t>database per tenant</a:t>
+            </a:r>
+            <a:r>
+              <a:rPr lang="en-US" dirty="0"/>
+              <a:t> approach.</a:t>
+            </a:r>
+          </a:p>
+          <a:p>
+            <a:r>
+              <a:rPr lang="en-US" dirty="0"/>
+              <a:t>SQL Server can handle but requires to run </a:t>
             </a:r>
             <a:r>
               <a:rPr lang="en-US" b="1" dirty="0"/>
-              <a:t>application servers immediately</a:t>
-            </a:r>
-            <a:r>
-              <a:rPr lang="en-US" dirty="0"/>
-              <a:t>, upgrade </a:t>
-            </a:r>
-            <a:r>
-              <a:rPr lang="en-US" b="1" dirty="0"/>
-              <a:t>databases individually</a:t>
-            </a:r>
-            <a:r>
-              <a:rPr lang="en-US" dirty="0"/>
-              <a:t> on first access.</a:t>
-            </a:r>
-          </a:p>
-          <a:p>
-            <a:pPr lvl="1"/>
-            <a:r>
-              <a:rPr lang="en-US" dirty="0"/>
-              <a:t>Pros: Upgrading is distributed to time. A tenant does not wait for another.</a:t>
-            </a:r>
-          </a:p>
-          <a:p>
-            <a:pPr lvl="1"/>
-            <a:r>
-              <a:rPr lang="en-US" dirty="0"/>
-              <a:t>Cons: First accessing user may wait too much. Even we get timeout exception. Also, we don’t control the upgrade speed.</a:t>
+              <a:t>MSDTC</a:t>
+            </a:r>
+            <a:r>
+              <a:rPr lang="en-US" dirty="0"/>
+              <a:t>.</a:t>
+            </a:r>
+          </a:p>
+          <a:p>
+            <a:r>
+              <a:rPr lang="en-US" dirty="0"/>
+              <a:t>May not be possible for cloud systems.</a:t>
+            </a:r>
+          </a:p>
+          <a:p>
+            <a:r>
+              <a:rPr lang="en-US" dirty="0"/>
+              <a:t>Avoid where possible, or use event queues or some other </a:t>
+            </a:r>
+            <a:r>
+              <a:rPr lang="en-US" dirty="0" err="1"/>
+              <a:t>async</a:t>
+            </a:r>
+            <a:r>
+              <a:rPr lang="en-US" dirty="0"/>
+              <a:t> mechanism.</a:t>
             </a:r>
             <a:endParaRPr lang="tr-TR" dirty="0"/>
           </a:p>
@@ -20949,7 +20859,7 @@
     </p:spTree>
     <p:extLst>
       <p:ext uri="{BB962C8B-B14F-4D97-AF65-F5344CB8AC3E}">
-        <p14:creationId xmlns:p14="http://schemas.microsoft.com/office/powerpoint/2010/main" val="3077167626"/>
+        <p14:creationId xmlns:p14="http://schemas.microsoft.com/office/powerpoint/2010/main" val="3239617914"/>
       </p:ext>
     </p:extLst>
   </p:cSld>
@@ -21112,7 +21022,7 @@
           <p:cNvPr id="2" name="Title 1">
             <a:extLst>
               <a:ext uri="{FF2B5EF4-FFF2-40B4-BE49-F238E27FC236}">
-                <a16:creationId xmlns:a16="http://schemas.microsoft.com/office/drawing/2014/main" id="{CCC588D2-54AE-4D02-8CDC-07359611F6F6}"/>
+                <a16:creationId xmlns:a16="http://schemas.microsoft.com/office/drawing/2014/main" id="{94409AC8-899E-4C65-8893-0A55FFB787AC}"/>
               </a:ext>
             </a:extLst>
           </p:cNvPr>
@@ -21141,7 +21051,7 @@
           <p:cNvPr id="3" name="Content Placeholder 2">
             <a:extLst>
               <a:ext uri="{FF2B5EF4-FFF2-40B4-BE49-F238E27FC236}">
-                <a16:creationId xmlns:a16="http://schemas.microsoft.com/office/drawing/2014/main" id="{052B3B92-A702-46DA-9968-31DC7A070612}"/>
+                <a16:creationId xmlns:a16="http://schemas.microsoft.com/office/drawing/2014/main" id="{190C1804-2E97-4E87-9F92-D5CA629CDE72}"/>
               </a:ext>
             </a:extLst>
           </p:cNvPr>
@@ -21154,76 +21064,85 @@
         </p:nvSpPr>
         <p:spPr/>
         <p:txBody>
-          <a:bodyPr>
-            <a:normAutofit lnSpcReduction="10000"/>
-          </a:bodyPr>
+          <a:bodyPr/>
           <a:lstStyle/>
           <a:p>
             <a:r>
               <a:rPr lang="en-US" dirty="0"/>
-              <a:t>Solution: Multiple versions concurrently.</a:t>
+              <a:t>Problem for multiple-databases.</a:t>
+            </a:r>
+          </a:p>
+          <a:p>
+            <a:r>
+              <a:rPr lang="en-US" dirty="0"/>
+              <a:t>Solution: Upgrade </a:t>
+            </a:r>
+            <a:r>
+              <a:rPr lang="en-US" b="1" dirty="0"/>
+              <a:t>all in one</a:t>
+            </a:r>
+            <a:r>
+              <a:rPr lang="en-US" dirty="0"/>
+              <a:t> with a custom tool.</a:t>
             </a:r>
           </a:p>
           <a:p>
             <a:pPr lvl="1"/>
             <a:r>
               <a:rPr lang="en-US" dirty="0"/>
-              <a:t>Split the application servers into two parts: Upgraded tenants use the new application, other tenants use the old application.</a:t>
-            </a:r>
-          </a:p>
-          <a:p>
-            <a:r>
-              <a:rPr lang="en-US" dirty="0"/>
-              <a:t>Pros:</a:t>
+              <a:t>Pros: Easy to implement. All tenants are in the same version.</a:t>
             </a:r>
           </a:p>
           <a:p>
             <a:pPr lvl="1"/>
             <a:r>
               <a:rPr lang="en-US" dirty="0"/>
-              <a:t>Minimum waiting for every tenant.</a:t>
+              <a:t>Cons: May get too long time for big number of tenants and data. All tenants wait for all upgrade progress.</a:t>
+            </a:r>
+          </a:p>
+          <a:p>
+            <a:r>
+              <a:rPr lang="en-US" dirty="0"/>
+              <a:t>Solution: Upgrade the </a:t>
+            </a:r>
+            <a:r>
+              <a:rPr lang="en-US" b="1" dirty="0"/>
+              <a:t>application servers immediately</a:t>
+            </a:r>
+            <a:r>
+              <a:rPr lang="en-US" dirty="0"/>
+              <a:t>, upgrade </a:t>
+            </a:r>
+            <a:r>
+              <a:rPr lang="en-US" b="1" dirty="0"/>
+              <a:t>databases individually</a:t>
+            </a:r>
+            <a:r>
+              <a:rPr lang="en-US" dirty="0"/>
+              <a:t> on first access.</a:t>
             </a:r>
           </a:p>
           <a:p>
             <a:pPr lvl="1"/>
             <a:r>
               <a:rPr lang="en-US" dirty="0"/>
-              <a:t>Upgrading may be scheduled for every individual tenant and they can be informed.</a:t>
+              <a:t>Pros: Upgrading is distributed to time. A tenant does not wait for another.</a:t>
             </a:r>
           </a:p>
           <a:p>
             <a:pPr lvl="1"/>
             <a:r>
               <a:rPr lang="en-US" dirty="0"/>
-              <a:t>Allows us to perform A/B tests and previews.</a:t>
-            </a:r>
-          </a:p>
-          <a:p>
-            <a:r>
-              <a:rPr lang="en-US" dirty="0"/>
-              <a:t>Cons</a:t>
-            </a:r>
-          </a:p>
-          <a:p>
-            <a:pPr lvl="1"/>
-            <a:r>
-              <a:rPr lang="en-US" dirty="0"/>
-              <a:t>Requires multiple application servers – but reasonable for a big system.</a:t>
-            </a:r>
-          </a:p>
-          <a:p>
-            <a:pPr lvl="1"/>
-            <a:r>
-              <a:rPr lang="en-US" dirty="0"/>
-              <a:t>Harder to implement, maintain and monitor.</a:t>
-            </a:r>
+              <a:t>Cons: First accessing user may wait too much. Even we get timeout exception. Also, we don’t control the upgrade speed.</a:t>
+            </a:r>
+            <a:endParaRPr lang="tr-TR" dirty="0"/>
           </a:p>
         </p:txBody>
       </p:sp>
     </p:spTree>
     <p:extLst>
       <p:ext uri="{BB962C8B-B14F-4D97-AF65-F5344CB8AC3E}">
-        <p14:creationId xmlns:p14="http://schemas.microsoft.com/office/powerpoint/2010/main" val="386610187"/>
+        <p14:creationId xmlns:p14="http://schemas.microsoft.com/office/powerpoint/2010/main" val="3077167626"/>
       </p:ext>
     </p:extLst>
   </p:cSld>
@@ -21267,7 +21186,7 @@
           <p:cNvPr id="2" name="Title 1">
             <a:extLst>
               <a:ext uri="{FF2B5EF4-FFF2-40B4-BE49-F238E27FC236}">
-                <a16:creationId xmlns:a16="http://schemas.microsoft.com/office/drawing/2014/main" id="{9B3EBDE1-C46A-42BA-8FE9-CC5F8E3819EB}"/>
+                <a16:creationId xmlns:a16="http://schemas.microsoft.com/office/drawing/2014/main" id="{CCC588D2-54AE-4D02-8CDC-07359611F6F6}"/>
               </a:ext>
             </a:extLst>
           </p:cNvPr>
@@ -21285,7 +21204,7 @@
           <a:p>
             <a:r>
               <a:rPr lang="en-US" dirty="0"/>
-              <a:t>Multi-Tenancy</a:t>
+              <a:t>Schema / Data Migration</a:t>
             </a:r>
             <a:endParaRPr lang="tr-TR" dirty="0"/>
           </a:p>
@@ -21293,10 +21212,10 @@
       </p:sp>
       <p:sp>
         <p:nvSpPr>
-          <p:cNvPr id="3" name="Text Placeholder 2">
+          <p:cNvPr id="3" name="Content Placeholder 2">
             <a:extLst>
               <a:ext uri="{FF2B5EF4-FFF2-40B4-BE49-F238E27FC236}">
-                <a16:creationId xmlns:a16="http://schemas.microsoft.com/office/drawing/2014/main" id="{545AF91A-86DC-4C2D-9A10-11DF673655AB}"/>
+                <a16:creationId xmlns:a16="http://schemas.microsoft.com/office/drawing/2014/main" id="{052B3B92-A702-46DA-9968-31DC7A070612}"/>
               </a:ext>
             </a:extLst>
           </p:cNvPr>
@@ -21304,26 +21223,81 @@
             <a:spLocks noGrp="1"/>
           </p:cNvSpPr>
           <p:nvPr>
-            <p:ph type="body" idx="1"/>
+            <p:ph idx="1"/>
           </p:nvPr>
         </p:nvSpPr>
         <p:spPr/>
         <p:txBody>
-          <a:bodyPr/>
+          <a:bodyPr>
+            <a:normAutofit lnSpcReduction="10000"/>
+          </a:bodyPr>
           <a:lstStyle/>
           <a:p>
             <a:r>
               <a:rPr lang="en-US" dirty="0"/>
-              <a:t>Best Practices, Optimizations &amp; Integrations</a:t>
-            </a:r>
-            <a:endParaRPr lang="tr-TR" dirty="0"/>
+              <a:t>Solution: Multiple versions concurrently.</a:t>
+            </a:r>
+          </a:p>
+          <a:p>
+            <a:pPr lvl="1"/>
+            <a:r>
+              <a:rPr lang="en-US" dirty="0"/>
+              <a:t>Split the application servers into two parts: Upgraded tenants use the new application, other tenants use the old application.</a:t>
+            </a:r>
+          </a:p>
+          <a:p>
+            <a:r>
+              <a:rPr lang="en-US" dirty="0"/>
+              <a:t>Pros:</a:t>
+            </a:r>
+          </a:p>
+          <a:p>
+            <a:pPr lvl="1"/>
+            <a:r>
+              <a:rPr lang="en-US" dirty="0"/>
+              <a:t>Minimum waiting for every tenant.</a:t>
+            </a:r>
+          </a:p>
+          <a:p>
+            <a:pPr lvl="1"/>
+            <a:r>
+              <a:rPr lang="en-US" dirty="0"/>
+              <a:t>Upgrading may be scheduled for every individual tenant and they can be informed.</a:t>
+            </a:r>
+          </a:p>
+          <a:p>
+            <a:pPr lvl="1"/>
+            <a:r>
+              <a:rPr lang="en-US" dirty="0"/>
+              <a:t>Allows us to perform A/B tests and previews.</a:t>
+            </a:r>
+          </a:p>
+          <a:p>
+            <a:r>
+              <a:rPr lang="en-US" dirty="0"/>
+              <a:t>Cons</a:t>
+            </a:r>
+          </a:p>
+          <a:p>
+            <a:pPr lvl="1"/>
+            <a:r>
+              <a:rPr lang="en-US" dirty="0"/>
+              <a:t>Requires multiple application servers – but reasonable for a big system.</a:t>
+            </a:r>
+          </a:p>
+          <a:p>
+            <a:pPr lvl="1"/>
+            <a:r>
+              <a:rPr lang="en-US" dirty="0"/>
+              <a:t>Harder to implement, maintain and monitor.</a:t>
+            </a:r>
           </a:p>
         </p:txBody>
       </p:sp>
     </p:spTree>
     <p:extLst>
       <p:ext uri="{BB962C8B-B14F-4D97-AF65-F5344CB8AC3E}">
-        <p14:creationId xmlns:p14="http://schemas.microsoft.com/office/powerpoint/2010/main" val="3294051223"/>
+        <p14:creationId xmlns:p14="http://schemas.microsoft.com/office/powerpoint/2010/main" val="386610187"/>
       </p:ext>
     </p:extLst>
   </p:cSld>
@@ -21367,6 +21341,106 @@
           <p:cNvPr id="2" name="Title 1">
             <a:extLst>
               <a:ext uri="{FF2B5EF4-FFF2-40B4-BE49-F238E27FC236}">
+                <a16:creationId xmlns:a16="http://schemas.microsoft.com/office/drawing/2014/main" id="{9B3EBDE1-C46A-42BA-8FE9-CC5F8E3819EB}"/>
+              </a:ext>
+            </a:extLst>
+          </p:cNvPr>
+          <p:cNvSpPr>
+            <a:spLocks noGrp="1"/>
+          </p:cNvSpPr>
+          <p:nvPr>
+            <p:ph type="title"/>
+          </p:nvPr>
+        </p:nvSpPr>
+        <p:spPr/>
+        <p:txBody>
+          <a:bodyPr/>
+          <a:lstStyle/>
+          <a:p>
+            <a:r>
+              <a:rPr lang="en-US" dirty="0"/>
+              <a:t>Multi-Tenancy</a:t>
+            </a:r>
+            <a:endParaRPr lang="tr-TR" dirty="0"/>
+          </a:p>
+        </p:txBody>
+      </p:sp>
+      <p:sp>
+        <p:nvSpPr>
+          <p:cNvPr id="3" name="Text Placeholder 2">
+            <a:extLst>
+              <a:ext uri="{FF2B5EF4-FFF2-40B4-BE49-F238E27FC236}">
+                <a16:creationId xmlns:a16="http://schemas.microsoft.com/office/drawing/2014/main" id="{545AF91A-86DC-4C2D-9A10-11DF673655AB}"/>
+              </a:ext>
+            </a:extLst>
+          </p:cNvPr>
+          <p:cNvSpPr>
+            <a:spLocks noGrp="1"/>
+          </p:cNvSpPr>
+          <p:nvPr>
+            <p:ph type="body" idx="1"/>
+          </p:nvPr>
+        </p:nvSpPr>
+        <p:spPr/>
+        <p:txBody>
+          <a:bodyPr/>
+          <a:lstStyle/>
+          <a:p>
+            <a:r>
+              <a:rPr lang="en-US" dirty="0"/>
+              <a:t>Best Practices, Optimizations &amp; Integrations</a:t>
+            </a:r>
+            <a:endParaRPr lang="tr-TR" dirty="0"/>
+          </a:p>
+        </p:txBody>
+      </p:sp>
+    </p:spTree>
+    <p:extLst>
+      <p:ext uri="{BB962C8B-B14F-4D97-AF65-F5344CB8AC3E}">
+        <p14:creationId xmlns:p14="http://schemas.microsoft.com/office/powerpoint/2010/main" val="3294051223"/>
+      </p:ext>
+    </p:extLst>
+  </p:cSld>
+  <p:clrMapOvr>
+    <a:masterClrMapping/>
+  </p:clrMapOvr>
+  <mc:AlternateContent xmlns:mc="http://schemas.openxmlformats.org/markup-compatibility/2006" xmlns:p14="http://schemas.microsoft.com/office/powerpoint/2010/main">
+    <mc:Choice Requires="p14">
+      <p:transition spd="med" p14:dur="700">
+        <p:fade/>
+      </p:transition>
+    </mc:Choice>
+    <mc:Fallback xmlns="">
+      <p:transition spd="med">
+        <p:fade/>
+      </p:transition>
+    </mc:Fallback>
+  </mc:AlternateContent>
+</p:sld>
+</file>
+
+<file path=ppt/slides/slide53.xml><?xml version="1.0" encoding="utf-8"?>
+<p:sld xmlns:a="http://schemas.openxmlformats.org/drawingml/2006/main" xmlns:r="http://schemas.openxmlformats.org/officeDocument/2006/relationships" xmlns:p="http://schemas.openxmlformats.org/presentationml/2006/main">
+  <p:cSld>
+    <p:spTree>
+      <p:nvGrpSpPr>
+        <p:cNvPr id="1" name=""/>
+        <p:cNvGrpSpPr/>
+        <p:nvPr/>
+      </p:nvGrpSpPr>
+      <p:grpSpPr>
+        <a:xfrm>
+          <a:off x="0" y="0"/>
+          <a:ext cx="0" cy="0"/>
+          <a:chOff x="0" y="0"/>
+          <a:chExt cx="0" cy="0"/>
+        </a:xfrm>
+      </p:grpSpPr>
+      <p:sp>
+        <p:nvSpPr>
+          <p:cNvPr id="2" name="Title 1">
+            <a:extLst>
+              <a:ext uri="{FF2B5EF4-FFF2-40B4-BE49-F238E27FC236}">
                 <a16:creationId xmlns:a16="http://schemas.microsoft.com/office/drawing/2014/main" id="{4E9C2151-A3B6-4AD6-9F94-89C0A8F64BDE}"/>
               </a:ext>
             </a:extLst>
@@ -21492,7 +21566,7 @@
 </p:sld>
 </file>
 
-<file path=ppt/slides/slide53.xml><?xml version="1.0" encoding="utf-8"?>
+<file path=ppt/slides/slide54.xml><?xml version="1.0" encoding="utf-8"?>
 <p:sld xmlns:a="http://schemas.openxmlformats.org/drawingml/2006/main" xmlns:r="http://schemas.openxmlformats.org/officeDocument/2006/relationships" xmlns:p="http://schemas.openxmlformats.org/presentationml/2006/main">
   <p:cSld>
     <p:spTree>
@@ -21595,7 +21669,7 @@
 </p:sld>
 </file>
 
-<file path=ppt/slides/slide54.xml><?xml version="1.0" encoding="utf-8"?>
+<file path=ppt/slides/slide55.xml><?xml version="1.0" encoding="utf-8"?>
 <p:sld xmlns:a="http://schemas.openxmlformats.org/drawingml/2006/main" xmlns:r="http://schemas.openxmlformats.org/officeDocument/2006/relationships" xmlns:p="http://schemas.openxmlformats.org/presentationml/2006/main">
   <p:cSld>
     <p:spTree>
@@ -21698,7 +21772,7 @@
 </p:sld>
 </file>
 
-<file path=ppt/slides/slide55.xml><?xml version="1.0" encoding="utf-8"?>
+<file path=ppt/slides/slide56.xml><?xml version="1.0" encoding="utf-8"?>
 <p:sld xmlns:a="http://schemas.openxmlformats.org/drawingml/2006/main" xmlns:r="http://schemas.openxmlformats.org/officeDocument/2006/relationships" xmlns:p="http://schemas.openxmlformats.org/presentationml/2006/main">
   <p:cSld>
     <p:spTree>
@@ -21803,106 +21877,6 @@
     <p:extLst>
       <p:ext uri="{BB962C8B-B14F-4D97-AF65-F5344CB8AC3E}">
         <p14:creationId xmlns:p14="http://schemas.microsoft.com/office/powerpoint/2010/main" val="3889694038"/>
-      </p:ext>
-    </p:extLst>
-  </p:cSld>
-  <p:clrMapOvr>
-    <a:masterClrMapping/>
-  </p:clrMapOvr>
-  <mc:AlternateContent xmlns:mc="http://schemas.openxmlformats.org/markup-compatibility/2006" xmlns:p14="http://schemas.microsoft.com/office/powerpoint/2010/main">
-    <mc:Choice Requires="p14">
-      <p:transition spd="med" p14:dur="700">
-        <p:fade/>
-      </p:transition>
-    </mc:Choice>
-    <mc:Fallback xmlns="">
-      <p:transition spd="med">
-        <p:fade/>
-      </p:transition>
-    </mc:Fallback>
-  </mc:AlternateContent>
-</p:sld>
-</file>
-
-<file path=ppt/slides/slide56.xml><?xml version="1.0" encoding="utf-8"?>
-<p:sld xmlns:a="http://schemas.openxmlformats.org/drawingml/2006/main" xmlns:r="http://schemas.openxmlformats.org/officeDocument/2006/relationships" xmlns:p="http://schemas.openxmlformats.org/presentationml/2006/main">
-  <p:cSld>
-    <p:spTree>
-      <p:nvGrpSpPr>
-        <p:cNvPr id="1" name=""/>
-        <p:cNvGrpSpPr/>
-        <p:nvPr/>
-      </p:nvGrpSpPr>
-      <p:grpSpPr>
-        <a:xfrm>
-          <a:off x="0" y="0"/>
-          <a:ext cx="0" cy="0"/>
-          <a:chOff x="0" y="0"/>
-          <a:chExt cx="0" cy="0"/>
-        </a:xfrm>
-      </p:grpSpPr>
-      <p:sp>
-        <p:nvSpPr>
-          <p:cNvPr id="2" name="Title 1">
-            <a:extLst>
-              <a:ext uri="{FF2B5EF4-FFF2-40B4-BE49-F238E27FC236}">
-                <a16:creationId xmlns:a16="http://schemas.microsoft.com/office/drawing/2014/main" id="{02A077FB-0CE7-40D6-9191-DBD704459D87}"/>
-              </a:ext>
-            </a:extLst>
-          </p:cNvPr>
-          <p:cNvSpPr>
-            <a:spLocks noGrp="1"/>
-          </p:cNvSpPr>
-          <p:nvPr>
-            <p:ph type="title"/>
-          </p:nvPr>
-        </p:nvSpPr>
-        <p:spPr/>
-        <p:txBody>
-          <a:bodyPr/>
-          <a:lstStyle/>
-          <a:p>
-            <a:r>
-              <a:rPr lang="en-US" dirty="0"/>
-              <a:t>Multi-Tenancy</a:t>
-            </a:r>
-            <a:endParaRPr lang="tr-TR" dirty="0"/>
-          </a:p>
-        </p:txBody>
-      </p:sp>
-      <p:sp>
-        <p:nvSpPr>
-          <p:cNvPr id="3" name="Text Placeholder 2">
-            <a:extLst>
-              <a:ext uri="{FF2B5EF4-FFF2-40B4-BE49-F238E27FC236}">
-                <a16:creationId xmlns:a16="http://schemas.microsoft.com/office/drawing/2014/main" id="{99CA0C65-1142-45DA-A18C-FEE7A8EE9F63}"/>
-              </a:ext>
-            </a:extLst>
-          </p:cNvPr>
-          <p:cNvSpPr>
-            <a:spLocks noGrp="1"/>
-          </p:cNvSpPr>
-          <p:nvPr>
-            <p:ph type="body" idx="1"/>
-          </p:nvPr>
-        </p:nvSpPr>
-        <p:spPr/>
-        <p:txBody>
-          <a:bodyPr/>
-          <a:lstStyle/>
-          <a:p>
-            <a:r>
-              <a:rPr lang="en-US" dirty="0"/>
-              <a:t>SaaS Features</a:t>
-            </a:r>
-            <a:endParaRPr lang="tr-TR" dirty="0"/>
-          </a:p>
-        </p:txBody>
-      </p:sp>
-    </p:spTree>
-    <p:extLst>
-      <p:ext uri="{BB962C8B-B14F-4D97-AF65-F5344CB8AC3E}">
-        <p14:creationId xmlns:p14="http://schemas.microsoft.com/office/powerpoint/2010/main" val="2106742891"/>
       </p:ext>
     </p:extLst>
   </p:cSld>
@@ -21946,6 +21920,106 @@
           <p:cNvPr id="2" name="Title 1">
             <a:extLst>
               <a:ext uri="{FF2B5EF4-FFF2-40B4-BE49-F238E27FC236}">
+                <a16:creationId xmlns:a16="http://schemas.microsoft.com/office/drawing/2014/main" id="{02A077FB-0CE7-40D6-9191-DBD704459D87}"/>
+              </a:ext>
+            </a:extLst>
+          </p:cNvPr>
+          <p:cNvSpPr>
+            <a:spLocks noGrp="1"/>
+          </p:cNvSpPr>
+          <p:nvPr>
+            <p:ph type="title"/>
+          </p:nvPr>
+        </p:nvSpPr>
+        <p:spPr/>
+        <p:txBody>
+          <a:bodyPr/>
+          <a:lstStyle/>
+          <a:p>
+            <a:r>
+              <a:rPr lang="en-US" dirty="0"/>
+              <a:t>Multi-Tenancy</a:t>
+            </a:r>
+            <a:endParaRPr lang="tr-TR" dirty="0"/>
+          </a:p>
+        </p:txBody>
+      </p:sp>
+      <p:sp>
+        <p:nvSpPr>
+          <p:cNvPr id="3" name="Text Placeholder 2">
+            <a:extLst>
+              <a:ext uri="{FF2B5EF4-FFF2-40B4-BE49-F238E27FC236}">
+                <a16:creationId xmlns:a16="http://schemas.microsoft.com/office/drawing/2014/main" id="{99CA0C65-1142-45DA-A18C-FEE7A8EE9F63}"/>
+              </a:ext>
+            </a:extLst>
+          </p:cNvPr>
+          <p:cNvSpPr>
+            <a:spLocks noGrp="1"/>
+          </p:cNvSpPr>
+          <p:nvPr>
+            <p:ph type="body" idx="1"/>
+          </p:nvPr>
+        </p:nvSpPr>
+        <p:spPr/>
+        <p:txBody>
+          <a:bodyPr/>
+          <a:lstStyle/>
+          <a:p>
+            <a:r>
+              <a:rPr lang="en-US" dirty="0"/>
+              <a:t>SaaS Features</a:t>
+            </a:r>
+            <a:endParaRPr lang="tr-TR" dirty="0"/>
+          </a:p>
+        </p:txBody>
+      </p:sp>
+    </p:spTree>
+    <p:extLst>
+      <p:ext uri="{BB962C8B-B14F-4D97-AF65-F5344CB8AC3E}">
+        <p14:creationId xmlns:p14="http://schemas.microsoft.com/office/powerpoint/2010/main" val="2106742891"/>
+      </p:ext>
+    </p:extLst>
+  </p:cSld>
+  <p:clrMapOvr>
+    <a:masterClrMapping/>
+  </p:clrMapOvr>
+  <mc:AlternateContent xmlns:mc="http://schemas.openxmlformats.org/markup-compatibility/2006" xmlns:p14="http://schemas.microsoft.com/office/powerpoint/2010/main">
+    <mc:Choice Requires="p14">
+      <p:transition spd="med" p14:dur="700">
+        <p:fade/>
+      </p:transition>
+    </mc:Choice>
+    <mc:Fallback xmlns="">
+      <p:transition spd="med">
+        <p:fade/>
+      </p:transition>
+    </mc:Fallback>
+  </mc:AlternateContent>
+</p:sld>
+</file>
+
+<file path=ppt/slides/slide58.xml><?xml version="1.0" encoding="utf-8"?>
+<p:sld xmlns:a="http://schemas.openxmlformats.org/drawingml/2006/main" xmlns:r="http://schemas.openxmlformats.org/officeDocument/2006/relationships" xmlns:p="http://schemas.openxmlformats.org/presentationml/2006/main">
+  <p:cSld>
+    <p:spTree>
+      <p:nvGrpSpPr>
+        <p:cNvPr id="1" name=""/>
+        <p:cNvGrpSpPr/>
+        <p:nvPr/>
+      </p:nvGrpSpPr>
+      <p:grpSpPr>
+        <a:xfrm>
+          <a:off x="0" y="0"/>
+          <a:ext cx="0" cy="0"/>
+          <a:chOff x="0" y="0"/>
+          <a:chExt cx="0" cy="0"/>
+        </a:xfrm>
+      </p:grpSpPr>
+      <p:sp>
+        <p:nvSpPr>
+          <p:cNvPr id="2" name="Title 1">
+            <a:extLst>
+              <a:ext uri="{FF2B5EF4-FFF2-40B4-BE49-F238E27FC236}">
                 <a16:creationId xmlns:a16="http://schemas.microsoft.com/office/drawing/2014/main" id="{5264EEA8-D91E-4C3C-89FF-8A4B2A76AC50}"/>
               </a:ext>
             </a:extLst>
@@ -22097,7 +22171,7 @@
 </p:sld>
 </file>
 
-<file path=ppt/slides/slide58.xml><?xml version="1.0" encoding="utf-8"?>
+<file path=ppt/slides/slide59.xml><?xml version="1.0" encoding="utf-8"?>
 <p:sld xmlns:a="http://schemas.openxmlformats.org/drawingml/2006/main" xmlns:r="http://schemas.openxmlformats.org/officeDocument/2006/relationships" xmlns:p="http://schemas.openxmlformats.org/presentationml/2006/main">
   <p:cSld>
     <p:spTree>
@@ -22209,179 +22283,6 @@
     <p:extLst>
       <p:ext uri="{BB962C8B-B14F-4D97-AF65-F5344CB8AC3E}">
         <p14:creationId xmlns:p14="http://schemas.microsoft.com/office/powerpoint/2010/main" val="805898745"/>
-      </p:ext>
-    </p:extLst>
-  </p:cSld>
-  <p:clrMapOvr>
-    <a:masterClrMapping/>
-  </p:clrMapOvr>
-  <mc:AlternateContent xmlns:mc="http://schemas.openxmlformats.org/markup-compatibility/2006" xmlns:p14="http://schemas.microsoft.com/office/powerpoint/2010/main">
-    <mc:Choice Requires="p14">
-      <p:transition spd="med" p14:dur="700">
-        <p:fade/>
-      </p:transition>
-    </mc:Choice>
-    <mc:Fallback xmlns="">
-      <p:transition spd="med">
-        <p:fade/>
-      </p:transition>
-    </mc:Fallback>
-  </mc:AlternateContent>
-</p:sld>
-</file>
-
-<file path=ppt/slides/slide59.xml><?xml version="1.0" encoding="utf-8"?>
-<p:sld xmlns:a="http://schemas.openxmlformats.org/drawingml/2006/main" xmlns:r="http://schemas.openxmlformats.org/officeDocument/2006/relationships" xmlns:p="http://schemas.openxmlformats.org/presentationml/2006/main">
-  <p:cSld>
-    <p:spTree>
-      <p:nvGrpSpPr>
-        <p:cNvPr id="1" name=""/>
-        <p:cNvGrpSpPr/>
-        <p:nvPr/>
-      </p:nvGrpSpPr>
-      <p:grpSpPr>
-        <a:xfrm>
-          <a:off x="0" y="0"/>
-          <a:ext cx="0" cy="0"/>
-          <a:chOff x="0" y="0"/>
-          <a:chExt cx="0" cy="0"/>
-        </a:xfrm>
-      </p:grpSpPr>
-      <p:sp>
-        <p:nvSpPr>
-          <p:cNvPr id="2" name="Title 1">
-            <a:extLst>
-              <a:ext uri="{FF2B5EF4-FFF2-40B4-BE49-F238E27FC236}">
-                <a16:creationId xmlns:a16="http://schemas.microsoft.com/office/drawing/2014/main" id="{C0E853EB-FAEE-4441-AB6C-70E5B811F334}"/>
-              </a:ext>
-            </a:extLst>
-          </p:cNvPr>
-          <p:cNvSpPr>
-            <a:spLocks noGrp="1"/>
-          </p:cNvSpPr>
-          <p:nvPr>
-            <p:ph type="title"/>
-          </p:nvPr>
-        </p:nvSpPr>
-        <p:spPr/>
-        <p:txBody>
-          <a:bodyPr/>
-          <a:lstStyle/>
-          <a:p>
-            <a:r>
-              <a:rPr lang="en-US" dirty="0"/>
-              <a:t>Declarative Feature Check</a:t>
-            </a:r>
-            <a:br>
-              <a:rPr lang="en-US" dirty="0"/>
-            </a:br>
-            <a:r>
-              <a:rPr lang="en-US" sz="2400" dirty="0"/>
-              <a:t>Implementation Options</a:t>
-            </a:r>
-            <a:endParaRPr lang="tr-TR" dirty="0"/>
-          </a:p>
-        </p:txBody>
-      </p:sp>
-      <p:sp>
-        <p:nvSpPr>
-          <p:cNvPr id="3" name="Content Placeholder 2">
-            <a:extLst>
-              <a:ext uri="{FF2B5EF4-FFF2-40B4-BE49-F238E27FC236}">
-                <a16:creationId xmlns:a16="http://schemas.microsoft.com/office/drawing/2014/main" id="{1C849BB4-88CD-4AED-AF0F-640C65BE1543}"/>
-              </a:ext>
-            </a:extLst>
-          </p:cNvPr>
-          <p:cNvSpPr>
-            <a:spLocks noGrp="1"/>
-          </p:cNvSpPr>
-          <p:nvPr>
-            <p:ph idx="1"/>
-          </p:nvPr>
-        </p:nvSpPr>
-        <p:spPr/>
-        <p:txBody>
-          <a:bodyPr>
-            <a:normAutofit/>
-          </a:bodyPr>
-          <a:lstStyle/>
-          <a:p>
-            <a:r>
-              <a:rPr lang="en-US" dirty="0"/>
-              <a:t>MVC Action Filters</a:t>
-            </a:r>
-          </a:p>
-          <a:p>
-            <a:pPr lvl="1"/>
-            <a:r>
-              <a:rPr lang="en-US" dirty="0"/>
-              <a:t>Easy to implement. Naturally works within ASP.NET Core.</a:t>
-            </a:r>
-          </a:p>
-          <a:p>
-            <a:pPr lvl="1"/>
-            <a:r>
-              <a:rPr lang="en-US" dirty="0"/>
-              <a:t>Limited to Controller actions.</a:t>
-            </a:r>
-          </a:p>
-          <a:p>
-            <a:r>
-              <a:rPr lang="en-US" dirty="0"/>
-              <a:t>Method Interception using dynamic proxying.</a:t>
-            </a:r>
-          </a:p>
-          <a:p>
-            <a:pPr lvl="1"/>
-            <a:r>
-              <a:rPr lang="en-US" dirty="0"/>
-              <a:t>Works everywhere.</a:t>
-            </a:r>
-          </a:p>
-          <a:p>
-            <a:pPr lvl="1"/>
-            <a:r>
-              <a:rPr lang="en-US" dirty="0"/>
-              <a:t>Limited to virtual methods.</a:t>
-            </a:r>
-          </a:p>
-          <a:p>
-            <a:r>
-              <a:rPr lang="en-US" dirty="0"/>
-              <a:t>Weaving: </a:t>
-            </a:r>
-            <a:r>
-              <a:rPr lang="en-US" dirty="0" err="1"/>
-              <a:t>Mono.Cecil</a:t>
-            </a:r>
-            <a:r>
-              <a:rPr lang="en-US" dirty="0"/>
-              <a:t>, </a:t>
-            </a:r>
-            <a:r>
-              <a:rPr lang="en-US" dirty="0" err="1"/>
-              <a:t>Fody</a:t>
-            </a:r>
-            <a:r>
-              <a:rPr lang="en-US" dirty="0"/>
-              <a:t>, </a:t>
-            </a:r>
-            <a:r>
-              <a:rPr lang="en-US" dirty="0" err="1"/>
-              <a:t>Postsharp</a:t>
-            </a:r>
-            <a:r>
-              <a:rPr lang="en-US" dirty="0"/>
-              <a:t>… etc.</a:t>
-            </a:r>
-            <a:endParaRPr lang="tr-TR" dirty="0"/>
-          </a:p>
-        </p:txBody>
-      </p:sp>
-    </p:spTree>
-    <p:extLst>
-      <p:ext uri="{BB962C8B-B14F-4D97-AF65-F5344CB8AC3E}">
-        <p14:creationId xmlns:p14="http://schemas.microsoft.com/office/powerpoint/2010/main" val="1942701493"/>
       </p:ext>
     </p:extLst>
   </p:cSld>
@@ -22561,7 +22462,7 @@
           <p:cNvPr id="2" name="Title 1">
             <a:extLst>
               <a:ext uri="{FF2B5EF4-FFF2-40B4-BE49-F238E27FC236}">
-                <a16:creationId xmlns:a16="http://schemas.microsoft.com/office/drawing/2014/main" id="{983849C8-1458-42AD-AA16-46B8587D0A54}"/>
+                <a16:creationId xmlns:a16="http://schemas.microsoft.com/office/drawing/2014/main" id="{C0E853EB-FAEE-4441-AB6C-70E5B811F334}"/>
               </a:ext>
             </a:extLst>
           </p:cNvPr>
@@ -22579,7 +22480,14 @@
           <a:p>
             <a:r>
               <a:rPr lang="en-US" dirty="0"/>
-              <a:t>Multi-Tenancy</a:t>
+              <a:t>Declarative Feature Check</a:t>
+            </a:r>
+            <a:br>
+              <a:rPr lang="en-US" dirty="0"/>
+            </a:br>
+            <a:r>
+              <a:rPr lang="en-US" sz="2400" dirty="0"/>
+              <a:t>Implementation Options</a:t>
             </a:r>
             <a:endParaRPr lang="tr-TR" dirty="0"/>
           </a:p>
@@ -22587,10 +22495,10 @@
       </p:sp>
       <p:sp>
         <p:nvSpPr>
-          <p:cNvPr id="3" name="Text Placeholder 2">
+          <p:cNvPr id="3" name="Content Placeholder 2">
             <a:extLst>
               <a:ext uri="{FF2B5EF4-FFF2-40B4-BE49-F238E27FC236}">
-                <a16:creationId xmlns:a16="http://schemas.microsoft.com/office/drawing/2014/main" id="{0535A617-6395-4C46-A95B-AF38E57A48EA}"/>
+                <a16:creationId xmlns:a16="http://schemas.microsoft.com/office/drawing/2014/main" id="{1C849BB4-88CD-4AED-AF0F-640C65BE1543}"/>
               </a:ext>
             </a:extLst>
           </p:cNvPr>
@@ -22598,17 +22506,83 @@
             <a:spLocks noGrp="1"/>
           </p:cNvSpPr>
           <p:nvPr>
-            <p:ph type="body" idx="1"/>
+            <p:ph idx="1"/>
           </p:nvPr>
         </p:nvSpPr>
         <p:spPr/>
         <p:txBody>
-          <a:bodyPr/>
+          <a:bodyPr>
+            <a:normAutofit/>
+          </a:bodyPr>
           <a:lstStyle/>
           <a:p>
             <a:r>
               <a:rPr lang="en-US" dirty="0"/>
-              <a:t>Miscellaneous</a:t>
+              <a:t>MVC Action Filters</a:t>
+            </a:r>
+          </a:p>
+          <a:p>
+            <a:pPr lvl="1"/>
+            <a:r>
+              <a:rPr lang="en-US" dirty="0"/>
+              <a:t>Easy to implement. Naturally works within ASP.NET Core.</a:t>
+            </a:r>
+          </a:p>
+          <a:p>
+            <a:pPr lvl="1"/>
+            <a:r>
+              <a:rPr lang="en-US" dirty="0"/>
+              <a:t>Limited to Controller actions.</a:t>
+            </a:r>
+          </a:p>
+          <a:p>
+            <a:r>
+              <a:rPr lang="en-US" dirty="0"/>
+              <a:t>Method Interception using dynamic proxying.</a:t>
+            </a:r>
+          </a:p>
+          <a:p>
+            <a:pPr lvl="1"/>
+            <a:r>
+              <a:rPr lang="en-US" dirty="0"/>
+              <a:t>Works everywhere.</a:t>
+            </a:r>
+          </a:p>
+          <a:p>
+            <a:pPr lvl="1"/>
+            <a:r>
+              <a:rPr lang="en-US" dirty="0"/>
+              <a:t>Limited to virtual methods.</a:t>
+            </a:r>
+          </a:p>
+          <a:p>
+            <a:r>
+              <a:rPr lang="en-US" dirty="0"/>
+              <a:t>Weaving: </a:t>
+            </a:r>
+            <a:r>
+              <a:rPr lang="en-US" dirty="0" err="1"/>
+              <a:t>Mono.Cecil</a:t>
+            </a:r>
+            <a:r>
+              <a:rPr lang="en-US" dirty="0"/>
+              <a:t>, </a:t>
+            </a:r>
+            <a:r>
+              <a:rPr lang="en-US" dirty="0" err="1"/>
+              <a:t>Fody</a:t>
+            </a:r>
+            <a:r>
+              <a:rPr lang="en-US" dirty="0"/>
+              <a:t>, </a:t>
+            </a:r>
+            <a:r>
+              <a:rPr lang="en-US" dirty="0" err="1"/>
+              <a:t>Postsharp</a:t>
+            </a:r>
+            <a:r>
+              <a:rPr lang="en-US" dirty="0"/>
+              <a:t>… etc.</a:t>
             </a:r>
             <a:endParaRPr lang="tr-TR" dirty="0"/>
           </a:p>
@@ -22617,7 +22591,7 @@
     </p:spTree>
     <p:extLst>
       <p:ext uri="{BB962C8B-B14F-4D97-AF65-F5344CB8AC3E}">
-        <p14:creationId xmlns:p14="http://schemas.microsoft.com/office/powerpoint/2010/main" val="4186963766"/>
+        <p14:creationId xmlns:p14="http://schemas.microsoft.com/office/powerpoint/2010/main" val="1942701493"/>
       </p:ext>
     </p:extLst>
   </p:cSld>
@@ -22661,7 +22635,7 @@
           <p:cNvPr id="2" name="Title 1">
             <a:extLst>
               <a:ext uri="{FF2B5EF4-FFF2-40B4-BE49-F238E27FC236}">
-                <a16:creationId xmlns:a16="http://schemas.microsoft.com/office/drawing/2014/main" id="{00069E1A-8A6F-4DC6-8666-9EBE03803AA5}"/>
+                <a16:creationId xmlns:a16="http://schemas.microsoft.com/office/drawing/2014/main" id="{983849C8-1458-42AD-AA16-46B8587D0A54}"/>
               </a:ext>
             </a:extLst>
           </p:cNvPr>
@@ -22679,7 +22653,7 @@
           <a:p>
             <a:r>
               <a:rPr lang="en-US" dirty="0"/>
-              <a:t>Primary Keys</a:t>
+              <a:t>Multi-Tenancy</a:t>
             </a:r>
             <a:endParaRPr lang="tr-TR" dirty="0"/>
           </a:p>
@@ -22687,10 +22661,10 @@
       </p:sp>
       <p:sp>
         <p:nvSpPr>
-          <p:cNvPr id="3" name="Content Placeholder 2">
+          <p:cNvPr id="3" name="Text Placeholder 2">
             <a:extLst>
               <a:ext uri="{FF2B5EF4-FFF2-40B4-BE49-F238E27FC236}">
-                <a16:creationId xmlns:a16="http://schemas.microsoft.com/office/drawing/2014/main" id="{5DD9F222-E0CA-435D-879F-15F56CB27454}"/>
+                <a16:creationId xmlns:a16="http://schemas.microsoft.com/office/drawing/2014/main" id="{0535A617-6395-4C46-A95B-AF38E57A48EA}"/>
               </a:ext>
             </a:extLst>
           </p:cNvPr>
@@ -22698,102 +22672,17 @@
             <a:spLocks noGrp="1"/>
           </p:cNvSpPr>
           <p:nvPr>
-            <p:ph idx="1"/>
+            <p:ph type="body" idx="1"/>
           </p:nvPr>
         </p:nvSpPr>
-        <p:spPr>
-          <a:xfrm>
-            <a:off x="1295400" y="1981202"/>
-            <a:ext cx="9601200" cy="4102358"/>
-          </a:xfrm>
-        </p:spPr>
+        <p:spPr/>
         <p:txBody>
-          <a:bodyPr>
-            <a:normAutofit/>
-          </a:bodyPr>
+          <a:bodyPr/>
           <a:lstStyle/>
           <a:p>
             <a:r>
               <a:rPr lang="en-US" dirty="0"/>
-              <a:t>GUID compared to auto increment (</a:t>
-            </a:r>
-            <a:r>
-              <a:rPr lang="en-US" dirty="0" err="1"/>
-              <a:t>int</a:t>
-            </a:r>
-            <a:r>
-              <a:rPr lang="en-US" dirty="0"/>
-              <a:t>/long)</a:t>
-            </a:r>
-          </a:p>
-          <a:p>
-            <a:pPr lvl="1"/>
-            <a:r>
-              <a:rPr lang="en-US" dirty="0"/>
-              <a:t>Pros</a:t>
-            </a:r>
-          </a:p>
-          <a:p>
-            <a:pPr lvl="2"/>
-            <a:r>
-              <a:rPr lang="en-US" dirty="0"/>
-              <a:t>Client can determine the value. No need to database roundtrip.</a:t>
-            </a:r>
-          </a:p>
-          <a:p>
-            <a:pPr lvl="2"/>
-            <a:r>
-              <a:rPr lang="en-US" dirty="0"/>
-              <a:t>Unique values even between tenants.</a:t>
-            </a:r>
-          </a:p>
-          <a:p>
-            <a:pPr lvl="2"/>
-            <a:r>
-              <a:rPr lang="en-US" dirty="0"/>
-              <a:t>Easier to merge/split/replicate databases.</a:t>
-            </a:r>
-          </a:p>
-          <a:p>
-            <a:pPr lvl="1"/>
-            <a:r>
-              <a:rPr lang="en-US" dirty="0"/>
-              <a:t>Cons</a:t>
-            </a:r>
-          </a:p>
-          <a:p>
-            <a:pPr lvl="2"/>
-            <a:r>
-              <a:rPr lang="en-US" dirty="0"/>
-              <a:t>More data space (16 bytes to 4/8 bytes).</a:t>
-            </a:r>
-          </a:p>
-          <a:p>
-            <a:pPr lvl="1"/>
-            <a:r>
-              <a:rPr lang="en-US" dirty="0"/>
-              <a:t>Gray Area</a:t>
-            </a:r>
-          </a:p>
-          <a:p>
-            <a:pPr lvl="2"/>
-            <a:r>
-              <a:rPr lang="en-US" dirty="0"/>
-              <a:t>Not user/debug friendly Id values. But it’s more secure!</a:t>
-            </a:r>
-          </a:p>
-          <a:p>
-            <a:pPr lvl="1"/>
-            <a:r>
-              <a:rPr lang="en-US" dirty="0"/>
-              <a:t>Notes</a:t>
-            </a:r>
-          </a:p>
-          <a:p>
-            <a:pPr lvl="2"/>
-            <a:r>
-              <a:rPr lang="en-US" dirty="0"/>
-              <a:t>Should use sequential algorithms (important for clustered indexes).</a:t>
+              <a:t>Miscellaneous</a:t>
             </a:r>
             <a:endParaRPr lang="tr-TR" dirty="0"/>
           </a:p>
@@ -22802,7 +22691,7 @@
     </p:spTree>
     <p:extLst>
       <p:ext uri="{BB962C8B-B14F-4D97-AF65-F5344CB8AC3E}">
-        <p14:creationId xmlns:p14="http://schemas.microsoft.com/office/powerpoint/2010/main" val="4143215811"/>
+        <p14:creationId xmlns:p14="http://schemas.microsoft.com/office/powerpoint/2010/main" val="4186963766"/>
       </p:ext>
     </p:extLst>
   </p:cSld>
@@ -22846,7 +22735,7 @@
           <p:cNvPr id="2" name="Title 1">
             <a:extLst>
               <a:ext uri="{FF2B5EF4-FFF2-40B4-BE49-F238E27FC236}">
-                <a16:creationId xmlns:a16="http://schemas.microsoft.com/office/drawing/2014/main" id="{D3F48091-F7F3-42A5-BB8D-62122949F77D}"/>
+                <a16:creationId xmlns:a16="http://schemas.microsoft.com/office/drawing/2014/main" id="{00069E1A-8A6F-4DC6-8666-9EBE03803AA5}"/>
               </a:ext>
             </a:extLst>
           </p:cNvPr>
@@ -22864,7 +22753,7 @@
           <a:p>
             <a:r>
               <a:rPr lang="en-US" dirty="0"/>
-              <a:t>Background Jobs / Workers / Services</a:t>
+              <a:t>Primary Keys</a:t>
             </a:r>
             <a:endParaRPr lang="tr-TR" dirty="0"/>
           </a:p>
@@ -22875,7 +22764,7 @@
           <p:cNvPr id="3" name="Content Placeholder 2">
             <a:extLst>
               <a:ext uri="{FF2B5EF4-FFF2-40B4-BE49-F238E27FC236}">
-                <a16:creationId xmlns:a16="http://schemas.microsoft.com/office/drawing/2014/main" id="{C088121E-3696-4846-9BD4-A1EB10C5009E}"/>
+                <a16:creationId xmlns:a16="http://schemas.microsoft.com/office/drawing/2014/main" id="{5DD9F222-E0CA-435D-879F-15F56CB27454}"/>
               </a:ext>
             </a:extLst>
           </p:cNvPr>
@@ -22886,20 +22775,99 @@
             <p:ph idx="1"/>
           </p:nvPr>
         </p:nvSpPr>
-        <p:spPr/>
+        <p:spPr>
+          <a:xfrm>
+            <a:off x="1295400" y="1981202"/>
+            <a:ext cx="9601200" cy="4102358"/>
+          </a:xfrm>
+        </p:spPr>
         <p:txBody>
-          <a:bodyPr/>
+          <a:bodyPr>
+            <a:normAutofit/>
+          </a:bodyPr>
           <a:lstStyle/>
           <a:p>
             <a:r>
               <a:rPr lang="en-US" dirty="0"/>
-              <a:t>No ambient tenant context!</a:t>
-            </a:r>
-          </a:p>
-          <a:p>
-            <a:r>
-              <a:rPr lang="en-US" dirty="0"/>
-              <a:t>Shared pool of threads between tenants?</a:t>
+              <a:t>GUID compared to auto increment (</a:t>
+            </a:r>
+            <a:r>
+              <a:rPr lang="en-US" dirty="0" err="1"/>
+              <a:t>int</a:t>
+            </a:r>
+            <a:r>
+              <a:rPr lang="en-US" dirty="0"/>
+              <a:t>/long)</a:t>
+            </a:r>
+          </a:p>
+          <a:p>
+            <a:pPr lvl="1"/>
+            <a:r>
+              <a:rPr lang="en-US" dirty="0"/>
+              <a:t>Pros</a:t>
+            </a:r>
+          </a:p>
+          <a:p>
+            <a:pPr lvl="2"/>
+            <a:r>
+              <a:rPr lang="en-US" dirty="0"/>
+              <a:t>Client can determine the value. No need to database roundtrip.</a:t>
+            </a:r>
+          </a:p>
+          <a:p>
+            <a:pPr lvl="2"/>
+            <a:r>
+              <a:rPr lang="en-US" dirty="0"/>
+              <a:t>Unique values even between tenants.</a:t>
+            </a:r>
+          </a:p>
+          <a:p>
+            <a:pPr lvl="2"/>
+            <a:r>
+              <a:rPr lang="en-US" dirty="0"/>
+              <a:t>Easier to merge/split/replicate databases.</a:t>
+            </a:r>
+          </a:p>
+          <a:p>
+            <a:pPr lvl="1"/>
+            <a:r>
+              <a:rPr lang="en-US" dirty="0"/>
+              <a:t>Cons</a:t>
+            </a:r>
+          </a:p>
+          <a:p>
+            <a:pPr lvl="2"/>
+            <a:r>
+              <a:rPr lang="en-US" dirty="0"/>
+              <a:t>More data space (16 bytes to 4/8 bytes).</a:t>
+            </a:r>
+          </a:p>
+          <a:p>
+            <a:pPr lvl="1"/>
+            <a:r>
+              <a:rPr lang="en-US" dirty="0"/>
+              <a:t>Gray Area</a:t>
+            </a:r>
+          </a:p>
+          <a:p>
+            <a:pPr lvl="2"/>
+            <a:r>
+              <a:rPr lang="en-US" dirty="0"/>
+              <a:t>Not user/debug friendly Id values. But it’s more secure!</a:t>
+            </a:r>
+          </a:p>
+          <a:p>
+            <a:pPr lvl="1"/>
+            <a:r>
+              <a:rPr lang="en-US" dirty="0"/>
+              <a:t>Notes</a:t>
+            </a:r>
+          </a:p>
+          <a:p>
+            <a:pPr lvl="2"/>
+            <a:r>
+              <a:rPr lang="en-US" dirty="0"/>
+              <a:t>Should use sequential algorithms (important for clustered indexes).</a:t>
             </a:r>
             <a:endParaRPr lang="tr-TR" dirty="0"/>
           </a:p>
@@ -22908,7 +22876,7 @@
     </p:spTree>
     <p:extLst>
       <p:ext uri="{BB962C8B-B14F-4D97-AF65-F5344CB8AC3E}">
-        <p14:creationId xmlns:p14="http://schemas.microsoft.com/office/powerpoint/2010/main" val="1847165873"/>
+        <p14:creationId xmlns:p14="http://schemas.microsoft.com/office/powerpoint/2010/main" val="4143215811"/>
       </p:ext>
     </p:extLst>
   </p:cSld>
@@ -22952,6 +22920,112 @@
           <p:cNvPr id="2" name="Title 1">
             <a:extLst>
               <a:ext uri="{FF2B5EF4-FFF2-40B4-BE49-F238E27FC236}">
+                <a16:creationId xmlns:a16="http://schemas.microsoft.com/office/drawing/2014/main" id="{D3F48091-F7F3-42A5-BB8D-62122949F77D}"/>
+              </a:ext>
+            </a:extLst>
+          </p:cNvPr>
+          <p:cNvSpPr>
+            <a:spLocks noGrp="1"/>
+          </p:cNvSpPr>
+          <p:nvPr>
+            <p:ph type="title"/>
+          </p:nvPr>
+        </p:nvSpPr>
+        <p:spPr/>
+        <p:txBody>
+          <a:bodyPr/>
+          <a:lstStyle/>
+          <a:p>
+            <a:r>
+              <a:rPr lang="en-US" dirty="0"/>
+              <a:t>Background Jobs / Workers / Services</a:t>
+            </a:r>
+            <a:endParaRPr lang="tr-TR" dirty="0"/>
+          </a:p>
+        </p:txBody>
+      </p:sp>
+      <p:sp>
+        <p:nvSpPr>
+          <p:cNvPr id="3" name="Content Placeholder 2">
+            <a:extLst>
+              <a:ext uri="{FF2B5EF4-FFF2-40B4-BE49-F238E27FC236}">
+                <a16:creationId xmlns:a16="http://schemas.microsoft.com/office/drawing/2014/main" id="{C088121E-3696-4846-9BD4-A1EB10C5009E}"/>
+              </a:ext>
+            </a:extLst>
+          </p:cNvPr>
+          <p:cNvSpPr>
+            <a:spLocks noGrp="1"/>
+          </p:cNvSpPr>
+          <p:nvPr>
+            <p:ph idx="1"/>
+          </p:nvPr>
+        </p:nvSpPr>
+        <p:spPr/>
+        <p:txBody>
+          <a:bodyPr/>
+          <a:lstStyle/>
+          <a:p>
+            <a:r>
+              <a:rPr lang="en-US" dirty="0"/>
+              <a:t>No ambient tenant context!</a:t>
+            </a:r>
+          </a:p>
+          <a:p>
+            <a:r>
+              <a:rPr lang="en-US" dirty="0"/>
+              <a:t>Shared pool of threads between tenants?</a:t>
+            </a:r>
+            <a:endParaRPr lang="tr-TR" dirty="0"/>
+          </a:p>
+        </p:txBody>
+      </p:sp>
+    </p:spTree>
+    <p:extLst>
+      <p:ext uri="{BB962C8B-B14F-4D97-AF65-F5344CB8AC3E}">
+        <p14:creationId xmlns:p14="http://schemas.microsoft.com/office/powerpoint/2010/main" val="1847165873"/>
+      </p:ext>
+    </p:extLst>
+  </p:cSld>
+  <p:clrMapOvr>
+    <a:masterClrMapping/>
+  </p:clrMapOvr>
+  <mc:AlternateContent xmlns:mc="http://schemas.openxmlformats.org/markup-compatibility/2006" xmlns:p14="http://schemas.microsoft.com/office/powerpoint/2010/main">
+    <mc:Choice Requires="p14">
+      <p:transition spd="med" p14:dur="700">
+        <p:fade/>
+      </p:transition>
+    </mc:Choice>
+    <mc:Fallback xmlns="">
+      <p:transition spd="med">
+        <p:fade/>
+      </p:transition>
+    </mc:Fallback>
+  </mc:AlternateContent>
+</p:sld>
+</file>
+
+<file path=ppt/slides/slide64.xml><?xml version="1.0" encoding="utf-8"?>
+<p:sld xmlns:a="http://schemas.openxmlformats.org/drawingml/2006/main" xmlns:r="http://schemas.openxmlformats.org/officeDocument/2006/relationships" xmlns:p="http://schemas.openxmlformats.org/presentationml/2006/main">
+  <p:cSld>
+    <p:spTree>
+      <p:nvGrpSpPr>
+        <p:cNvPr id="1" name=""/>
+        <p:cNvGrpSpPr/>
+        <p:nvPr/>
+      </p:nvGrpSpPr>
+      <p:grpSpPr>
+        <a:xfrm>
+          <a:off x="0" y="0"/>
+          <a:ext cx="0" cy="0"/>
+          <a:chOff x="0" y="0"/>
+          <a:chExt cx="0" cy="0"/>
+        </a:xfrm>
+      </p:grpSpPr>
+      <p:sp>
+        <p:nvSpPr>
+          <p:cNvPr id="2" name="Title 1">
+            <a:extLst>
+              <a:ext uri="{FF2B5EF4-FFF2-40B4-BE49-F238E27FC236}">
                 <a16:creationId xmlns:a16="http://schemas.microsoft.com/office/drawing/2014/main" id="{7C14832D-F170-4F95-8D60-4DCA6BCFF741}"/>
               </a:ext>
             </a:extLst>
@@ -23048,7 +23122,7 @@
 </p:sld>
 </file>
 
-<file path=ppt/slides/slide64.xml><?xml version="1.0" encoding="utf-8"?>
+<file path=ppt/slides/slide65.xml><?xml version="1.0" encoding="utf-8"?>
 <p:sld xmlns:a="http://schemas.openxmlformats.org/drawingml/2006/main" xmlns:r="http://schemas.openxmlformats.org/officeDocument/2006/relationships" xmlns:p="http://schemas.openxmlformats.org/presentationml/2006/main">
   <p:cSld>
     <p:spTree>

--- a/2018-04-06-Multi-Tenancy/Multi-Tenancy.pptx
+++ b/2018-04-06-Multi-Tenancy/Multi-Tenancy.pptx
@@ -35,42 +35,42 @@
     <p:sldId id="293" r:id="rId23"/>
     <p:sldId id="285" r:id="rId24"/>
     <p:sldId id="286" r:id="rId25"/>
-    <p:sldId id="288" r:id="rId26"/>
-    <p:sldId id="294" r:id="rId27"/>
-    <p:sldId id="289" r:id="rId28"/>
+    <p:sldId id="294" r:id="rId26"/>
+    <p:sldId id="289" r:id="rId27"/>
+    <p:sldId id="288" r:id="rId28"/>
     <p:sldId id="298" r:id="rId29"/>
     <p:sldId id="295" r:id="rId30"/>
-    <p:sldId id="296" r:id="rId31"/>
-    <p:sldId id="305" r:id="rId32"/>
-    <p:sldId id="297" r:id="rId33"/>
-    <p:sldId id="332" r:id="rId34"/>
-    <p:sldId id="306" r:id="rId35"/>
-    <p:sldId id="299" r:id="rId36"/>
-    <p:sldId id="300" r:id="rId37"/>
-    <p:sldId id="301" r:id="rId38"/>
-    <p:sldId id="307" r:id="rId39"/>
-    <p:sldId id="308" r:id="rId40"/>
-    <p:sldId id="309" r:id="rId41"/>
-    <p:sldId id="302" r:id="rId42"/>
-    <p:sldId id="303" r:id="rId43"/>
-    <p:sldId id="313" r:id="rId44"/>
-    <p:sldId id="304" r:id="rId45"/>
-    <p:sldId id="314" r:id="rId46"/>
-    <p:sldId id="312" r:id="rId47"/>
-    <p:sldId id="310" r:id="rId48"/>
-    <p:sldId id="315" r:id="rId49"/>
-    <p:sldId id="311" r:id="rId50"/>
-    <p:sldId id="316" r:id="rId51"/>
-    <p:sldId id="321" r:id="rId52"/>
-    <p:sldId id="322" r:id="rId53"/>
-    <p:sldId id="317" r:id="rId54"/>
-    <p:sldId id="318" r:id="rId55"/>
-    <p:sldId id="324" r:id="rId56"/>
-    <p:sldId id="323" r:id="rId57"/>
-    <p:sldId id="325" r:id="rId58"/>
-    <p:sldId id="319" r:id="rId59"/>
-    <p:sldId id="326" r:id="rId60"/>
-    <p:sldId id="327" r:id="rId61"/>
+    <p:sldId id="305" r:id="rId31"/>
+    <p:sldId id="297" r:id="rId32"/>
+    <p:sldId id="332" r:id="rId33"/>
+    <p:sldId id="306" r:id="rId34"/>
+    <p:sldId id="299" r:id="rId35"/>
+    <p:sldId id="300" r:id="rId36"/>
+    <p:sldId id="301" r:id="rId37"/>
+    <p:sldId id="307" r:id="rId38"/>
+    <p:sldId id="308" r:id="rId39"/>
+    <p:sldId id="309" r:id="rId40"/>
+    <p:sldId id="302" r:id="rId41"/>
+    <p:sldId id="303" r:id="rId42"/>
+    <p:sldId id="313" r:id="rId43"/>
+    <p:sldId id="304" r:id="rId44"/>
+    <p:sldId id="314" r:id="rId45"/>
+    <p:sldId id="312" r:id="rId46"/>
+    <p:sldId id="310" r:id="rId47"/>
+    <p:sldId id="315" r:id="rId48"/>
+    <p:sldId id="311" r:id="rId49"/>
+    <p:sldId id="316" r:id="rId50"/>
+    <p:sldId id="321" r:id="rId51"/>
+    <p:sldId id="322" r:id="rId52"/>
+    <p:sldId id="317" r:id="rId53"/>
+    <p:sldId id="318" r:id="rId54"/>
+    <p:sldId id="324" r:id="rId55"/>
+    <p:sldId id="323" r:id="rId56"/>
+    <p:sldId id="325" r:id="rId57"/>
+    <p:sldId id="319" r:id="rId58"/>
+    <p:sldId id="326" r:id="rId59"/>
+    <p:sldId id="327" r:id="rId60"/>
+    <p:sldId id="333" r:id="rId61"/>
     <p:sldId id="330" r:id="rId62"/>
     <p:sldId id="320" r:id="rId63"/>
     <p:sldId id="328" r:id="rId64"/>
@@ -278,7 +278,7 @@
           <a:p>
             <a:fld id="{59041DB8-B66F-4DC8-A96E-33677E0F90FF}" type="datetimeFigureOut">
               <a:rPr lang="en-US" smtClean="0"/>
-              <a:t>4/2/2018</a:t>
+              <a:t>4/6/2018</a:t>
             </a:fld>
             <a:endParaRPr lang="en-US"/>
           </a:p>
@@ -443,7 +443,7 @@
           <a:p>
             <a:fld id="{DEB49C4A-65AC-492D-9701-81B46C3AD0E4}" type="datetimeFigureOut">
               <a:rPr lang="en-US" smtClean="0"/>
-              <a:t>4/2/2018</a:t>
+              <a:t>4/6/2018</a:t>
             </a:fld>
             <a:endParaRPr lang="en-US"/>
           </a:p>
@@ -2935,7 +2935,7 @@
           <a:p>
             <a:fld id="{384A29A4-78C8-47AB-BA06-22CB45938951}" type="datetime1">
               <a:rPr lang="en-US" smtClean="0"/>
-              <a:t>4/2/2018</a:t>
+              <a:t>4/6/2018</a:t>
             </a:fld>
             <a:endParaRPr lang="en-US"/>
           </a:p>
@@ -3130,7 +3130,7 @@
           <a:p>
             <a:fld id="{E1ED4ACF-2D82-46F2-A8E9-23963AA34E86}" type="datetime1">
               <a:rPr lang="en-US" smtClean="0"/>
-              <a:t>4/2/2018</a:t>
+              <a:t>4/6/2018</a:t>
             </a:fld>
             <a:endParaRPr lang="en-US"/>
           </a:p>
@@ -3314,7 +3314,7 @@
           <a:p>
             <a:fld id="{AE374B5B-21A0-4192-BF4C-38187F1A68D8}" type="datetime1">
               <a:rPr lang="en-US" smtClean="0"/>
-              <a:t>4/2/2018</a:t>
+              <a:t>4/6/2018</a:t>
             </a:fld>
             <a:endParaRPr lang="en-US"/>
           </a:p>
@@ -5655,7 +5655,7 @@
           <a:p>
             <a:fld id="{33B5CF7C-B333-48E1-A4A6-83A3C8B73AC0}" type="datetime1">
               <a:rPr lang="en-US" smtClean="0"/>
-              <a:t>4/2/2018</a:t>
+              <a:t>4/6/2018</a:t>
             </a:fld>
             <a:endParaRPr lang="en-US"/>
           </a:p>
@@ -6108,7 +6108,7 @@
           <a:p>
             <a:fld id="{AE320762-5CBF-4210-AB54-376B091119F8}" type="datetime1">
               <a:rPr lang="en-US" smtClean="0"/>
-              <a:t>4/2/2018</a:t>
+              <a:t>4/6/2018</a:t>
             </a:fld>
             <a:endParaRPr lang="en-US"/>
           </a:p>
@@ -6240,7 +6240,7 @@
           <a:p>
             <a:fld id="{7F0DB371-BF5F-4058-A212-1A908E4D2674}" type="datetime1">
               <a:rPr lang="en-US" smtClean="0"/>
-              <a:t>4/2/2018</a:t>
+              <a:t>4/6/2018</a:t>
             </a:fld>
             <a:endParaRPr lang="en-US"/>
           </a:p>
@@ -8173,7 +8173,7 @@
           <a:p>
             <a:fld id="{60A4083B-90AA-48CF-BAD5-00AA24D7F288}" type="datetime1">
               <a:rPr lang="en-US" smtClean="0"/>
-              <a:t>4/2/2018</a:t>
+              <a:t>4/6/2018</a:t>
             </a:fld>
             <a:endParaRPr lang="en-US"/>
           </a:p>
@@ -10432,7 +10432,7 @@
             <a:fld id="{F5BAF629-ECA2-4CF3-B790-9D9BDED98269}" type="datetime1">
               <a:rPr lang="en-US" smtClean="0"/>
               <a:pPr/>
-              <a:t>4/2/2018</a:t>
+              <a:t>4/6/2018</a:t>
             </a:fld>
             <a:endParaRPr lang="en-US"/>
           </a:p>
@@ -14727,7 +14727,7 @@
             <a:fld id="{B51B2453-8663-4C69-AF73-9FD7B1DEC5D0}" type="datetime1">
               <a:rPr lang="en-US" smtClean="0"/>
               <a:pPr/>
-              <a:t>4/2/2018</a:t>
+              <a:t>4/6/2018</a:t>
             </a:fld>
             <a:endParaRPr lang="en-US" dirty="0"/>
           </a:p>
@@ -17340,6 +17340,212 @@
           <p:cNvPr id="2" name="Title 1">
             <a:extLst>
               <a:ext uri="{FF2B5EF4-FFF2-40B4-BE49-F238E27FC236}">
+                <a16:creationId xmlns:a16="http://schemas.microsoft.com/office/drawing/2014/main" id="{87A03D3C-AAF6-4F1C-940A-AD638760CBF8}"/>
+              </a:ext>
+            </a:extLst>
+          </p:cNvPr>
+          <p:cNvSpPr>
+            <a:spLocks noGrp="1"/>
+          </p:cNvSpPr>
+          <p:nvPr>
+            <p:ph type="title"/>
+          </p:nvPr>
+        </p:nvSpPr>
+        <p:spPr/>
+        <p:txBody>
+          <a:bodyPr anchor="t"/>
+          <a:lstStyle/>
+          <a:p>
+            <a:r>
+              <a:rPr lang="en-US" dirty="0"/>
+              <a:t>Change Current Tenant</a:t>
+            </a:r>
+            <a:endParaRPr lang="tr-TR" dirty="0"/>
+          </a:p>
+        </p:txBody>
+      </p:sp>
+      <p:pic>
+        <p:nvPicPr>
+          <p:cNvPr id="5" name="Content Placeholder 4">
+            <a:extLst>
+              <a:ext uri="{FF2B5EF4-FFF2-40B4-BE49-F238E27FC236}">
+                <a16:creationId xmlns:a16="http://schemas.microsoft.com/office/drawing/2014/main" id="{5AF110C9-A796-41AE-A722-6029F176CBC2}"/>
+              </a:ext>
+            </a:extLst>
+          </p:cNvPr>
+          <p:cNvPicPr>
+            <a:picLocks noGrp="1" noChangeAspect="1"/>
+          </p:cNvPicPr>
+          <p:nvPr>
+            <p:ph idx="1"/>
+          </p:nvPr>
+        </p:nvPicPr>
+        <p:blipFill>
+          <a:blip r:embed="rId2"/>
+          <a:stretch>
+            <a:fillRect/>
+          </a:stretch>
+        </p:blipFill>
+        <p:spPr>
+          <a:xfrm>
+            <a:off x="1295400" y="1117033"/>
+            <a:ext cx="8371114" cy="5446424"/>
+          </a:xfrm>
+          <a:prstGeom prst="rect">
+            <a:avLst/>
+          </a:prstGeom>
+        </p:spPr>
+      </p:pic>
+    </p:spTree>
+    <p:extLst>
+      <p:ext uri="{BB962C8B-B14F-4D97-AF65-F5344CB8AC3E}">
+        <p14:creationId xmlns:p14="http://schemas.microsoft.com/office/powerpoint/2010/main" val="4262723001"/>
+      </p:ext>
+    </p:extLst>
+  </p:cSld>
+  <p:clrMapOvr>
+    <a:masterClrMapping/>
+  </p:clrMapOvr>
+  <mc:AlternateContent xmlns:mc="http://schemas.openxmlformats.org/markup-compatibility/2006" xmlns:p14="http://schemas.microsoft.com/office/powerpoint/2010/main">
+    <mc:Choice Requires="p14">
+      <p:transition spd="med" p14:dur="700">
+        <p:fade/>
+      </p:transition>
+    </mc:Choice>
+    <mc:Fallback xmlns="">
+      <p:transition spd="med">
+        <p:fade/>
+      </p:transition>
+    </mc:Fallback>
+  </mc:AlternateContent>
+</p:sld>
+</file>
+
+<file path=ppt/slides/slide26.xml><?xml version="1.0" encoding="utf-8"?>
+<p:sld xmlns:a="http://schemas.openxmlformats.org/drawingml/2006/main" xmlns:r="http://schemas.openxmlformats.org/officeDocument/2006/relationships" xmlns:p="http://schemas.openxmlformats.org/presentationml/2006/main">
+  <p:cSld>
+    <p:spTree>
+      <p:nvGrpSpPr>
+        <p:cNvPr id="1" name=""/>
+        <p:cNvGrpSpPr/>
+        <p:nvPr/>
+      </p:nvGrpSpPr>
+      <p:grpSpPr>
+        <a:xfrm>
+          <a:off x="0" y="0"/>
+          <a:ext cx="0" cy="0"/>
+          <a:chOff x="0" y="0"/>
+          <a:chExt cx="0" cy="0"/>
+        </a:xfrm>
+      </p:grpSpPr>
+      <p:sp>
+        <p:nvSpPr>
+          <p:cNvPr id="2" name="Title 1">
+            <a:extLst>
+              <a:ext uri="{FF2B5EF4-FFF2-40B4-BE49-F238E27FC236}">
+                <a16:creationId xmlns:a16="http://schemas.microsoft.com/office/drawing/2014/main" id="{5061DD94-16DC-4501-926E-9657E8BF76EC}"/>
+              </a:ext>
+            </a:extLst>
+          </p:cNvPr>
+          <p:cNvSpPr>
+            <a:spLocks noGrp="1"/>
+          </p:cNvSpPr>
+          <p:nvPr>
+            <p:ph type="title"/>
+          </p:nvPr>
+        </p:nvSpPr>
+        <p:spPr/>
+        <p:txBody>
+          <a:bodyPr anchor="t"/>
+          <a:lstStyle/>
+          <a:p>
+            <a:r>
+              <a:rPr lang="en-US" dirty="0"/>
+              <a:t>Change Current Tenant (Nested)</a:t>
+            </a:r>
+            <a:endParaRPr lang="tr-TR" dirty="0"/>
+          </a:p>
+        </p:txBody>
+      </p:sp>
+      <p:pic>
+        <p:nvPicPr>
+          <p:cNvPr id="4" name="Content Placeholder 3">
+            <a:extLst>
+              <a:ext uri="{FF2B5EF4-FFF2-40B4-BE49-F238E27FC236}">
+                <a16:creationId xmlns:a16="http://schemas.microsoft.com/office/drawing/2014/main" id="{FF3805F6-0980-4A73-AB9E-9ACF7673617B}"/>
+              </a:ext>
+            </a:extLst>
+          </p:cNvPr>
+          <p:cNvPicPr>
+            <a:picLocks noGrp="1" noChangeAspect="1"/>
+          </p:cNvPicPr>
+          <p:nvPr>
+            <p:ph idx="1"/>
+          </p:nvPr>
+        </p:nvPicPr>
+        <p:blipFill>
+          <a:blip r:embed="rId2"/>
+          <a:stretch>
+            <a:fillRect/>
+          </a:stretch>
+        </p:blipFill>
+        <p:spPr>
+          <a:xfrm>
+            <a:off x="670203" y="1573860"/>
+            <a:ext cx="10851594" cy="3893879"/>
+          </a:xfrm>
+          <a:prstGeom prst="rect">
+            <a:avLst/>
+          </a:prstGeom>
+        </p:spPr>
+      </p:pic>
+    </p:spTree>
+    <p:extLst>
+      <p:ext uri="{BB962C8B-B14F-4D97-AF65-F5344CB8AC3E}">
+        <p14:creationId xmlns:p14="http://schemas.microsoft.com/office/powerpoint/2010/main" val="406512929"/>
+      </p:ext>
+    </p:extLst>
+  </p:cSld>
+  <p:clrMapOvr>
+    <a:masterClrMapping/>
+  </p:clrMapOvr>
+  <mc:AlternateContent xmlns:mc="http://schemas.openxmlformats.org/markup-compatibility/2006" xmlns:p14="http://schemas.microsoft.com/office/powerpoint/2010/main">
+    <mc:Choice Requires="p14">
+      <p:transition spd="med" p14:dur="700">
+        <p:fade/>
+      </p:transition>
+    </mc:Choice>
+    <mc:Fallback xmlns="">
+      <p:transition spd="med">
+        <p:fade/>
+      </p:transition>
+    </mc:Fallback>
+  </mc:AlternateContent>
+</p:sld>
+</file>
+
+<file path=ppt/slides/slide27.xml><?xml version="1.0" encoding="utf-8"?>
+<p:sld xmlns:a="http://schemas.openxmlformats.org/drawingml/2006/main" xmlns:r="http://schemas.openxmlformats.org/officeDocument/2006/relationships" xmlns:p="http://schemas.openxmlformats.org/presentationml/2006/main">
+  <p:cSld>
+    <p:spTree>
+      <p:nvGrpSpPr>
+        <p:cNvPr id="1" name=""/>
+        <p:cNvGrpSpPr/>
+        <p:nvPr/>
+      </p:nvGrpSpPr>
+      <p:grpSpPr>
+        <a:xfrm>
+          <a:off x="0" y="0"/>
+          <a:ext cx="0" cy="0"/>
+          <a:chOff x="0" y="0"/>
+          <a:chExt cx="0" cy="0"/>
+        </a:xfrm>
+      </p:grpSpPr>
+      <p:sp>
+        <p:nvSpPr>
+          <p:cNvPr id="2" name="Title 1">
+            <a:extLst>
+              <a:ext uri="{FF2B5EF4-FFF2-40B4-BE49-F238E27FC236}">
                 <a16:creationId xmlns:a16="http://schemas.microsoft.com/office/drawing/2014/main" id="{8946BE6D-7FF6-4D12-A2FF-60DA33C76D1E}"/>
               </a:ext>
             </a:extLst>
@@ -17430,212 +17636,6 @@
     <p:extLst>
       <p:ext uri="{BB962C8B-B14F-4D97-AF65-F5344CB8AC3E}">
         <p14:creationId xmlns:p14="http://schemas.microsoft.com/office/powerpoint/2010/main" val="574614100"/>
-      </p:ext>
-    </p:extLst>
-  </p:cSld>
-  <p:clrMapOvr>
-    <a:masterClrMapping/>
-  </p:clrMapOvr>
-  <mc:AlternateContent xmlns:mc="http://schemas.openxmlformats.org/markup-compatibility/2006" xmlns:p14="http://schemas.microsoft.com/office/powerpoint/2010/main">
-    <mc:Choice Requires="p14">
-      <p:transition spd="med" p14:dur="700">
-        <p:fade/>
-      </p:transition>
-    </mc:Choice>
-    <mc:Fallback xmlns="">
-      <p:transition spd="med">
-        <p:fade/>
-      </p:transition>
-    </mc:Fallback>
-  </mc:AlternateContent>
-</p:sld>
-</file>
-
-<file path=ppt/slides/slide26.xml><?xml version="1.0" encoding="utf-8"?>
-<p:sld xmlns:a="http://schemas.openxmlformats.org/drawingml/2006/main" xmlns:r="http://schemas.openxmlformats.org/officeDocument/2006/relationships" xmlns:p="http://schemas.openxmlformats.org/presentationml/2006/main">
-  <p:cSld>
-    <p:spTree>
-      <p:nvGrpSpPr>
-        <p:cNvPr id="1" name=""/>
-        <p:cNvGrpSpPr/>
-        <p:nvPr/>
-      </p:nvGrpSpPr>
-      <p:grpSpPr>
-        <a:xfrm>
-          <a:off x="0" y="0"/>
-          <a:ext cx="0" cy="0"/>
-          <a:chOff x="0" y="0"/>
-          <a:chExt cx="0" cy="0"/>
-        </a:xfrm>
-      </p:grpSpPr>
-      <p:sp>
-        <p:nvSpPr>
-          <p:cNvPr id="2" name="Title 1">
-            <a:extLst>
-              <a:ext uri="{FF2B5EF4-FFF2-40B4-BE49-F238E27FC236}">
-                <a16:creationId xmlns:a16="http://schemas.microsoft.com/office/drawing/2014/main" id="{87A03D3C-AAF6-4F1C-940A-AD638760CBF8}"/>
-              </a:ext>
-            </a:extLst>
-          </p:cNvPr>
-          <p:cNvSpPr>
-            <a:spLocks noGrp="1"/>
-          </p:cNvSpPr>
-          <p:nvPr>
-            <p:ph type="title"/>
-          </p:nvPr>
-        </p:nvSpPr>
-        <p:spPr/>
-        <p:txBody>
-          <a:bodyPr anchor="t"/>
-          <a:lstStyle/>
-          <a:p>
-            <a:r>
-              <a:rPr lang="en-US" dirty="0"/>
-              <a:t>Change Current Tenant</a:t>
-            </a:r>
-            <a:endParaRPr lang="tr-TR" dirty="0"/>
-          </a:p>
-        </p:txBody>
-      </p:sp>
-      <p:pic>
-        <p:nvPicPr>
-          <p:cNvPr id="5" name="Content Placeholder 4">
-            <a:extLst>
-              <a:ext uri="{FF2B5EF4-FFF2-40B4-BE49-F238E27FC236}">
-                <a16:creationId xmlns:a16="http://schemas.microsoft.com/office/drawing/2014/main" id="{5AF110C9-A796-41AE-A722-6029F176CBC2}"/>
-              </a:ext>
-            </a:extLst>
-          </p:cNvPr>
-          <p:cNvPicPr>
-            <a:picLocks noGrp="1" noChangeAspect="1"/>
-          </p:cNvPicPr>
-          <p:nvPr>
-            <p:ph idx="1"/>
-          </p:nvPr>
-        </p:nvPicPr>
-        <p:blipFill>
-          <a:blip r:embed="rId2"/>
-          <a:stretch>
-            <a:fillRect/>
-          </a:stretch>
-        </p:blipFill>
-        <p:spPr>
-          <a:xfrm>
-            <a:off x="1295400" y="1117033"/>
-            <a:ext cx="8371114" cy="5446424"/>
-          </a:xfrm>
-          <a:prstGeom prst="rect">
-            <a:avLst/>
-          </a:prstGeom>
-        </p:spPr>
-      </p:pic>
-    </p:spTree>
-    <p:extLst>
-      <p:ext uri="{BB962C8B-B14F-4D97-AF65-F5344CB8AC3E}">
-        <p14:creationId xmlns:p14="http://schemas.microsoft.com/office/powerpoint/2010/main" val="4262723001"/>
-      </p:ext>
-    </p:extLst>
-  </p:cSld>
-  <p:clrMapOvr>
-    <a:masterClrMapping/>
-  </p:clrMapOvr>
-  <mc:AlternateContent xmlns:mc="http://schemas.openxmlformats.org/markup-compatibility/2006" xmlns:p14="http://schemas.microsoft.com/office/powerpoint/2010/main">
-    <mc:Choice Requires="p14">
-      <p:transition spd="med" p14:dur="700">
-        <p:fade/>
-      </p:transition>
-    </mc:Choice>
-    <mc:Fallback xmlns="">
-      <p:transition spd="med">
-        <p:fade/>
-      </p:transition>
-    </mc:Fallback>
-  </mc:AlternateContent>
-</p:sld>
-</file>
-
-<file path=ppt/slides/slide27.xml><?xml version="1.0" encoding="utf-8"?>
-<p:sld xmlns:a="http://schemas.openxmlformats.org/drawingml/2006/main" xmlns:r="http://schemas.openxmlformats.org/officeDocument/2006/relationships" xmlns:p="http://schemas.openxmlformats.org/presentationml/2006/main">
-  <p:cSld>
-    <p:spTree>
-      <p:nvGrpSpPr>
-        <p:cNvPr id="1" name=""/>
-        <p:cNvGrpSpPr/>
-        <p:nvPr/>
-      </p:nvGrpSpPr>
-      <p:grpSpPr>
-        <a:xfrm>
-          <a:off x="0" y="0"/>
-          <a:ext cx="0" cy="0"/>
-          <a:chOff x="0" y="0"/>
-          <a:chExt cx="0" cy="0"/>
-        </a:xfrm>
-      </p:grpSpPr>
-      <p:sp>
-        <p:nvSpPr>
-          <p:cNvPr id="2" name="Title 1">
-            <a:extLst>
-              <a:ext uri="{FF2B5EF4-FFF2-40B4-BE49-F238E27FC236}">
-                <a16:creationId xmlns:a16="http://schemas.microsoft.com/office/drawing/2014/main" id="{5061DD94-16DC-4501-926E-9657E8BF76EC}"/>
-              </a:ext>
-            </a:extLst>
-          </p:cNvPr>
-          <p:cNvSpPr>
-            <a:spLocks noGrp="1"/>
-          </p:cNvSpPr>
-          <p:nvPr>
-            <p:ph type="title"/>
-          </p:nvPr>
-        </p:nvSpPr>
-        <p:spPr/>
-        <p:txBody>
-          <a:bodyPr anchor="t"/>
-          <a:lstStyle/>
-          <a:p>
-            <a:r>
-              <a:rPr lang="en-US" dirty="0"/>
-              <a:t>Change Current Tenant (Nested)</a:t>
-            </a:r>
-            <a:endParaRPr lang="tr-TR" dirty="0"/>
-          </a:p>
-        </p:txBody>
-      </p:sp>
-      <p:pic>
-        <p:nvPicPr>
-          <p:cNvPr id="4" name="Content Placeholder 3">
-            <a:extLst>
-              <a:ext uri="{FF2B5EF4-FFF2-40B4-BE49-F238E27FC236}">
-                <a16:creationId xmlns:a16="http://schemas.microsoft.com/office/drawing/2014/main" id="{FF3805F6-0980-4A73-AB9E-9ACF7673617B}"/>
-              </a:ext>
-            </a:extLst>
-          </p:cNvPr>
-          <p:cNvPicPr>
-            <a:picLocks noGrp="1" noChangeAspect="1"/>
-          </p:cNvPicPr>
-          <p:nvPr>
-            <p:ph idx="1"/>
-          </p:nvPr>
-        </p:nvPicPr>
-        <p:blipFill>
-          <a:blip r:embed="rId2"/>
-          <a:stretch>
-            <a:fillRect/>
-          </a:stretch>
-        </p:blipFill>
-        <p:spPr>
-          <a:xfrm>
-            <a:off x="670203" y="1573860"/>
-            <a:ext cx="10851594" cy="3893879"/>
-          </a:xfrm>
-          <a:prstGeom prst="rect">
-            <a:avLst/>
-          </a:prstGeom>
-        </p:spPr>
-      </p:pic>
-    </p:spTree>
-    <p:extLst>
-      <p:ext uri="{BB962C8B-B14F-4D97-AF65-F5344CB8AC3E}">
-        <p14:creationId xmlns:p14="http://schemas.microsoft.com/office/powerpoint/2010/main" val="406512929"/>
       </p:ext>
     </p:extLst>
   </p:cSld>
@@ -17973,7 +17973,7 @@
         </p:nvSpPr>
         <p:spPr>
           <a:xfrm>
-            <a:off x="622010" y="1058412"/>
+            <a:off x="278061" y="1209414"/>
             <a:ext cx="9601200" cy="3809999"/>
           </a:xfrm>
         </p:spPr>
@@ -17982,39 +17982,28 @@
           <a:lstStyle/>
           <a:p>
             <a:r>
-              <a:rPr lang="en-US" sz="1200" dirty="0"/>
-              <a:t>@hikalkan</a:t>
-            </a:r>
-            <a:br>
-              <a:rPr lang="en-US" sz="1200" dirty="0"/>
-            </a:br>
-            <a:r>
-              <a:rPr lang="en-US" sz="1200" dirty="0"/>
-              <a:t>(</a:t>
-            </a:r>
-            <a:r>
-              <a:rPr lang="en-US" sz="1200" dirty="0" err="1"/>
-              <a:t>github</a:t>
-            </a:r>
-            <a:r>
-              <a:rPr lang="en-US" sz="1200" dirty="0"/>
-              <a:t>)</a:t>
-            </a:r>
-          </a:p>
-          <a:p>
-            <a:r>
-              <a:rPr lang="en-US" sz="1200" dirty="0"/>
-              <a:t>@</a:t>
-            </a:r>
-            <a:r>
-              <a:rPr lang="en-US" sz="1200" dirty="0" err="1"/>
+              <a:rPr lang="en-US" sz="1600" dirty="0" err="1"/>
+              <a:t>Github</a:t>
+            </a:r>
+            <a:r>
+              <a:rPr lang="en-US" sz="1600" dirty="0"/>
+              <a:t>: @hikalkan</a:t>
+            </a:r>
+          </a:p>
+          <a:p>
+            <a:r>
+              <a:rPr lang="en-US" sz="1600" dirty="0"/>
+              <a:t>Twitter: @</a:t>
+            </a:r>
+            <a:r>
+              <a:rPr lang="en-US" sz="1600" dirty="0" err="1"/>
               <a:t>hibrahimkalkan</a:t>
             </a:r>
-            <a:endParaRPr lang="en-US" sz="1200" dirty="0"/>
-          </a:p>
-          <a:p>
-            <a:r>
-              <a:rPr lang="en-US" sz="1200" dirty="0"/>
+            <a:endParaRPr lang="en-US" sz="1600" dirty="0"/>
+          </a:p>
+          <a:p>
+            <a:r>
+              <a:rPr lang="en-US" sz="1600" dirty="0"/>
               <a:t>http://halilibrahimkalkan.com</a:t>
             </a:r>
           </a:p>
@@ -18100,7 +18089,7 @@
           <p:cNvPr id="2" name="Title 1">
             <a:extLst>
               <a:ext uri="{FF2B5EF4-FFF2-40B4-BE49-F238E27FC236}">
-                <a16:creationId xmlns:a16="http://schemas.microsoft.com/office/drawing/2014/main" id="{A8E87594-8274-430A-9526-7D91EBAE4A90}"/>
+                <a16:creationId xmlns:a16="http://schemas.microsoft.com/office/drawing/2014/main" id="{5B675848-0667-4F7B-998D-AC4FDB9E351B}"/>
               </a:ext>
             </a:extLst>
           </p:cNvPr>
@@ -18113,12 +18102,12 @@
         </p:nvSpPr>
         <p:spPr/>
         <p:txBody>
-          <a:bodyPr anchor="b"/>
+          <a:bodyPr/>
           <a:lstStyle/>
           <a:p>
             <a:r>
               <a:rPr lang="en-US" dirty="0"/>
-              <a:t>Authentication Cookie/Token</a:t>
+              <a:t>Multi-Tenancy</a:t>
             </a:r>
             <a:endParaRPr lang="tr-TR" dirty="0"/>
           </a:p>
@@ -18126,10 +18115,10 @@
       </p:sp>
       <p:sp>
         <p:nvSpPr>
-          <p:cNvPr id="3" name="Content Placeholder 2">
+          <p:cNvPr id="3" name="Text Placeholder 2">
             <a:extLst>
               <a:ext uri="{FF2B5EF4-FFF2-40B4-BE49-F238E27FC236}">
-                <a16:creationId xmlns:a16="http://schemas.microsoft.com/office/drawing/2014/main" id="{DECA2F4C-D44D-44D7-8B73-056245C90E29}"/>
+                <a16:creationId xmlns:a16="http://schemas.microsoft.com/office/drawing/2014/main" id="{9A964DF7-C484-45B1-B6AD-DBF9611DB367}"/>
               </a:ext>
             </a:extLst>
           </p:cNvPr>
@@ -18137,7 +18126,7 @@
             <a:spLocks noGrp="1"/>
           </p:cNvSpPr>
           <p:nvPr>
-            <p:ph idx="1"/>
+            <p:ph type="body" idx="1"/>
           </p:nvPr>
         </p:nvSpPr>
         <p:spPr/>
@@ -18147,23 +18136,16 @@
           <a:p>
             <a:r>
               <a:rPr lang="en-US" dirty="0"/>
-              <a:t>Add </a:t>
-            </a:r>
-            <a:r>
-              <a:rPr lang="en-US" dirty="0" err="1"/>
-              <a:t>TenantId</a:t>
-            </a:r>
-            <a:r>
-              <a:rPr lang="en-US" dirty="0"/>
-              <a:t> to the authentication cookie on login.</a:t>
-            </a:r>
+              <a:t>Database / Data Isolation</a:t>
+            </a:r>
+            <a:endParaRPr lang="tr-TR" dirty="0"/>
           </a:p>
         </p:txBody>
       </p:sp>
     </p:spTree>
     <p:extLst>
       <p:ext uri="{BB962C8B-B14F-4D97-AF65-F5344CB8AC3E}">
-        <p14:creationId xmlns:p14="http://schemas.microsoft.com/office/powerpoint/2010/main" val="271060063"/>
+        <p14:creationId xmlns:p14="http://schemas.microsoft.com/office/powerpoint/2010/main" val="3133479184"/>
       </p:ext>
     </p:extLst>
   </p:cSld>
@@ -18207,106 +18189,6 @@
           <p:cNvPr id="2" name="Title 1">
             <a:extLst>
               <a:ext uri="{FF2B5EF4-FFF2-40B4-BE49-F238E27FC236}">
-                <a16:creationId xmlns:a16="http://schemas.microsoft.com/office/drawing/2014/main" id="{5B675848-0667-4F7B-998D-AC4FDB9E351B}"/>
-              </a:ext>
-            </a:extLst>
-          </p:cNvPr>
-          <p:cNvSpPr>
-            <a:spLocks noGrp="1"/>
-          </p:cNvSpPr>
-          <p:nvPr>
-            <p:ph type="title"/>
-          </p:nvPr>
-        </p:nvSpPr>
-        <p:spPr/>
-        <p:txBody>
-          <a:bodyPr/>
-          <a:lstStyle/>
-          <a:p>
-            <a:r>
-              <a:rPr lang="en-US" dirty="0"/>
-              <a:t>Multi-Tenancy</a:t>
-            </a:r>
-            <a:endParaRPr lang="tr-TR" dirty="0"/>
-          </a:p>
-        </p:txBody>
-      </p:sp>
-      <p:sp>
-        <p:nvSpPr>
-          <p:cNvPr id="3" name="Text Placeholder 2">
-            <a:extLst>
-              <a:ext uri="{FF2B5EF4-FFF2-40B4-BE49-F238E27FC236}">
-                <a16:creationId xmlns:a16="http://schemas.microsoft.com/office/drawing/2014/main" id="{9A964DF7-C484-45B1-B6AD-DBF9611DB367}"/>
-              </a:ext>
-            </a:extLst>
-          </p:cNvPr>
-          <p:cNvSpPr>
-            <a:spLocks noGrp="1"/>
-          </p:cNvSpPr>
-          <p:nvPr>
-            <p:ph type="body" idx="1"/>
-          </p:nvPr>
-        </p:nvSpPr>
-        <p:spPr/>
-        <p:txBody>
-          <a:bodyPr/>
-          <a:lstStyle/>
-          <a:p>
-            <a:r>
-              <a:rPr lang="en-US" dirty="0"/>
-              <a:t>Database / Data Isolation</a:t>
-            </a:r>
-            <a:endParaRPr lang="tr-TR" dirty="0"/>
-          </a:p>
-        </p:txBody>
-      </p:sp>
-    </p:spTree>
-    <p:extLst>
-      <p:ext uri="{BB962C8B-B14F-4D97-AF65-F5344CB8AC3E}">
-        <p14:creationId xmlns:p14="http://schemas.microsoft.com/office/powerpoint/2010/main" val="3133479184"/>
-      </p:ext>
-    </p:extLst>
-  </p:cSld>
-  <p:clrMapOvr>
-    <a:masterClrMapping/>
-  </p:clrMapOvr>
-  <mc:AlternateContent xmlns:mc="http://schemas.openxmlformats.org/markup-compatibility/2006" xmlns:p14="http://schemas.microsoft.com/office/powerpoint/2010/main">
-    <mc:Choice Requires="p14">
-      <p:transition spd="med" p14:dur="700">
-        <p:fade/>
-      </p:transition>
-    </mc:Choice>
-    <mc:Fallback xmlns="">
-      <p:transition spd="med">
-        <p:fade/>
-      </p:transition>
-    </mc:Fallback>
-  </mc:AlternateContent>
-</p:sld>
-</file>
-
-<file path=ppt/slides/slide32.xml><?xml version="1.0" encoding="utf-8"?>
-<p:sld xmlns:a="http://schemas.openxmlformats.org/drawingml/2006/main" xmlns:r="http://schemas.openxmlformats.org/officeDocument/2006/relationships" xmlns:p="http://schemas.openxmlformats.org/presentationml/2006/main">
-  <p:cSld>
-    <p:spTree>
-      <p:nvGrpSpPr>
-        <p:cNvPr id="1" name=""/>
-        <p:cNvGrpSpPr/>
-        <p:nvPr/>
-      </p:nvGrpSpPr>
-      <p:grpSpPr>
-        <a:xfrm>
-          <a:off x="0" y="0"/>
-          <a:ext cx="0" cy="0"/>
-          <a:chOff x="0" y="0"/>
-          <a:chExt cx="0" cy="0"/>
-        </a:xfrm>
-      </p:grpSpPr>
-      <p:sp>
-        <p:nvSpPr>
-          <p:cNvPr id="2" name="Title 1">
-            <a:extLst>
-              <a:ext uri="{FF2B5EF4-FFF2-40B4-BE49-F238E27FC236}">
                 <a16:creationId xmlns:a16="http://schemas.microsoft.com/office/drawing/2014/main" id="{B225C1C4-AE2E-412F-B140-2E867D326509}"/>
               </a:ext>
             </a:extLst>
@@ -18355,8 +18237,38 @@
         </p:blipFill>
         <p:spPr>
           <a:xfrm>
-            <a:off x="1848293" y="2604371"/>
+            <a:off x="1629727" y="3673797"/>
             <a:ext cx="7996688" cy="1142384"/>
+          </a:xfrm>
+          <a:prstGeom prst="rect">
+            <a:avLst/>
+          </a:prstGeom>
+        </p:spPr>
+      </p:pic>
+      <p:pic>
+        <p:nvPicPr>
+          <p:cNvPr id="3" name="Picture 2">
+            <a:extLst>
+              <a:ext uri="{FF2B5EF4-FFF2-40B4-BE49-F238E27FC236}">
+                <a16:creationId xmlns:a16="http://schemas.microsoft.com/office/drawing/2014/main" id="{A3451885-D64A-47B4-8409-7F28C2F67AF4}"/>
+              </a:ext>
+            </a:extLst>
+          </p:cNvPr>
+          <p:cNvPicPr>
+            <a:picLocks noChangeAspect="1"/>
+          </p:cNvPicPr>
+          <p:nvPr/>
+        </p:nvPicPr>
+        <p:blipFill>
+          <a:blip r:embed="rId3"/>
+          <a:stretch>
+            <a:fillRect/>
+          </a:stretch>
+        </p:blipFill>
+        <p:spPr>
+          <a:xfrm>
+            <a:off x="1589801" y="2056718"/>
+            <a:ext cx="8036614" cy="1206599"/>
           </a:xfrm>
           <a:prstGeom prst="rect">
             <a:avLst/>
@@ -18388,7 +18300,7 @@
 </p:sld>
 </file>
 
-<file path=ppt/slides/slide33.xml><?xml version="1.0" encoding="utf-8"?>
+<file path=ppt/slides/slide32.xml><?xml version="1.0" encoding="utf-8"?>
 <p:sld xmlns:a="http://schemas.openxmlformats.org/drawingml/2006/main" xmlns:r="http://schemas.openxmlformats.org/officeDocument/2006/relationships" xmlns:p="http://schemas.openxmlformats.org/presentationml/2006/main">
   <p:cSld>
     <p:spTree>
@@ -18491,7 +18403,7 @@
 </p:sld>
 </file>
 
-<file path=ppt/slides/slide34.xml><?xml version="1.0" encoding="utf-8"?>
+<file path=ppt/slides/slide33.xml><?xml version="1.0" encoding="utf-8"?>
 <p:sld xmlns:a="http://schemas.openxmlformats.org/drawingml/2006/main" xmlns:r="http://schemas.openxmlformats.org/officeDocument/2006/relationships" xmlns:p="http://schemas.openxmlformats.org/presentationml/2006/main">
   <p:cSld>
     <p:spTree>
@@ -18539,10 +18451,10 @@
       </p:sp>
       <p:pic>
         <p:nvPicPr>
-          <p:cNvPr id="8" name="Content Placeholder 7">
+          <p:cNvPr id="6" name="Content Placeholder 5">
             <a:extLst>
               <a:ext uri="{FF2B5EF4-FFF2-40B4-BE49-F238E27FC236}">
-                <a16:creationId xmlns:a16="http://schemas.microsoft.com/office/drawing/2014/main" id="{70C4B45D-A9D0-45D7-A16A-B9B5500730E0}"/>
+                <a16:creationId xmlns:a16="http://schemas.microsoft.com/office/drawing/2014/main" id="{1983FDBC-3A6F-4278-ABBD-DE4837EEE7C3}"/>
               </a:ext>
             </a:extLst>
           </p:cNvPr>
@@ -18561,8 +18473,38 @@
         </p:blipFill>
         <p:spPr>
           <a:xfrm>
-            <a:off x="591471" y="1646238"/>
-            <a:ext cx="11009058" cy="3830703"/>
+            <a:off x="743342" y="1276438"/>
+            <a:ext cx="8985216" cy="3203326"/>
+          </a:xfrm>
+          <a:prstGeom prst="rect">
+            <a:avLst/>
+          </a:prstGeom>
+        </p:spPr>
+      </p:pic>
+      <p:pic>
+        <p:nvPicPr>
+          <p:cNvPr id="7" name="Picture 6">
+            <a:extLst>
+              <a:ext uri="{FF2B5EF4-FFF2-40B4-BE49-F238E27FC236}">
+                <a16:creationId xmlns:a16="http://schemas.microsoft.com/office/drawing/2014/main" id="{05C90A7A-9590-4D31-845E-392DAFADDDD3}"/>
+              </a:ext>
+            </a:extLst>
+          </p:cNvPr>
+          <p:cNvPicPr>
+            <a:picLocks noChangeAspect="1"/>
+          </p:cNvPicPr>
+          <p:nvPr/>
+        </p:nvPicPr>
+        <p:blipFill>
+          <a:blip r:embed="rId3"/>
+          <a:stretch>
+            <a:fillRect/>
+          </a:stretch>
+        </p:blipFill>
+        <p:spPr>
+          <a:xfrm>
+            <a:off x="743342" y="4562387"/>
+            <a:ext cx="6933233" cy="1175683"/>
           </a:xfrm>
           <a:prstGeom prst="rect">
             <a:avLst/>
@@ -18594,7 +18536,7 @@
 </p:sld>
 </file>
 
-<file path=ppt/slides/slide35.xml><?xml version="1.0" encoding="utf-8"?>
+<file path=ppt/slides/slide34.xml><?xml version="1.0" encoding="utf-8"?>
 <p:sld xmlns:a="http://schemas.openxmlformats.org/drawingml/2006/main" xmlns:r="http://schemas.openxmlformats.org/officeDocument/2006/relationships" xmlns:p="http://schemas.openxmlformats.org/presentationml/2006/main">
   <p:cSld>
     <p:spTree>
@@ -18697,7 +18639,7 @@
 </p:sld>
 </file>
 
-<file path=ppt/slides/slide36.xml><?xml version="1.0" encoding="utf-8"?>
+<file path=ppt/slides/slide35.xml><?xml version="1.0" encoding="utf-8"?>
 <p:sld xmlns:a="http://schemas.openxmlformats.org/drawingml/2006/main" xmlns:r="http://schemas.openxmlformats.org/officeDocument/2006/relationships" xmlns:p="http://schemas.openxmlformats.org/presentationml/2006/main">
   <p:cSld>
     <p:spTree>
@@ -18800,7 +18742,7 @@
 </p:sld>
 </file>
 
-<file path=ppt/slides/slide37.xml><?xml version="1.0" encoding="utf-8"?>
+<file path=ppt/slides/slide36.xml><?xml version="1.0" encoding="utf-8"?>
 <p:sld xmlns:a="http://schemas.openxmlformats.org/drawingml/2006/main" xmlns:r="http://schemas.openxmlformats.org/officeDocument/2006/relationships" xmlns:p="http://schemas.openxmlformats.org/presentationml/2006/main">
   <p:cSld>
     <p:spTree>
@@ -18924,10 +18866,7 @@
               <a:rPr lang="en-US" b="1" dirty="0"/>
               <a:t>Central data-access</a:t>
             </a:r>
-            <a:r>
-              <a:rPr lang="en-US" dirty="0"/>
-              <a:t> (common benefit).</a:t>
-            </a:r>
+            <a:endParaRPr lang="en-US" dirty="0"/>
           </a:p>
           <a:p>
             <a:r>
@@ -19007,7 +18946,7 @@
 </p:sld>
 </file>
 
-<file path=ppt/slides/slide38.xml><?xml version="1.0" encoding="utf-8"?>
+<file path=ppt/slides/slide37.xml><?xml version="1.0" encoding="utf-8"?>
 <p:sld xmlns:a="http://schemas.openxmlformats.org/drawingml/2006/main" xmlns:r="http://schemas.openxmlformats.org/officeDocument/2006/relationships" xmlns:p="http://schemas.openxmlformats.org/presentationml/2006/main">
   <p:cSld>
     <p:spTree>
@@ -19108,7 +19047,7 @@
 </p:sld>
 </file>
 
-<file path=ppt/slides/slide39.xml><?xml version="1.0" encoding="utf-8"?>
+<file path=ppt/slides/slide38.xml><?xml version="1.0" encoding="utf-8"?>
 <p:sld xmlns:a="http://schemas.openxmlformats.org/drawingml/2006/main" xmlns:r="http://schemas.openxmlformats.org/officeDocument/2006/relationships" xmlns:p="http://schemas.openxmlformats.org/presentationml/2006/main">
   <p:cSld>
     <p:spTree>
@@ -19232,7 +19171,7 @@
             </a:r>
             <a:r>
               <a:rPr lang="en-US" dirty="0"/>
-              <a:t>individually (possible via workarounds).</a:t>
+              <a:t>individually (possible via workarounds – may be directly supported in the future).</a:t>
             </a:r>
           </a:p>
           <a:p>
@@ -19258,15 +19197,7 @@
             </a:r>
             <a:r>
               <a:rPr lang="en-US" dirty="0"/>
-              <a:t>and data access APIs (but available for EF Core, </a:t>
-            </a:r>
-            <a:r>
-              <a:rPr lang="en-US" dirty="0" err="1"/>
-              <a:t>Nhibernate</a:t>
-            </a:r>
-            <a:r>
-              <a:rPr lang="en-US" dirty="0"/>
-              <a:t> and even for EF 6.x)</a:t>
+              <a:t>and data access APIs (but available for EF Core, NHibernate and even for EF 6.x)</a:t>
             </a:r>
             <a:endParaRPr lang="tr-TR" dirty="0"/>
           </a:p>
@@ -19276,6 +19207,186 @@
     <p:extLst>
       <p:ext uri="{BB962C8B-B14F-4D97-AF65-F5344CB8AC3E}">
         <p14:creationId xmlns:p14="http://schemas.microsoft.com/office/powerpoint/2010/main" val="4204548617"/>
+      </p:ext>
+    </p:extLst>
+  </p:cSld>
+  <p:clrMapOvr>
+    <a:masterClrMapping/>
+  </p:clrMapOvr>
+  <mc:AlternateContent xmlns:mc="http://schemas.openxmlformats.org/markup-compatibility/2006" xmlns:p14="http://schemas.microsoft.com/office/powerpoint/2010/main">
+    <mc:Choice Requires="p14">
+      <p:transition spd="med" p14:dur="700">
+        <p:fade/>
+      </p:transition>
+    </mc:Choice>
+    <mc:Fallback xmlns="">
+      <p:transition spd="med">
+        <p:fade/>
+      </p:transition>
+    </mc:Fallback>
+  </mc:AlternateContent>
+</p:sld>
+</file>
+
+<file path=ppt/slides/slide39.xml><?xml version="1.0" encoding="utf-8"?>
+<p:sld xmlns:a="http://schemas.openxmlformats.org/drawingml/2006/main" xmlns:r="http://schemas.openxmlformats.org/officeDocument/2006/relationships" xmlns:p="http://schemas.openxmlformats.org/presentationml/2006/main">
+  <p:cSld>
+    <p:spTree>
+      <p:nvGrpSpPr>
+        <p:cNvPr id="1" name=""/>
+        <p:cNvGrpSpPr/>
+        <p:nvPr/>
+      </p:nvGrpSpPr>
+      <p:grpSpPr>
+        <a:xfrm>
+          <a:off x="0" y="0"/>
+          <a:ext cx="0" cy="0"/>
+          <a:chOff x="0" y="0"/>
+          <a:chExt cx="0" cy="0"/>
+        </a:xfrm>
+      </p:grpSpPr>
+      <p:sp>
+        <p:nvSpPr>
+          <p:cNvPr id="2" name="Title 1">
+            <a:extLst>
+              <a:ext uri="{FF2B5EF4-FFF2-40B4-BE49-F238E27FC236}">
+                <a16:creationId xmlns:a16="http://schemas.microsoft.com/office/drawing/2014/main" id="{822DF4FC-1170-4E44-A812-E95611010DCE}"/>
+              </a:ext>
+            </a:extLst>
+          </p:cNvPr>
+          <p:cNvSpPr>
+            <a:spLocks noGrp="1"/>
+          </p:cNvSpPr>
+          <p:nvPr>
+            <p:ph type="title"/>
+          </p:nvPr>
+        </p:nvSpPr>
+        <p:spPr/>
+        <p:txBody>
+          <a:bodyPr/>
+          <a:lstStyle/>
+          <a:p>
+            <a:r>
+              <a:rPr lang="en-US" dirty="0"/>
+              <a:t>Automatic Data Filtering: Other Options</a:t>
+            </a:r>
+            <a:endParaRPr lang="tr-TR" dirty="0"/>
+          </a:p>
+        </p:txBody>
+      </p:sp>
+      <p:sp>
+        <p:nvSpPr>
+          <p:cNvPr id="3" name="Content Placeholder 2">
+            <a:extLst>
+              <a:ext uri="{FF2B5EF4-FFF2-40B4-BE49-F238E27FC236}">
+                <a16:creationId xmlns:a16="http://schemas.microsoft.com/office/drawing/2014/main" id="{D1DF5A3F-3489-4681-A707-4D2FC3F90073}"/>
+              </a:ext>
+            </a:extLst>
+          </p:cNvPr>
+          <p:cNvSpPr>
+            <a:spLocks noGrp="1"/>
+          </p:cNvSpPr>
+          <p:nvPr>
+            <p:ph idx="1"/>
+          </p:nvPr>
+        </p:nvSpPr>
+        <p:spPr/>
+        <p:txBody>
+          <a:bodyPr/>
+          <a:lstStyle/>
+          <a:p>
+            <a:r>
+              <a:rPr lang="en-US" b="1" dirty="0"/>
+              <a:t>Row Level Security </a:t>
+            </a:r>
+            <a:r>
+              <a:rPr lang="en-US" dirty="0"/>
+              <a:t>– Available for SQL Server and Azure SQL Database.</a:t>
+            </a:r>
+          </a:p>
+          <a:p>
+            <a:pPr lvl="1"/>
+            <a:r>
+              <a:rPr lang="en-US" dirty="0"/>
+              <a:t>Pros: Completely integrated to DBMS. </a:t>
+            </a:r>
+            <a:r>
+              <a:rPr lang="en-US" b="1" dirty="0"/>
+              <a:t>Works for everything</a:t>
+            </a:r>
+            <a:r>
+              <a:rPr lang="en-US" dirty="0"/>
+              <a:t>.</a:t>
+            </a:r>
+          </a:p>
+          <a:p>
+            <a:pPr lvl="1"/>
+            <a:r>
+              <a:rPr lang="en-US" dirty="0"/>
+              <a:t>Cons: Relatively </a:t>
+            </a:r>
+            <a:r>
+              <a:rPr lang="en-US" b="1" dirty="0"/>
+              <a:t>complex</a:t>
+            </a:r>
+            <a:r>
+              <a:rPr lang="en-US" dirty="0"/>
+              <a:t> to implement. Specific to DBMS.</a:t>
+            </a:r>
+          </a:p>
+          <a:p>
+            <a:r>
+              <a:rPr lang="en-US" b="1" dirty="0"/>
+              <a:t>Azure Elastic Database Pool</a:t>
+            </a:r>
+          </a:p>
+          <a:p>
+            <a:pPr lvl="1"/>
+            <a:r>
+              <a:rPr lang="en-US" dirty="0"/>
+              <a:t>Pros: Dynamically create databases per tenant. </a:t>
+            </a:r>
+            <a:r>
+              <a:rPr lang="en-US" b="1" dirty="0"/>
+              <a:t>Easily scale</a:t>
+            </a:r>
+            <a:r>
+              <a:rPr lang="en-US" dirty="0"/>
+              <a:t>.</a:t>
+            </a:r>
+          </a:p>
+          <a:p>
+            <a:pPr lvl="1"/>
+            <a:r>
+              <a:rPr lang="en-US" dirty="0"/>
+              <a:t>Cons: Only for </a:t>
+            </a:r>
+            <a:r>
+              <a:rPr lang="en-US" b="1" i="1" dirty="0" err="1"/>
+              <a:t>db</a:t>
+            </a:r>
+            <a:r>
+              <a:rPr lang="en-US" b="1" i="1" dirty="0"/>
+              <a:t> per tenant</a:t>
+            </a:r>
+            <a:r>
+              <a:rPr lang="en-US" b="1" dirty="0"/>
+              <a:t> </a:t>
+            </a:r>
+            <a:r>
+              <a:rPr lang="en-US" dirty="0"/>
+              <a:t>scenario. Has it’s own API. Has limitations.</a:t>
+            </a:r>
+          </a:p>
+          <a:p>
+            <a:endParaRPr lang="tr-TR" dirty="0"/>
+          </a:p>
+        </p:txBody>
+      </p:sp>
+    </p:spTree>
+    <p:extLst>
+      <p:ext uri="{BB962C8B-B14F-4D97-AF65-F5344CB8AC3E}">
+        <p14:creationId xmlns:p14="http://schemas.microsoft.com/office/powerpoint/2010/main" val="1000615958"/>
       </p:ext>
     </p:extLst>
   </p:cSld>
@@ -19585,158 +19696,6 @@
           <p:cNvPr id="2" name="Title 1">
             <a:extLst>
               <a:ext uri="{FF2B5EF4-FFF2-40B4-BE49-F238E27FC236}">
-                <a16:creationId xmlns:a16="http://schemas.microsoft.com/office/drawing/2014/main" id="{822DF4FC-1170-4E44-A812-E95611010DCE}"/>
-              </a:ext>
-            </a:extLst>
-          </p:cNvPr>
-          <p:cNvSpPr>
-            <a:spLocks noGrp="1"/>
-          </p:cNvSpPr>
-          <p:nvPr>
-            <p:ph type="title"/>
-          </p:nvPr>
-        </p:nvSpPr>
-        <p:spPr/>
-        <p:txBody>
-          <a:bodyPr/>
-          <a:lstStyle/>
-          <a:p>
-            <a:r>
-              <a:rPr lang="en-US" dirty="0"/>
-              <a:t>Automatic Data Filtering: Other Options</a:t>
-            </a:r>
-            <a:endParaRPr lang="tr-TR" dirty="0"/>
-          </a:p>
-        </p:txBody>
-      </p:sp>
-      <p:sp>
-        <p:nvSpPr>
-          <p:cNvPr id="3" name="Content Placeholder 2">
-            <a:extLst>
-              <a:ext uri="{FF2B5EF4-FFF2-40B4-BE49-F238E27FC236}">
-                <a16:creationId xmlns:a16="http://schemas.microsoft.com/office/drawing/2014/main" id="{D1DF5A3F-3489-4681-A707-4D2FC3F90073}"/>
-              </a:ext>
-            </a:extLst>
-          </p:cNvPr>
-          <p:cNvSpPr>
-            <a:spLocks noGrp="1"/>
-          </p:cNvSpPr>
-          <p:nvPr>
-            <p:ph idx="1"/>
-          </p:nvPr>
-        </p:nvSpPr>
-        <p:spPr/>
-        <p:txBody>
-          <a:bodyPr/>
-          <a:lstStyle/>
-          <a:p>
-            <a:r>
-              <a:rPr lang="en-US" b="1" dirty="0"/>
-              <a:t>Row Level Security </a:t>
-            </a:r>
-            <a:r>
-              <a:rPr lang="en-US" dirty="0"/>
-              <a:t>– Available for SQL Server and Azure SQL Database.</a:t>
-            </a:r>
-          </a:p>
-          <a:p>
-            <a:pPr lvl="1"/>
-            <a:r>
-              <a:rPr lang="en-US" dirty="0"/>
-              <a:t>Pros: Completely integrated to DBMS. Works for everything.</a:t>
-            </a:r>
-          </a:p>
-          <a:p>
-            <a:pPr lvl="1"/>
-            <a:r>
-              <a:rPr lang="en-US" dirty="0"/>
-              <a:t>Cons: Relatively complex to implement. Specific to DBMS.</a:t>
-            </a:r>
-          </a:p>
-          <a:p>
-            <a:r>
-              <a:rPr lang="en-US" b="1" dirty="0"/>
-              <a:t>Azure Elastic Database Pool</a:t>
-            </a:r>
-          </a:p>
-          <a:p>
-            <a:pPr lvl="1"/>
-            <a:r>
-              <a:rPr lang="en-US" dirty="0"/>
-              <a:t>Pros: Dynamically create databases per tenant. Easily scale.</a:t>
-            </a:r>
-          </a:p>
-          <a:p>
-            <a:pPr lvl="1"/>
-            <a:r>
-              <a:rPr lang="en-US" dirty="0"/>
-              <a:t>Cons: Only for </a:t>
-            </a:r>
-            <a:r>
-              <a:rPr lang="en-US" i="1" dirty="0" err="1"/>
-              <a:t>db</a:t>
-            </a:r>
-            <a:r>
-              <a:rPr lang="en-US" i="1" dirty="0"/>
-              <a:t> per tenant</a:t>
-            </a:r>
-            <a:r>
-              <a:rPr lang="en-US" dirty="0"/>
-              <a:t> scenario. Has it’s own API. Has limitations.</a:t>
-            </a:r>
-          </a:p>
-          <a:p>
-            <a:endParaRPr lang="tr-TR" dirty="0"/>
-          </a:p>
-        </p:txBody>
-      </p:sp>
-    </p:spTree>
-    <p:extLst>
-      <p:ext uri="{BB962C8B-B14F-4D97-AF65-F5344CB8AC3E}">
-        <p14:creationId xmlns:p14="http://schemas.microsoft.com/office/powerpoint/2010/main" val="1000615958"/>
-      </p:ext>
-    </p:extLst>
-  </p:cSld>
-  <p:clrMapOvr>
-    <a:masterClrMapping/>
-  </p:clrMapOvr>
-  <mc:AlternateContent xmlns:mc="http://schemas.openxmlformats.org/markup-compatibility/2006" xmlns:p14="http://schemas.microsoft.com/office/powerpoint/2010/main">
-    <mc:Choice Requires="p14">
-      <p:transition spd="med" p14:dur="700">
-        <p:fade/>
-      </p:transition>
-    </mc:Choice>
-    <mc:Fallback xmlns="">
-      <p:transition spd="med">
-        <p:fade/>
-      </p:transition>
-    </mc:Fallback>
-  </mc:AlternateContent>
-</p:sld>
-</file>
-
-<file path=ppt/slides/slide41.xml><?xml version="1.0" encoding="utf-8"?>
-<p:sld xmlns:a="http://schemas.openxmlformats.org/drawingml/2006/main" xmlns:r="http://schemas.openxmlformats.org/officeDocument/2006/relationships" xmlns:p="http://schemas.openxmlformats.org/presentationml/2006/main">
-  <p:cSld>
-    <p:spTree>
-      <p:nvGrpSpPr>
-        <p:cNvPr id="1" name=""/>
-        <p:cNvGrpSpPr/>
-        <p:nvPr/>
-      </p:nvGrpSpPr>
-      <p:grpSpPr>
-        <a:xfrm>
-          <a:off x="0" y="0"/>
-          <a:ext cx="0" cy="0"/>
-          <a:chOff x="0" y="0"/>
-          <a:chExt cx="0" cy="0"/>
-        </a:xfrm>
-      </p:grpSpPr>
-      <p:sp>
-        <p:nvSpPr>
-          <p:cNvPr id="2" name="Title 1">
-            <a:extLst>
-              <a:ext uri="{FF2B5EF4-FFF2-40B4-BE49-F238E27FC236}">
                 <a16:creationId xmlns:a16="http://schemas.microsoft.com/office/drawing/2014/main" id="{A9A6F59D-36A9-45E9-BC69-ED35D015E9A5}"/>
               </a:ext>
             </a:extLst>
@@ -19908,7 +19867,7 @@
 </p:sld>
 </file>
 
-<file path=ppt/slides/slide42.xml><?xml version="1.0" encoding="utf-8"?>
+<file path=ppt/slides/slide41.xml><?xml version="1.0" encoding="utf-8"?>
 <p:sld xmlns:a="http://schemas.openxmlformats.org/drawingml/2006/main" xmlns:r="http://schemas.openxmlformats.org/officeDocument/2006/relationships" xmlns:p="http://schemas.openxmlformats.org/presentationml/2006/main">
   <p:cSld>
     <p:spTree>
@@ -20011,7 +19970,7 @@
 </p:sld>
 </file>
 
-<file path=ppt/slides/slide43.xml><?xml version="1.0" encoding="utf-8"?>
+<file path=ppt/slides/slide42.xml><?xml version="1.0" encoding="utf-8"?>
 <p:sld xmlns:a="http://schemas.openxmlformats.org/drawingml/2006/main" xmlns:r="http://schemas.openxmlformats.org/officeDocument/2006/relationships" xmlns:p="http://schemas.openxmlformats.org/presentationml/2006/main">
   <p:cSld>
     <p:spTree>
@@ -20097,7 +20056,7 @@
 </p:sld>
 </file>
 
-<file path=ppt/slides/slide44.xml><?xml version="1.0" encoding="utf-8"?>
+<file path=ppt/slides/slide43.xml><?xml version="1.0" encoding="utf-8"?>
 <p:sld xmlns:a="http://schemas.openxmlformats.org/drawingml/2006/main" xmlns:r="http://schemas.openxmlformats.org/officeDocument/2006/relationships" xmlns:p="http://schemas.openxmlformats.org/presentationml/2006/main">
   <p:cSld>
     <p:spTree>
@@ -20253,7 +20212,7 @@
 </p:sld>
 </file>
 
-<file path=ppt/slides/slide45.xml><?xml version="1.0" encoding="utf-8"?>
+<file path=ppt/slides/slide44.xml><?xml version="1.0" encoding="utf-8"?>
 <p:sld xmlns:a="http://schemas.openxmlformats.org/drawingml/2006/main" xmlns:r="http://schemas.openxmlformats.org/officeDocument/2006/relationships" xmlns:p="http://schemas.openxmlformats.org/presentationml/2006/main">
   <p:cSld>
     <p:spTree>
@@ -20353,7 +20312,7 @@
 </p:sld>
 </file>
 
-<file path=ppt/slides/slide46.xml><?xml version="1.0" encoding="utf-8"?>
+<file path=ppt/slides/slide45.xml><?xml version="1.0" encoding="utf-8"?>
 <p:sld xmlns:a="http://schemas.openxmlformats.org/drawingml/2006/main" xmlns:r="http://schemas.openxmlformats.org/officeDocument/2006/relationships" xmlns:p="http://schemas.openxmlformats.org/presentationml/2006/main">
   <p:cSld>
     <p:spTree>
@@ -20500,7 +20459,7 @@
 </p:sld>
 </file>
 
-<file path=ppt/slides/slide47.xml><?xml version="1.0" encoding="utf-8"?>
+<file path=ppt/slides/slide46.xml><?xml version="1.0" encoding="utf-8"?>
 <p:sld xmlns:a="http://schemas.openxmlformats.org/drawingml/2006/main" xmlns:r="http://schemas.openxmlformats.org/officeDocument/2006/relationships" xmlns:p="http://schemas.openxmlformats.org/presentationml/2006/main">
   <p:cSld>
     <p:spTree>
@@ -20584,24 +20543,23 @@
             <a:pPr lvl="1"/>
             <a:r>
               <a:rPr lang="en-US" dirty="0"/>
-              <a:t>All </a:t>
-            </a:r>
-            <a:r>
-              <a:rPr lang="en-US" b="1" dirty="0"/>
-              <a:t>Tenant Id</a:t>
-            </a:r>
-            <a:r>
-              <a:rPr lang="en-US" dirty="0"/>
-              <a:t> values can be </a:t>
-            </a:r>
-            <a:r>
-              <a:rPr lang="en-US" b="1" dirty="0"/>
-              <a:t>null</a:t>
-            </a:r>
-            <a:r>
-              <a:rPr lang="en-US" dirty="0"/>
-              <a:t>.</a:t>
-            </a:r>
+              <a:t>Every table still has the </a:t>
+            </a:r>
+            <a:r>
+              <a:rPr lang="en-US" dirty="0" err="1"/>
+              <a:t>TenantId</a:t>
+            </a:r>
+            <a:r>
+              <a:rPr lang="en-US" dirty="0"/>
+              <a:t> column (with null values).</a:t>
+            </a:r>
+          </a:p>
+          <a:p>
+            <a:pPr lvl="1"/>
+            <a:endParaRPr lang="en-US" dirty="0"/>
+          </a:p>
+          <a:p>
+            <a:pPr lvl="1"/>
             <a:endParaRPr lang="tr-TR" dirty="0"/>
           </a:p>
         </p:txBody>
@@ -20610,6 +20568,106 @@
     <p:extLst>
       <p:ext uri="{BB962C8B-B14F-4D97-AF65-F5344CB8AC3E}">
         <p14:creationId xmlns:p14="http://schemas.microsoft.com/office/powerpoint/2010/main" val="2689938307"/>
+      </p:ext>
+    </p:extLst>
+  </p:cSld>
+  <p:clrMapOvr>
+    <a:masterClrMapping/>
+  </p:clrMapOvr>
+  <mc:AlternateContent xmlns:mc="http://schemas.openxmlformats.org/markup-compatibility/2006" xmlns:p14="http://schemas.microsoft.com/office/powerpoint/2010/main">
+    <mc:Choice Requires="p14">
+      <p:transition spd="med" p14:dur="700">
+        <p:fade/>
+      </p:transition>
+    </mc:Choice>
+    <mc:Fallback xmlns="">
+      <p:transition spd="med">
+        <p:fade/>
+      </p:transition>
+    </mc:Fallback>
+  </mc:AlternateContent>
+</p:sld>
+</file>
+
+<file path=ppt/slides/slide47.xml><?xml version="1.0" encoding="utf-8"?>
+<p:sld xmlns:a="http://schemas.openxmlformats.org/drawingml/2006/main" xmlns:r="http://schemas.openxmlformats.org/officeDocument/2006/relationships" xmlns:p="http://schemas.openxmlformats.org/presentationml/2006/main">
+  <p:cSld>
+    <p:spTree>
+      <p:nvGrpSpPr>
+        <p:cNvPr id="1" name=""/>
+        <p:cNvGrpSpPr/>
+        <p:nvPr/>
+      </p:nvGrpSpPr>
+      <p:grpSpPr>
+        <a:xfrm>
+          <a:off x="0" y="0"/>
+          <a:ext cx="0" cy="0"/>
+          <a:chOff x="0" y="0"/>
+          <a:chExt cx="0" cy="0"/>
+        </a:xfrm>
+      </p:grpSpPr>
+      <p:sp>
+        <p:nvSpPr>
+          <p:cNvPr id="2" name="Title 1">
+            <a:extLst>
+              <a:ext uri="{FF2B5EF4-FFF2-40B4-BE49-F238E27FC236}">
+                <a16:creationId xmlns:a16="http://schemas.microsoft.com/office/drawing/2014/main" id="{C54D2C2B-A2E3-4E89-BAA9-D7CB67ABFA27}"/>
+              </a:ext>
+            </a:extLst>
+          </p:cNvPr>
+          <p:cNvSpPr>
+            <a:spLocks noGrp="1"/>
+          </p:cNvSpPr>
+          <p:nvPr>
+            <p:ph type="title"/>
+          </p:nvPr>
+        </p:nvSpPr>
+        <p:spPr/>
+        <p:txBody>
+          <a:bodyPr/>
+          <a:lstStyle/>
+          <a:p>
+            <a:r>
+              <a:rPr lang="en-US" dirty="0"/>
+              <a:t>Multi-Tenancy</a:t>
+            </a:r>
+            <a:endParaRPr lang="tr-TR" dirty="0"/>
+          </a:p>
+        </p:txBody>
+      </p:sp>
+      <p:sp>
+        <p:nvSpPr>
+          <p:cNvPr id="3" name="Text Placeholder 2">
+            <a:extLst>
+              <a:ext uri="{FF2B5EF4-FFF2-40B4-BE49-F238E27FC236}">
+                <a16:creationId xmlns:a16="http://schemas.microsoft.com/office/drawing/2014/main" id="{0F26BB83-7F85-4C25-A0C6-B2CB254AF692}"/>
+              </a:ext>
+            </a:extLst>
+          </p:cNvPr>
+          <p:cNvSpPr>
+            <a:spLocks noGrp="1"/>
+          </p:cNvSpPr>
+          <p:nvPr>
+            <p:ph type="body" idx="1"/>
+          </p:nvPr>
+        </p:nvSpPr>
+        <p:spPr/>
+        <p:txBody>
+          <a:bodyPr/>
+          <a:lstStyle/>
+          <a:p>
+            <a:r>
+              <a:rPr lang="en-US" dirty="0"/>
+              <a:t>DB Transactions &amp; Migrations</a:t>
+            </a:r>
+            <a:endParaRPr lang="tr-TR" dirty="0"/>
+          </a:p>
+        </p:txBody>
+      </p:sp>
+    </p:spTree>
+    <p:extLst>
+      <p:ext uri="{BB962C8B-B14F-4D97-AF65-F5344CB8AC3E}">
+        <p14:creationId xmlns:p14="http://schemas.microsoft.com/office/powerpoint/2010/main" val="3113983200"/>
       </p:ext>
     </p:extLst>
   </p:cSld>
@@ -20653,7 +20711,7 @@
           <p:cNvPr id="2" name="Title 1">
             <a:extLst>
               <a:ext uri="{FF2B5EF4-FFF2-40B4-BE49-F238E27FC236}">
-                <a16:creationId xmlns:a16="http://schemas.microsoft.com/office/drawing/2014/main" id="{C54D2C2B-A2E3-4E89-BAA9-D7CB67ABFA27}"/>
+                <a16:creationId xmlns:a16="http://schemas.microsoft.com/office/drawing/2014/main" id="{C77A8DA4-A894-4405-81F3-988F785844A6}"/>
               </a:ext>
             </a:extLst>
           </p:cNvPr>
@@ -20671,7 +20729,7 @@
           <a:p>
             <a:r>
               <a:rPr lang="en-US" dirty="0"/>
-              <a:t>Multi-Tenancy</a:t>
+              <a:t>Distributed Transactions</a:t>
             </a:r>
             <a:endParaRPr lang="tr-TR" dirty="0"/>
           </a:p>
@@ -20679,10 +20737,10 @@
       </p:sp>
       <p:sp>
         <p:nvSpPr>
-          <p:cNvPr id="3" name="Text Placeholder 2">
+          <p:cNvPr id="3" name="Content Placeholder 2">
             <a:extLst>
               <a:ext uri="{FF2B5EF4-FFF2-40B4-BE49-F238E27FC236}">
-                <a16:creationId xmlns:a16="http://schemas.microsoft.com/office/drawing/2014/main" id="{0F26BB83-7F85-4C25-A0C6-B2CB254AF692}"/>
+                <a16:creationId xmlns:a16="http://schemas.microsoft.com/office/drawing/2014/main" id="{68D36B3E-9CA1-4B02-9011-D34E61B4AA08}"/>
               </a:ext>
             </a:extLst>
           </p:cNvPr>
@@ -20690,7 +20748,7 @@
             <a:spLocks noGrp="1"/>
           </p:cNvSpPr>
           <p:nvPr>
-            <p:ph type="body" idx="1"/>
+            <p:ph idx="1"/>
           </p:nvPr>
         </p:nvSpPr>
         <p:spPr/>
@@ -20700,7 +20758,57 @@
           <a:p>
             <a:r>
               <a:rPr lang="en-US" dirty="0"/>
-              <a:t>DB Transactions &amp; Migrations</a:t>
+              <a:t>Multi-tenant (or host + tenant) operations may require </a:t>
+            </a:r>
+            <a:r>
+              <a:rPr lang="en-US" b="1" dirty="0"/>
+              <a:t>distributed transactions</a:t>
+            </a:r>
+            <a:r>
+              <a:rPr lang="en-US" dirty="0"/>
+              <a:t> with </a:t>
+            </a:r>
+            <a:r>
+              <a:rPr lang="en-US" b="1" i="1" dirty="0"/>
+              <a:t>database per tenant</a:t>
+            </a:r>
+            <a:r>
+              <a:rPr lang="en-US" dirty="0"/>
+              <a:t> approach.</a:t>
+            </a:r>
+          </a:p>
+          <a:p>
+            <a:r>
+              <a:rPr lang="en-US" dirty="0"/>
+              <a:t>SQL Server can handle but requires to run </a:t>
+            </a:r>
+            <a:r>
+              <a:rPr lang="en-US" b="1" dirty="0"/>
+              <a:t>MSDTC</a:t>
+            </a:r>
+            <a:r>
+              <a:rPr lang="en-US" dirty="0"/>
+              <a:t>.</a:t>
+            </a:r>
+          </a:p>
+          <a:p>
+            <a:r>
+              <a:rPr lang="en-US" dirty="0"/>
+              <a:t>May not be possible for cloud platforms.</a:t>
+            </a:r>
+          </a:p>
+          <a:p>
+            <a:r>
+              <a:rPr lang="en-US" dirty="0"/>
+              <a:t>Avoid where possible, or use event queues or some other </a:t>
+            </a:r>
+            <a:r>
+              <a:rPr lang="en-US" dirty="0" err="1"/>
+              <a:t>async</a:t>
+            </a:r>
+            <a:r>
+              <a:rPr lang="en-US" dirty="0"/>
+              <a:t> mechanism.</a:t>
             </a:r>
             <a:endParaRPr lang="tr-TR" dirty="0"/>
           </a:p>
@@ -20709,7 +20817,7 @@
     </p:spTree>
     <p:extLst>
       <p:ext uri="{BB962C8B-B14F-4D97-AF65-F5344CB8AC3E}">
-        <p14:creationId xmlns:p14="http://schemas.microsoft.com/office/powerpoint/2010/main" val="3113983200"/>
+        <p14:creationId xmlns:p14="http://schemas.microsoft.com/office/powerpoint/2010/main" val="3239617914"/>
       </p:ext>
     </p:extLst>
   </p:cSld>
@@ -20753,7 +20861,7 @@
           <p:cNvPr id="2" name="Title 1">
             <a:extLst>
               <a:ext uri="{FF2B5EF4-FFF2-40B4-BE49-F238E27FC236}">
-                <a16:creationId xmlns:a16="http://schemas.microsoft.com/office/drawing/2014/main" id="{C77A8DA4-A894-4405-81F3-988F785844A6}"/>
+                <a16:creationId xmlns:a16="http://schemas.microsoft.com/office/drawing/2014/main" id="{94409AC8-899E-4C65-8893-0A55FFB787AC}"/>
               </a:ext>
             </a:extLst>
           </p:cNvPr>
@@ -20771,7 +20879,7 @@
           <a:p>
             <a:r>
               <a:rPr lang="en-US" dirty="0"/>
-              <a:t>Distributed Transactions</a:t>
+              <a:t>Schema / Data Migration</a:t>
             </a:r>
             <a:endParaRPr lang="tr-TR" dirty="0"/>
           </a:p>
@@ -20782,7 +20890,7 @@
           <p:cNvPr id="3" name="Content Placeholder 2">
             <a:extLst>
               <a:ext uri="{FF2B5EF4-FFF2-40B4-BE49-F238E27FC236}">
-                <a16:creationId xmlns:a16="http://schemas.microsoft.com/office/drawing/2014/main" id="{68D36B3E-9CA1-4B02-9011-D34E61B4AA08}"/>
+                <a16:creationId xmlns:a16="http://schemas.microsoft.com/office/drawing/2014/main" id="{190C1804-2E97-4E87-9F92-D5CA629CDE72}"/>
               </a:ext>
             </a:extLst>
           </p:cNvPr>
@@ -20800,57 +20908,71 @@
           <a:p>
             <a:r>
               <a:rPr lang="en-US" dirty="0"/>
-              <a:t>Multi-tenant (or host + tenant) operations may require </a:t>
+              <a:t>Problem for multiple-databases.</a:t>
+            </a:r>
+          </a:p>
+          <a:p>
+            <a:r>
+              <a:rPr lang="en-US" dirty="0"/>
+              <a:t>Solution: Upgrade </a:t>
             </a:r>
             <a:r>
               <a:rPr lang="en-US" b="1" dirty="0"/>
-              <a:t>distributed transactions</a:t>
-            </a:r>
-            <a:r>
-              <a:rPr lang="en-US" dirty="0"/>
-              <a:t> with </a:t>
-            </a:r>
-            <a:r>
-              <a:rPr lang="en-US" b="1" i="1" dirty="0"/>
-              <a:t>database per tenant</a:t>
-            </a:r>
-            <a:r>
-              <a:rPr lang="en-US" dirty="0"/>
-              <a:t> approach.</a:t>
-            </a:r>
-          </a:p>
-          <a:p>
-            <a:r>
-              <a:rPr lang="en-US" dirty="0"/>
-              <a:t>SQL Server can handle but requires to run </a:t>
+              <a:t>all in one</a:t>
+            </a:r>
+            <a:r>
+              <a:rPr lang="en-US" dirty="0"/>
+              <a:t> with a custom tool.</a:t>
+            </a:r>
+          </a:p>
+          <a:p>
+            <a:pPr lvl="1"/>
+            <a:r>
+              <a:rPr lang="en-US" dirty="0"/>
+              <a:t>Pros: Easy to implement. All tenants are in the same version.</a:t>
+            </a:r>
+          </a:p>
+          <a:p>
+            <a:pPr lvl="1"/>
+            <a:r>
+              <a:rPr lang="en-US" dirty="0"/>
+              <a:t>Cons: May get too long time for big number of tenants and data. All tenants wait for all upgrade progress.</a:t>
+            </a:r>
+          </a:p>
+          <a:p>
+            <a:r>
+              <a:rPr lang="en-US" dirty="0"/>
+              <a:t>Solution: Upgrade the </a:t>
             </a:r>
             <a:r>
               <a:rPr lang="en-US" b="1" dirty="0"/>
-              <a:t>MSDTC</a:t>
-            </a:r>
-            <a:r>
-              <a:rPr lang="en-US" dirty="0"/>
-              <a:t>.</a:t>
-            </a:r>
-          </a:p>
-          <a:p>
-            <a:r>
-              <a:rPr lang="en-US" dirty="0"/>
-              <a:t>May not be possible for cloud systems.</a:t>
-            </a:r>
-          </a:p>
-          <a:p>
-            <a:r>
-              <a:rPr lang="en-US" dirty="0"/>
-              <a:t>Avoid where possible, or use event queues or some other </a:t>
-            </a:r>
-            <a:r>
-              <a:rPr lang="en-US" dirty="0" err="1"/>
-              <a:t>async</a:t>
-            </a:r>
-            <a:r>
-              <a:rPr lang="en-US" dirty="0"/>
-              <a:t> mechanism.</a:t>
+              <a:t>application servers immediately</a:t>
+            </a:r>
+            <a:r>
+              <a:rPr lang="en-US" dirty="0"/>
+              <a:t>, upgrade </a:t>
+            </a:r>
+            <a:r>
+              <a:rPr lang="en-US" b="1" dirty="0"/>
+              <a:t>databases individually</a:t>
+            </a:r>
+            <a:r>
+              <a:rPr lang="en-US" dirty="0"/>
+              <a:t> on first access.</a:t>
+            </a:r>
+          </a:p>
+          <a:p>
+            <a:pPr lvl="1"/>
+            <a:r>
+              <a:rPr lang="en-US" dirty="0"/>
+              <a:t>Pros: Upgrading is distributed to time. A tenant does not wait for another.</a:t>
+            </a:r>
+          </a:p>
+          <a:p>
+            <a:pPr lvl="1"/>
+            <a:r>
+              <a:rPr lang="en-US" dirty="0"/>
+              <a:t>Cons: First accessing user may wait too much. Even we get timeout exception. Also, we don’t control the upgrade speed.</a:t>
             </a:r>
             <a:endParaRPr lang="tr-TR" dirty="0"/>
           </a:p>
@@ -20859,7 +20981,7 @@
     </p:spTree>
     <p:extLst>
       <p:ext uri="{BB962C8B-B14F-4D97-AF65-F5344CB8AC3E}">
-        <p14:creationId xmlns:p14="http://schemas.microsoft.com/office/powerpoint/2010/main" val="3239617914"/>
+        <p14:creationId xmlns:p14="http://schemas.microsoft.com/office/powerpoint/2010/main" val="3077167626"/>
       </p:ext>
     </p:extLst>
   </p:cSld>
@@ -21022,7 +21144,7 @@
           <p:cNvPr id="2" name="Title 1">
             <a:extLst>
               <a:ext uri="{FF2B5EF4-FFF2-40B4-BE49-F238E27FC236}">
-                <a16:creationId xmlns:a16="http://schemas.microsoft.com/office/drawing/2014/main" id="{94409AC8-899E-4C65-8893-0A55FFB787AC}"/>
+                <a16:creationId xmlns:a16="http://schemas.microsoft.com/office/drawing/2014/main" id="{CCC588D2-54AE-4D02-8CDC-07359611F6F6}"/>
               </a:ext>
             </a:extLst>
           </p:cNvPr>
@@ -21051,7 +21173,7 @@
           <p:cNvPr id="3" name="Content Placeholder 2">
             <a:extLst>
               <a:ext uri="{FF2B5EF4-FFF2-40B4-BE49-F238E27FC236}">
-                <a16:creationId xmlns:a16="http://schemas.microsoft.com/office/drawing/2014/main" id="{190C1804-2E97-4E87-9F92-D5CA629CDE72}"/>
+                <a16:creationId xmlns:a16="http://schemas.microsoft.com/office/drawing/2014/main" id="{052B3B92-A702-46DA-9968-31DC7A070612}"/>
               </a:ext>
             </a:extLst>
           </p:cNvPr>
@@ -21064,85 +21186,76 @@
         </p:nvSpPr>
         <p:spPr/>
         <p:txBody>
-          <a:bodyPr/>
+          <a:bodyPr>
+            <a:normAutofit lnSpcReduction="10000"/>
+          </a:bodyPr>
           <a:lstStyle/>
           <a:p>
             <a:r>
               <a:rPr lang="en-US" dirty="0"/>
-              <a:t>Problem for multiple-databases.</a:t>
-            </a:r>
-          </a:p>
-          <a:p>
-            <a:r>
-              <a:rPr lang="en-US" dirty="0"/>
-              <a:t>Solution: Upgrade </a:t>
-            </a:r>
-            <a:r>
-              <a:rPr lang="en-US" b="1" dirty="0"/>
-              <a:t>all in one</a:t>
-            </a:r>
-            <a:r>
-              <a:rPr lang="en-US" dirty="0"/>
-              <a:t> with a custom tool.</a:t>
+              <a:t>Solution: Multiple versions concurrently.</a:t>
             </a:r>
           </a:p>
           <a:p>
             <a:pPr lvl="1"/>
             <a:r>
               <a:rPr lang="en-US" dirty="0"/>
-              <a:t>Pros: Easy to implement. All tenants are in the same version.</a:t>
+              <a:t>Split the application servers into two parts: Upgraded tenants use the new application, other tenants use the old application.</a:t>
+            </a:r>
+          </a:p>
+          <a:p>
+            <a:r>
+              <a:rPr lang="en-US" dirty="0"/>
+              <a:t>Pros:</a:t>
             </a:r>
           </a:p>
           <a:p>
             <a:pPr lvl="1"/>
             <a:r>
               <a:rPr lang="en-US" dirty="0"/>
-              <a:t>Cons: May get too long time for big number of tenants and data. All tenants wait for all upgrade progress.</a:t>
-            </a:r>
-          </a:p>
-          <a:p>
-            <a:r>
-              <a:rPr lang="en-US" dirty="0"/>
-              <a:t>Solution: Upgrade the </a:t>
-            </a:r>
-            <a:r>
-              <a:rPr lang="en-US" b="1" dirty="0"/>
-              <a:t>application servers immediately</a:t>
-            </a:r>
-            <a:r>
-              <a:rPr lang="en-US" dirty="0"/>
-              <a:t>, upgrade </a:t>
-            </a:r>
-            <a:r>
-              <a:rPr lang="en-US" b="1" dirty="0"/>
-              <a:t>databases individually</a:t>
-            </a:r>
-            <a:r>
-              <a:rPr lang="en-US" dirty="0"/>
-              <a:t> on first access.</a:t>
+              <a:t>Minimum waiting for every tenant.</a:t>
             </a:r>
           </a:p>
           <a:p>
             <a:pPr lvl="1"/>
             <a:r>
               <a:rPr lang="en-US" dirty="0"/>
-              <a:t>Pros: Upgrading is distributed to time. A tenant does not wait for another.</a:t>
+              <a:t>Upgrading may be scheduled for every individual tenant and they can be informed.</a:t>
             </a:r>
           </a:p>
           <a:p>
             <a:pPr lvl="1"/>
             <a:r>
               <a:rPr lang="en-US" dirty="0"/>
-              <a:t>Cons: First accessing user may wait too much. Even we get timeout exception. Also, we don’t control the upgrade speed.</a:t>
-            </a:r>
-            <a:endParaRPr lang="tr-TR" dirty="0"/>
+              <a:t>Allows us to perform A/B tests and previews.</a:t>
+            </a:r>
+          </a:p>
+          <a:p>
+            <a:r>
+              <a:rPr lang="en-US" dirty="0"/>
+              <a:t>Cons</a:t>
+            </a:r>
+          </a:p>
+          <a:p>
+            <a:pPr lvl="1"/>
+            <a:r>
+              <a:rPr lang="en-US" dirty="0"/>
+              <a:t>Requires multiple application servers – but reasonable for a big system.</a:t>
+            </a:r>
+          </a:p>
+          <a:p>
+            <a:pPr lvl="1"/>
+            <a:r>
+              <a:rPr lang="en-US" dirty="0"/>
+              <a:t>Harder to implement, maintain and monitor.</a:t>
+            </a:r>
           </a:p>
         </p:txBody>
       </p:sp>
     </p:spTree>
     <p:extLst>
       <p:ext uri="{BB962C8B-B14F-4D97-AF65-F5344CB8AC3E}">
-        <p14:creationId xmlns:p14="http://schemas.microsoft.com/office/powerpoint/2010/main" val="3077167626"/>
+        <p14:creationId xmlns:p14="http://schemas.microsoft.com/office/powerpoint/2010/main" val="386610187"/>
       </p:ext>
     </p:extLst>
   </p:cSld>
@@ -21186,7 +21299,7 @@
           <p:cNvPr id="2" name="Title 1">
             <a:extLst>
               <a:ext uri="{FF2B5EF4-FFF2-40B4-BE49-F238E27FC236}">
-                <a16:creationId xmlns:a16="http://schemas.microsoft.com/office/drawing/2014/main" id="{CCC588D2-54AE-4D02-8CDC-07359611F6F6}"/>
+                <a16:creationId xmlns:a16="http://schemas.microsoft.com/office/drawing/2014/main" id="{9B3EBDE1-C46A-42BA-8FE9-CC5F8E3819EB}"/>
               </a:ext>
             </a:extLst>
           </p:cNvPr>
@@ -21204,7 +21317,7 @@
           <a:p>
             <a:r>
               <a:rPr lang="en-US" dirty="0"/>
-              <a:t>Schema / Data Migration</a:t>
+              <a:t>Multi-Tenancy</a:t>
             </a:r>
             <a:endParaRPr lang="tr-TR" dirty="0"/>
           </a:p>
@@ -21212,10 +21325,10 @@
       </p:sp>
       <p:sp>
         <p:nvSpPr>
-          <p:cNvPr id="3" name="Content Placeholder 2">
+          <p:cNvPr id="3" name="Text Placeholder 2">
             <a:extLst>
               <a:ext uri="{FF2B5EF4-FFF2-40B4-BE49-F238E27FC236}">
-                <a16:creationId xmlns:a16="http://schemas.microsoft.com/office/drawing/2014/main" id="{052B3B92-A702-46DA-9968-31DC7A070612}"/>
+                <a16:creationId xmlns:a16="http://schemas.microsoft.com/office/drawing/2014/main" id="{545AF91A-86DC-4C2D-9A10-11DF673655AB}"/>
               </a:ext>
             </a:extLst>
           </p:cNvPr>
@@ -21223,81 +21336,26 @@
             <a:spLocks noGrp="1"/>
           </p:cNvSpPr>
           <p:nvPr>
-            <p:ph idx="1"/>
+            <p:ph type="body" idx="1"/>
           </p:nvPr>
         </p:nvSpPr>
         <p:spPr/>
         <p:txBody>
-          <a:bodyPr>
-            <a:normAutofit lnSpcReduction="10000"/>
-          </a:bodyPr>
+          <a:bodyPr/>
           <a:lstStyle/>
           <a:p>
             <a:r>
               <a:rPr lang="en-US" dirty="0"/>
-              <a:t>Solution: Multiple versions concurrently.</a:t>
-            </a:r>
-          </a:p>
-          <a:p>
-            <a:pPr lvl="1"/>
-            <a:r>
-              <a:rPr lang="en-US" dirty="0"/>
-              <a:t>Split the application servers into two parts: Upgraded tenants use the new application, other tenants use the old application.</a:t>
-            </a:r>
-          </a:p>
-          <a:p>
-            <a:r>
-              <a:rPr lang="en-US" dirty="0"/>
-              <a:t>Pros:</a:t>
-            </a:r>
-          </a:p>
-          <a:p>
-            <a:pPr lvl="1"/>
-            <a:r>
-              <a:rPr lang="en-US" dirty="0"/>
-              <a:t>Minimum waiting for every tenant.</a:t>
-            </a:r>
-          </a:p>
-          <a:p>
-            <a:pPr lvl="1"/>
-            <a:r>
-              <a:rPr lang="en-US" dirty="0"/>
-              <a:t>Upgrading may be scheduled for every individual tenant and they can be informed.</a:t>
-            </a:r>
-          </a:p>
-          <a:p>
-            <a:pPr lvl="1"/>
-            <a:r>
-              <a:rPr lang="en-US" dirty="0"/>
-              <a:t>Allows us to perform A/B tests and previews.</a:t>
-            </a:r>
-          </a:p>
-          <a:p>
-            <a:r>
-              <a:rPr lang="en-US" dirty="0"/>
-              <a:t>Cons</a:t>
-            </a:r>
-          </a:p>
-          <a:p>
-            <a:pPr lvl="1"/>
-            <a:r>
-              <a:rPr lang="en-US" dirty="0"/>
-              <a:t>Requires multiple application servers – but reasonable for a big system.</a:t>
-            </a:r>
-          </a:p>
-          <a:p>
-            <a:pPr lvl="1"/>
-            <a:r>
-              <a:rPr lang="en-US" dirty="0"/>
-              <a:t>Harder to implement, maintain and monitor.</a:t>
-            </a:r>
+              <a:t>Best Practices, Optimizations &amp; Integrations</a:t>
+            </a:r>
+            <a:endParaRPr lang="tr-TR" dirty="0"/>
           </a:p>
         </p:txBody>
       </p:sp>
     </p:spTree>
     <p:extLst>
       <p:ext uri="{BB962C8B-B14F-4D97-AF65-F5344CB8AC3E}">
-        <p14:creationId xmlns:p14="http://schemas.microsoft.com/office/powerpoint/2010/main" val="386610187"/>
+        <p14:creationId xmlns:p14="http://schemas.microsoft.com/office/powerpoint/2010/main" val="3294051223"/>
       </p:ext>
     </p:extLst>
   </p:cSld>
@@ -21341,106 +21399,6 @@
           <p:cNvPr id="2" name="Title 1">
             <a:extLst>
               <a:ext uri="{FF2B5EF4-FFF2-40B4-BE49-F238E27FC236}">
-                <a16:creationId xmlns:a16="http://schemas.microsoft.com/office/drawing/2014/main" id="{9B3EBDE1-C46A-42BA-8FE9-CC5F8E3819EB}"/>
-              </a:ext>
-            </a:extLst>
-          </p:cNvPr>
-          <p:cNvSpPr>
-            <a:spLocks noGrp="1"/>
-          </p:cNvSpPr>
-          <p:nvPr>
-            <p:ph type="title"/>
-          </p:nvPr>
-        </p:nvSpPr>
-        <p:spPr/>
-        <p:txBody>
-          <a:bodyPr/>
-          <a:lstStyle/>
-          <a:p>
-            <a:r>
-              <a:rPr lang="en-US" dirty="0"/>
-              <a:t>Multi-Tenancy</a:t>
-            </a:r>
-            <a:endParaRPr lang="tr-TR" dirty="0"/>
-          </a:p>
-        </p:txBody>
-      </p:sp>
-      <p:sp>
-        <p:nvSpPr>
-          <p:cNvPr id="3" name="Text Placeholder 2">
-            <a:extLst>
-              <a:ext uri="{FF2B5EF4-FFF2-40B4-BE49-F238E27FC236}">
-                <a16:creationId xmlns:a16="http://schemas.microsoft.com/office/drawing/2014/main" id="{545AF91A-86DC-4C2D-9A10-11DF673655AB}"/>
-              </a:ext>
-            </a:extLst>
-          </p:cNvPr>
-          <p:cNvSpPr>
-            <a:spLocks noGrp="1"/>
-          </p:cNvSpPr>
-          <p:nvPr>
-            <p:ph type="body" idx="1"/>
-          </p:nvPr>
-        </p:nvSpPr>
-        <p:spPr/>
-        <p:txBody>
-          <a:bodyPr/>
-          <a:lstStyle/>
-          <a:p>
-            <a:r>
-              <a:rPr lang="en-US" dirty="0"/>
-              <a:t>Best Practices, Optimizations &amp; Integrations</a:t>
-            </a:r>
-            <a:endParaRPr lang="tr-TR" dirty="0"/>
-          </a:p>
-        </p:txBody>
-      </p:sp>
-    </p:spTree>
-    <p:extLst>
-      <p:ext uri="{BB962C8B-B14F-4D97-AF65-F5344CB8AC3E}">
-        <p14:creationId xmlns:p14="http://schemas.microsoft.com/office/powerpoint/2010/main" val="3294051223"/>
-      </p:ext>
-    </p:extLst>
-  </p:cSld>
-  <p:clrMapOvr>
-    <a:masterClrMapping/>
-  </p:clrMapOvr>
-  <mc:AlternateContent xmlns:mc="http://schemas.openxmlformats.org/markup-compatibility/2006" xmlns:p14="http://schemas.microsoft.com/office/powerpoint/2010/main">
-    <mc:Choice Requires="p14">
-      <p:transition spd="med" p14:dur="700">
-        <p:fade/>
-      </p:transition>
-    </mc:Choice>
-    <mc:Fallback xmlns="">
-      <p:transition spd="med">
-        <p:fade/>
-      </p:transition>
-    </mc:Fallback>
-  </mc:AlternateContent>
-</p:sld>
-</file>
-
-<file path=ppt/slides/slide53.xml><?xml version="1.0" encoding="utf-8"?>
-<p:sld xmlns:a="http://schemas.openxmlformats.org/drawingml/2006/main" xmlns:r="http://schemas.openxmlformats.org/officeDocument/2006/relationships" xmlns:p="http://schemas.openxmlformats.org/presentationml/2006/main">
-  <p:cSld>
-    <p:spTree>
-      <p:nvGrpSpPr>
-        <p:cNvPr id="1" name=""/>
-        <p:cNvGrpSpPr/>
-        <p:nvPr/>
-      </p:nvGrpSpPr>
-      <p:grpSpPr>
-        <a:xfrm>
-          <a:off x="0" y="0"/>
-          <a:ext cx="0" cy="0"/>
-          <a:chOff x="0" y="0"/>
-          <a:chExt cx="0" cy="0"/>
-        </a:xfrm>
-      </p:grpSpPr>
-      <p:sp>
-        <p:nvSpPr>
-          <p:cNvPr id="2" name="Title 1">
-            <a:extLst>
-              <a:ext uri="{FF2B5EF4-FFF2-40B4-BE49-F238E27FC236}">
                 <a16:creationId xmlns:a16="http://schemas.microsoft.com/office/drawing/2014/main" id="{4E9C2151-A3B6-4AD6-9F94-89C0A8F64BDE}"/>
               </a:ext>
             </a:extLst>
@@ -21566,7 +21524,7 @@
 </p:sld>
 </file>
 
-<file path=ppt/slides/slide54.xml><?xml version="1.0" encoding="utf-8"?>
+<file path=ppt/slides/slide53.xml><?xml version="1.0" encoding="utf-8"?>
 <p:sld xmlns:a="http://schemas.openxmlformats.org/drawingml/2006/main" xmlns:r="http://schemas.openxmlformats.org/officeDocument/2006/relationships" xmlns:p="http://schemas.openxmlformats.org/presentationml/2006/main">
   <p:cSld>
     <p:spTree>
@@ -21669,7 +21627,7 @@
 </p:sld>
 </file>
 
-<file path=ppt/slides/slide55.xml><?xml version="1.0" encoding="utf-8"?>
+<file path=ppt/slides/slide54.xml><?xml version="1.0" encoding="utf-8"?>
 <p:sld xmlns:a="http://schemas.openxmlformats.org/drawingml/2006/main" xmlns:r="http://schemas.openxmlformats.org/officeDocument/2006/relationships" xmlns:p="http://schemas.openxmlformats.org/presentationml/2006/main">
   <p:cSld>
     <p:spTree>
@@ -21772,7 +21730,7 @@
 </p:sld>
 </file>
 
-<file path=ppt/slides/slide56.xml><?xml version="1.0" encoding="utf-8"?>
+<file path=ppt/slides/slide55.xml><?xml version="1.0" encoding="utf-8"?>
 <p:sld xmlns:a="http://schemas.openxmlformats.org/drawingml/2006/main" xmlns:r="http://schemas.openxmlformats.org/officeDocument/2006/relationships" xmlns:p="http://schemas.openxmlformats.org/presentationml/2006/main">
   <p:cSld>
     <p:spTree>
@@ -21877,6 +21835,106 @@
     <p:extLst>
       <p:ext uri="{BB962C8B-B14F-4D97-AF65-F5344CB8AC3E}">
         <p14:creationId xmlns:p14="http://schemas.microsoft.com/office/powerpoint/2010/main" val="3889694038"/>
+      </p:ext>
+    </p:extLst>
+  </p:cSld>
+  <p:clrMapOvr>
+    <a:masterClrMapping/>
+  </p:clrMapOvr>
+  <mc:AlternateContent xmlns:mc="http://schemas.openxmlformats.org/markup-compatibility/2006" xmlns:p14="http://schemas.microsoft.com/office/powerpoint/2010/main">
+    <mc:Choice Requires="p14">
+      <p:transition spd="med" p14:dur="700">
+        <p:fade/>
+      </p:transition>
+    </mc:Choice>
+    <mc:Fallback xmlns="">
+      <p:transition spd="med">
+        <p:fade/>
+      </p:transition>
+    </mc:Fallback>
+  </mc:AlternateContent>
+</p:sld>
+</file>
+
+<file path=ppt/slides/slide56.xml><?xml version="1.0" encoding="utf-8"?>
+<p:sld xmlns:a="http://schemas.openxmlformats.org/drawingml/2006/main" xmlns:r="http://schemas.openxmlformats.org/officeDocument/2006/relationships" xmlns:p="http://schemas.openxmlformats.org/presentationml/2006/main">
+  <p:cSld>
+    <p:spTree>
+      <p:nvGrpSpPr>
+        <p:cNvPr id="1" name=""/>
+        <p:cNvGrpSpPr/>
+        <p:nvPr/>
+      </p:nvGrpSpPr>
+      <p:grpSpPr>
+        <a:xfrm>
+          <a:off x="0" y="0"/>
+          <a:ext cx="0" cy="0"/>
+          <a:chOff x="0" y="0"/>
+          <a:chExt cx="0" cy="0"/>
+        </a:xfrm>
+      </p:grpSpPr>
+      <p:sp>
+        <p:nvSpPr>
+          <p:cNvPr id="2" name="Title 1">
+            <a:extLst>
+              <a:ext uri="{FF2B5EF4-FFF2-40B4-BE49-F238E27FC236}">
+                <a16:creationId xmlns:a16="http://schemas.microsoft.com/office/drawing/2014/main" id="{02A077FB-0CE7-40D6-9191-DBD704459D87}"/>
+              </a:ext>
+            </a:extLst>
+          </p:cNvPr>
+          <p:cNvSpPr>
+            <a:spLocks noGrp="1"/>
+          </p:cNvSpPr>
+          <p:nvPr>
+            <p:ph type="title"/>
+          </p:nvPr>
+        </p:nvSpPr>
+        <p:spPr/>
+        <p:txBody>
+          <a:bodyPr/>
+          <a:lstStyle/>
+          <a:p>
+            <a:r>
+              <a:rPr lang="en-US" dirty="0"/>
+              <a:t>Multi-Tenancy</a:t>
+            </a:r>
+            <a:endParaRPr lang="tr-TR" dirty="0"/>
+          </a:p>
+        </p:txBody>
+      </p:sp>
+      <p:sp>
+        <p:nvSpPr>
+          <p:cNvPr id="3" name="Text Placeholder 2">
+            <a:extLst>
+              <a:ext uri="{FF2B5EF4-FFF2-40B4-BE49-F238E27FC236}">
+                <a16:creationId xmlns:a16="http://schemas.microsoft.com/office/drawing/2014/main" id="{99CA0C65-1142-45DA-A18C-FEE7A8EE9F63}"/>
+              </a:ext>
+            </a:extLst>
+          </p:cNvPr>
+          <p:cNvSpPr>
+            <a:spLocks noGrp="1"/>
+          </p:cNvSpPr>
+          <p:nvPr>
+            <p:ph type="body" idx="1"/>
+          </p:nvPr>
+        </p:nvSpPr>
+        <p:spPr/>
+        <p:txBody>
+          <a:bodyPr/>
+          <a:lstStyle/>
+          <a:p>
+            <a:r>
+              <a:rPr lang="en-US" dirty="0"/>
+              <a:t>SaaS Features</a:t>
+            </a:r>
+            <a:endParaRPr lang="tr-TR" dirty="0"/>
+          </a:p>
+        </p:txBody>
+      </p:sp>
+    </p:spTree>
+    <p:extLst>
+      <p:ext uri="{BB962C8B-B14F-4D97-AF65-F5344CB8AC3E}">
+        <p14:creationId xmlns:p14="http://schemas.microsoft.com/office/powerpoint/2010/main" val="2106742891"/>
       </p:ext>
     </p:extLst>
   </p:cSld>
@@ -21920,106 +21978,6 @@
           <p:cNvPr id="2" name="Title 1">
             <a:extLst>
               <a:ext uri="{FF2B5EF4-FFF2-40B4-BE49-F238E27FC236}">
-                <a16:creationId xmlns:a16="http://schemas.microsoft.com/office/drawing/2014/main" id="{02A077FB-0CE7-40D6-9191-DBD704459D87}"/>
-              </a:ext>
-            </a:extLst>
-          </p:cNvPr>
-          <p:cNvSpPr>
-            <a:spLocks noGrp="1"/>
-          </p:cNvSpPr>
-          <p:nvPr>
-            <p:ph type="title"/>
-          </p:nvPr>
-        </p:nvSpPr>
-        <p:spPr/>
-        <p:txBody>
-          <a:bodyPr/>
-          <a:lstStyle/>
-          <a:p>
-            <a:r>
-              <a:rPr lang="en-US" dirty="0"/>
-              <a:t>Multi-Tenancy</a:t>
-            </a:r>
-            <a:endParaRPr lang="tr-TR" dirty="0"/>
-          </a:p>
-        </p:txBody>
-      </p:sp>
-      <p:sp>
-        <p:nvSpPr>
-          <p:cNvPr id="3" name="Text Placeholder 2">
-            <a:extLst>
-              <a:ext uri="{FF2B5EF4-FFF2-40B4-BE49-F238E27FC236}">
-                <a16:creationId xmlns:a16="http://schemas.microsoft.com/office/drawing/2014/main" id="{99CA0C65-1142-45DA-A18C-FEE7A8EE9F63}"/>
-              </a:ext>
-            </a:extLst>
-          </p:cNvPr>
-          <p:cNvSpPr>
-            <a:spLocks noGrp="1"/>
-          </p:cNvSpPr>
-          <p:nvPr>
-            <p:ph type="body" idx="1"/>
-          </p:nvPr>
-        </p:nvSpPr>
-        <p:spPr/>
-        <p:txBody>
-          <a:bodyPr/>
-          <a:lstStyle/>
-          <a:p>
-            <a:r>
-              <a:rPr lang="en-US" dirty="0"/>
-              <a:t>SaaS Features</a:t>
-            </a:r>
-            <a:endParaRPr lang="tr-TR" dirty="0"/>
-          </a:p>
-        </p:txBody>
-      </p:sp>
-    </p:spTree>
-    <p:extLst>
-      <p:ext uri="{BB962C8B-B14F-4D97-AF65-F5344CB8AC3E}">
-        <p14:creationId xmlns:p14="http://schemas.microsoft.com/office/powerpoint/2010/main" val="2106742891"/>
-      </p:ext>
-    </p:extLst>
-  </p:cSld>
-  <p:clrMapOvr>
-    <a:masterClrMapping/>
-  </p:clrMapOvr>
-  <mc:AlternateContent xmlns:mc="http://schemas.openxmlformats.org/markup-compatibility/2006" xmlns:p14="http://schemas.microsoft.com/office/powerpoint/2010/main">
-    <mc:Choice Requires="p14">
-      <p:transition spd="med" p14:dur="700">
-        <p:fade/>
-      </p:transition>
-    </mc:Choice>
-    <mc:Fallback xmlns="">
-      <p:transition spd="med">
-        <p:fade/>
-      </p:transition>
-    </mc:Fallback>
-  </mc:AlternateContent>
-</p:sld>
-</file>
-
-<file path=ppt/slides/slide58.xml><?xml version="1.0" encoding="utf-8"?>
-<p:sld xmlns:a="http://schemas.openxmlformats.org/drawingml/2006/main" xmlns:r="http://schemas.openxmlformats.org/officeDocument/2006/relationships" xmlns:p="http://schemas.openxmlformats.org/presentationml/2006/main">
-  <p:cSld>
-    <p:spTree>
-      <p:nvGrpSpPr>
-        <p:cNvPr id="1" name=""/>
-        <p:cNvGrpSpPr/>
-        <p:nvPr/>
-      </p:nvGrpSpPr>
-      <p:grpSpPr>
-        <a:xfrm>
-          <a:off x="0" y="0"/>
-          <a:ext cx="0" cy="0"/>
-          <a:chOff x="0" y="0"/>
-          <a:chExt cx="0" cy="0"/>
-        </a:xfrm>
-      </p:grpSpPr>
-      <p:sp>
-        <p:nvSpPr>
-          <p:cNvPr id="2" name="Title 1">
-            <a:extLst>
-              <a:ext uri="{FF2B5EF4-FFF2-40B4-BE49-F238E27FC236}">
                 <a16:creationId xmlns:a16="http://schemas.microsoft.com/office/drawing/2014/main" id="{5264EEA8-D91E-4C3C-89FF-8A4B2A76AC50}"/>
               </a:ext>
             </a:extLst>
@@ -22171,7 +22129,7 @@
 </p:sld>
 </file>
 
-<file path=ppt/slides/slide59.xml><?xml version="1.0" encoding="utf-8"?>
+<file path=ppt/slides/slide58.xml><?xml version="1.0" encoding="utf-8"?>
 <p:sld xmlns:a="http://schemas.openxmlformats.org/drawingml/2006/main" xmlns:r="http://schemas.openxmlformats.org/officeDocument/2006/relationships" xmlns:p="http://schemas.openxmlformats.org/presentationml/2006/main">
   <p:cSld>
     <p:spTree>
@@ -22283,6 +22241,179 @@
     <p:extLst>
       <p:ext uri="{BB962C8B-B14F-4D97-AF65-F5344CB8AC3E}">
         <p14:creationId xmlns:p14="http://schemas.microsoft.com/office/powerpoint/2010/main" val="805898745"/>
+      </p:ext>
+    </p:extLst>
+  </p:cSld>
+  <p:clrMapOvr>
+    <a:masterClrMapping/>
+  </p:clrMapOvr>
+  <mc:AlternateContent xmlns:mc="http://schemas.openxmlformats.org/markup-compatibility/2006" xmlns:p14="http://schemas.microsoft.com/office/powerpoint/2010/main">
+    <mc:Choice Requires="p14">
+      <p:transition spd="med" p14:dur="700">
+        <p:fade/>
+      </p:transition>
+    </mc:Choice>
+    <mc:Fallback xmlns="">
+      <p:transition spd="med">
+        <p:fade/>
+      </p:transition>
+    </mc:Fallback>
+  </mc:AlternateContent>
+</p:sld>
+</file>
+
+<file path=ppt/slides/slide59.xml><?xml version="1.0" encoding="utf-8"?>
+<p:sld xmlns:a="http://schemas.openxmlformats.org/drawingml/2006/main" xmlns:r="http://schemas.openxmlformats.org/officeDocument/2006/relationships" xmlns:p="http://schemas.openxmlformats.org/presentationml/2006/main">
+  <p:cSld>
+    <p:spTree>
+      <p:nvGrpSpPr>
+        <p:cNvPr id="1" name=""/>
+        <p:cNvGrpSpPr/>
+        <p:nvPr/>
+      </p:nvGrpSpPr>
+      <p:grpSpPr>
+        <a:xfrm>
+          <a:off x="0" y="0"/>
+          <a:ext cx="0" cy="0"/>
+          <a:chOff x="0" y="0"/>
+          <a:chExt cx="0" cy="0"/>
+        </a:xfrm>
+      </p:grpSpPr>
+      <p:sp>
+        <p:nvSpPr>
+          <p:cNvPr id="2" name="Title 1">
+            <a:extLst>
+              <a:ext uri="{FF2B5EF4-FFF2-40B4-BE49-F238E27FC236}">
+                <a16:creationId xmlns:a16="http://schemas.microsoft.com/office/drawing/2014/main" id="{C0E853EB-FAEE-4441-AB6C-70E5B811F334}"/>
+              </a:ext>
+            </a:extLst>
+          </p:cNvPr>
+          <p:cNvSpPr>
+            <a:spLocks noGrp="1"/>
+          </p:cNvSpPr>
+          <p:nvPr>
+            <p:ph type="title"/>
+          </p:nvPr>
+        </p:nvSpPr>
+        <p:spPr/>
+        <p:txBody>
+          <a:bodyPr/>
+          <a:lstStyle/>
+          <a:p>
+            <a:r>
+              <a:rPr lang="en-US" dirty="0"/>
+              <a:t>Declarative Feature Check</a:t>
+            </a:r>
+            <a:br>
+              <a:rPr lang="en-US" dirty="0"/>
+            </a:br>
+            <a:r>
+              <a:rPr lang="en-US" sz="2400" dirty="0"/>
+              <a:t>Implementation Options</a:t>
+            </a:r>
+            <a:endParaRPr lang="tr-TR" dirty="0"/>
+          </a:p>
+        </p:txBody>
+      </p:sp>
+      <p:sp>
+        <p:nvSpPr>
+          <p:cNvPr id="3" name="Content Placeholder 2">
+            <a:extLst>
+              <a:ext uri="{FF2B5EF4-FFF2-40B4-BE49-F238E27FC236}">
+                <a16:creationId xmlns:a16="http://schemas.microsoft.com/office/drawing/2014/main" id="{1C849BB4-88CD-4AED-AF0F-640C65BE1543}"/>
+              </a:ext>
+            </a:extLst>
+          </p:cNvPr>
+          <p:cNvSpPr>
+            <a:spLocks noGrp="1"/>
+          </p:cNvSpPr>
+          <p:nvPr>
+            <p:ph idx="1"/>
+          </p:nvPr>
+        </p:nvSpPr>
+        <p:spPr/>
+        <p:txBody>
+          <a:bodyPr>
+            <a:normAutofit/>
+          </a:bodyPr>
+          <a:lstStyle/>
+          <a:p>
+            <a:r>
+              <a:rPr lang="en-US" dirty="0"/>
+              <a:t>MVC Action Filters</a:t>
+            </a:r>
+          </a:p>
+          <a:p>
+            <a:pPr lvl="1"/>
+            <a:r>
+              <a:rPr lang="en-US" dirty="0"/>
+              <a:t>Easy to implement. Naturally works within ASP.NET Core.</a:t>
+            </a:r>
+          </a:p>
+          <a:p>
+            <a:pPr lvl="1"/>
+            <a:r>
+              <a:rPr lang="en-US" dirty="0"/>
+              <a:t>Limited to Controller actions.</a:t>
+            </a:r>
+          </a:p>
+          <a:p>
+            <a:r>
+              <a:rPr lang="en-US" dirty="0"/>
+              <a:t>Method Interception using dynamic proxying.</a:t>
+            </a:r>
+          </a:p>
+          <a:p>
+            <a:pPr lvl="1"/>
+            <a:r>
+              <a:rPr lang="en-US" dirty="0"/>
+              <a:t>Works everywhere.</a:t>
+            </a:r>
+          </a:p>
+          <a:p>
+            <a:pPr lvl="1"/>
+            <a:r>
+              <a:rPr lang="en-US" dirty="0"/>
+              <a:t>Limited to virtual methods.</a:t>
+            </a:r>
+          </a:p>
+          <a:p>
+            <a:r>
+              <a:rPr lang="en-US" dirty="0"/>
+              <a:t>Weaving: </a:t>
+            </a:r>
+            <a:r>
+              <a:rPr lang="en-US" dirty="0" err="1"/>
+              <a:t>Mono.Cecil</a:t>
+            </a:r>
+            <a:r>
+              <a:rPr lang="en-US" dirty="0"/>
+              <a:t>, </a:t>
+            </a:r>
+            <a:r>
+              <a:rPr lang="en-US" dirty="0" err="1"/>
+              <a:t>Fody</a:t>
+            </a:r>
+            <a:r>
+              <a:rPr lang="en-US" dirty="0"/>
+              <a:t>, </a:t>
+            </a:r>
+            <a:r>
+              <a:rPr lang="en-US" dirty="0" err="1"/>
+              <a:t>Postsharp</a:t>
+            </a:r>
+            <a:r>
+              <a:rPr lang="en-US" dirty="0"/>
+              <a:t>… etc.</a:t>
+            </a:r>
+            <a:endParaRPr lang="tr-TR" dirty="0"/>
+          </a:p>
+        </p:txBody>
+      </p:sp>
+    </p:spTree>
+    <p:extLst>
+      <p:ext uri="{BB962C8B-B14F-4D97-AF65-F5344CB8AC3E}">
+        <p14:creationId xmlns:p14="http://schemas.microsoft.com/office/powerpoint/2010/main" val="1942701493"/>
       </p:ext>
     </p:extLst>
   </p:cSld>
@@ -22462,7 +22593,7 @@
           <p:cNvPr id="2" name="Title 1">
             <a:extLst>
               <a:ext uri="{FF2B5EF4-FFF2-40B4-BE49-F238E27FC236}">
-                <a16:creationId xmlns:a16="http://schemas.microsoft.com/office/drawing/2014/main" id="{C0E853EB-FAEE-4441-AB6C-70E5B811F334}"/>
+                <a16:creationId xmlns:a16="http://schemas.microsoft.com/office/drawing/2014/main" id="{C283D449-EA53-4CE0-BE33-F9E035E44525}"/>
               </a:ext>
             </a:extLst>
           </p:cNvPr>
@@ -22480,118 +22611,48 @@
           <a:p>
             <a:r>
               <a:rPr lang="en-US" dirty="0"/>
-              <a:t>Declarative Feature Check</a:t>
-            </a:r>
-            <a:br>
-              <a:rPr lang="en-US" dirty="0"/>
-            </a:br>
-            <a:r>
-              <a:rPr lang="en-US" sz="2400" dirty="0"/>
-              <a:t>Implementation Options</a:t>
+              <a:t>Method Interception</a:t>
             </a:r>
             <a:endParaRPr lang="tr-TR" dirty="0"/>
           </a:p>
         </p:txBody>
       </p:sp>
-      <p:sp>
-        <p:nvSpPr>
-          <p:cNvPr id="3" name="Content Placeholder 2">
+      <p:pic>
+        <p:nvPicPr>
+          <p:cNvPr id="4" name="Content Placeholder 3">
             <a:extLst>
               <a:ext uri="{FF2B5EF4-FFF2-40B4-BE49-F238E27FC236}">
-                <a16:creationId xmlns:a16="http://schemas.microsoft.com/office/drawing/2014/main" id="{1C849BB4-88CD-4AED-AF0F-640C65BE1543}"/>
+                <a16:creationId xmlns:a16="http://schemas.microsoft.com/office/drawing/2014/main" id="{3A093E0F-7DF9-44AE-A109-3CAA00F932C6}"/>
               </a:ext>
             </a:extLst>
           </p:cNvPr>
-          <p:cNvSpPr>
-            <a:spLocks noGrp="1"/>
-          </p:cNvSpPr>
+          <p:cNvPicPr>
+            <a:picLocks noGrp="1" noChangeAspect="1"/>
+          </p:cNvPicPr>
           <p:nvPr>
             <p:ph idx="1"/>
           </p:nvPr>
-        </p:nvSpPr>
-        <p:spPr/>
-        <p:txBody>
-          <a:bodyPr>
-            <a:normAutofit/>
-          </a:bodyPr>
-          <a:lstStyle/>
-          <a:p>
-            <a:r>
-              <a:rPr lang="en-US" dirty="0"/>
-              <a:t>MVC Action Filters</a:t>
-            </a:r>
-          </a:p>
-          <a:p>
-            <a:pPr lvl="1"/>
-            <a:r>
-              <a:rPr lang="en-US" dirty="0"/>
-              <a:t>Easy to implement. Naturally works within ASP.NET Core.</a:t>
-            </a:r>
-          </a:p>
-          <a:p>
-            <a:pPr lvl="1"/>
-            <a:r>
-              <a:rPr lang="en-US" dirty="0"/>
-              <a:t>Limited to Controller actions.</a:t>
-            </a:r>
-          </a:p>
-          <a:p>
-            <a:r>
-              <a:rPr lang="en-US" dirty="0"/>
-              <a:t>Method Interception using dynamic proxying.</a:t>
-            </a:r>
-          </a:p>
-          <a:p>
-            <a:pPr lvl="1"/>
-            <a:r>
-              <a:rPr lang="en-US" dirty="0"/>
-              <a:t>Works everywhere.</a:t>
-            </a:r>
-          </a:p>
-          <a:p>
-            <a:pPr lvl="1"/>
-            <a:r>
-              <a:rPr lang="en-US" dirty="0"/>
-              <a:t>Limited to virtual methods.</a:t>
-            </a:r>
-          </a:p>
-          <a:p>
-            <a:r>
-              <a:rPr lang="en-US" dirty="0"/>
-              <a:t>Weaving: </a:t>
-            </a:r>
-            <a:r>
-              <a:rPr lang="en-US" dirty="0" err="1"/>
-              <a:t>Mono.Cecil</a:t>
-            </a:r>
-            <a:r>
-              <a:rPr lang="en-US" dirty="0"/>
-              <a:t>, </a:t>
-            </a:r>
-            <a:r>
-              <a:rPr lang="en-US" dirty="0" err="1"/>
-              <a:t>Fody</a:t>
-            </a:r>
-            <a:r>
-              <a:rPr lang="en-US" dirty="0"/>
-              <a:t>, </a:t>
-            </a:r>
-            <a:r>
-              <a:rPr lang="en-US" dirty="0" err="1"/>
-              <a:t>Postsharp</a:t>
-            </a:r>
-            <a:r>
-              <a:rPr lang="en-US" dirty="0"/>
-              <a:t>… etc.</a:t>
-            </a:r>
-            <a:endParaRPr lang="tr-TR" dirty="0"/>
-          </a:p>
-        </p:txBody>
-      </p:sp>
+        </p:nvPicPr>
+        <p:blipFill>
+          <a:blip r:embed="rId2"/>
+          <a:stretch>
+            <a:fillRect/>
+          </a:stretch>
+        </p:blipFill>
+        <p:spPr>
+          <a:xfrm>
+            <a:off x="745937" y="1875070"/>
+            <a:ext cx="10671900" cy="3435161"/>
+          </a:xfrm>
+          <a:prstGeom prst="rect">
+            <a:avLst/>
+          </a:prstGeom>
+        </p:spPr>
+      </p:pic>
     </p:spTree>
     <p:extLst>
       <p:ext uri="{BB962C8B-B14F-4D97-AF65-F5344CB8AC3E}">
-        <p14:creationId xmlns:p14="http://schemas.microsoft.com/office/powerpoint/2010/main" val="1942701493"/>
+        <p14:creationId xmlns:p14="http://schemas.microsoft.com/office/powerpoint/2010/main" val="183968186"/>
       </p:ext>
     </p:extLst>
   </p:cSld>
@@ -22783,7 +22844,7 @@
         </p:spPr>
         <p:txBody>
           <a:bodyPr>
-            <a:normAutofit/>
+            <a:normAutofit lnSpcReduction="10000"/>
           </a:bodyPr>
           <a:lstStyle/>
           <a:p>
@@ -22812,6 +22873,21 @@
             <a:r>
               <a:rPr lang="en-US" dirty="0"/>
               <a:t>Client can determine the value. No need to database roundtrip.</a:t>
+            </a:r>
+          </a:p>
+          <a:p>
+            <a:pPr lvl="3"/>
+            <a:r>
+              <a:rPr lang="en-US" dirty="0"/>
+              <a:t>Allows us to use </a:t>
+            </a:r>
+            <a:r>
+              <a:rPr lang="en-US" dirty="0" err="1"/>
+              <a:t>dbcontext.SaveChanges</a:t>
+            </a:r>
+            <a:r>
+              <a:rPr lang="en-US" dirty="0"/>
+              <a:t>() only once.</a:t>
             </a:r>
           </a:p>
           <a:p>
@@ -23044,7 +23120,7 @@
           <a:p>
             <a:r>
               <a:rPr lang="en-US" dirty="0"/>
-              <a:t>Settings (TODO?)</a:t>
+              <a:t>Settings</a:t>
             </a:r>
             <a:endParaRPr lang="tr-TR" dirty="0"/>
           </a:p>
@@ -23073,13 +23149,57 @@
           <a:p>
             <a:r>
               <a:rPr lang="en-US" dirty="0"/>
-              <a:t>Tenant based settings may override global settings.</a:t>
-            </a:r>
-          </a:p>
-          <a:p>
-            <a:r>
-              <a:rPr lang="en-US" dirty="0"/>
-              <a:t>Some settings may be invisible from tenants.</a:t>
+              <a:t>Tenant based settings may override global settings </a:t>
+            </a:r>
+            <a:r>
+              <a:rPr lang="en-US" dirty="0">
+                <a:solidFill>
+                  <a:schemeClr val="bg1">
+                    <a:lumMod val="65000"/>
+                  </a:schemeClr>
+                </a:solidFill>
+              </a:rPr>
+              <a:t>(Ex: password complexity)</a:t>
+            </a:r>
+            <a:r>
+              <a:rPr lang="en-US" dirty="0"/>
+              <a:t>.</a:t>
+            </a:r>
+          </a:p>
+          <a:p>
+            <a:r>
+              <a:rPr lang="en-US" dirty="0"/>
+              <a:t>Some settings may be invisible from tenants </a:t>
+            </a:r>
+            <a:r>
+              <a:rPr lang="en-US" dirty="0">
+                <a:solidFill>
+                  <a:schemeClr val="bg1">
+                    <a:lumMod val="65000"/>
+                  </a:schemeClr>
+                </a:solidFill>
+              </a:rPr>
+              <a:t>(Ex: SMTP password)</a:t>
+            </a:r>
+            <a:r>
+              <a:rPr lang="en-US" dirty="0"/>
+              <a:t>.</a:t>
+            </a:r>
+          </a:p>
+          <a:p>
+            <a:r>
+              <a:rPr lang="en-US" dirty="0"/>
+              <a:t>Setting fallback: User &gt; Tenant &gt; Global (host) &gt; Hard-Coded</a:t>
+            </a:r>
+            <a:r>
+              <a:rPr lang="en-US" dirty="0">
+                <a:solidFill>
+                  <a:schemeClr val="bg1">
+                    <a:lumMod val="65000"/>
+                  </a:schemeClr>
+                </a:solidFill>
+              </a:rPr>
+              <a:t> (Ex: menu position)</a:t>
             </a:r>
           </a:p>
           <a:p>
@@ -23087,13 +23207,13 @@
               <a:rPr lang="en-US" dirty="0"/>
               <a:t>Branding: Tenant logo, colors… etc.</a:t>
             </a:r>
-          </a:p>
-          <a:p>
-            <a:r>
-              <a:rPr lang="en-US" dirty="0"/>
-              <a:t>Setting fallback: User &gt; Tenant &gt; Global (host) &gt; Hard-Coded</a:t>
-            </a:r>
-            <a:endParaRPr lang="tr-TR" dirty="0"/>
+            <a:endParaRPr lang="tr-TR" dirty="0">
+              <a:solidFill>
+                <a:schemeClr val="bg1">
+                  <a:lumMod val="65000"/>
+                </a:schemeClr>
+              </a:solidFill>
+            </a:endParaRPr>
           </a:p>
         </p:txBody>
       </p:sp>
@@ -23204,7 +23324,15 @@
           <a:p>
             <a:r>
               <a:rPr lang="en-US" dirty="0"/>
-              <a:t>Container per tenant?</a:t>
+              <a:t>Application </a:t>
+            </a:r>
+            <a:r>
+              <a:rPr lang="en-US" b="1" dirty="0"/>
+              <a:t>container</a:t>
+            </a:r>
+            <a:r>
+              <a:rPr lang="en-US" dirty="0"/>
+              <a:t> per tenant?</a:t>
             </a:r>
           </a:p>
           <a:p>
@@ -23556,6 +23684,7 @@
           <a:bodyPr anchor="t"/>
           <a:lstStyle/>
           <a:p>
+            <a:pPr algn="ctr"/>
             <a:r>
               <a:rPr lang="en-US" dirty="0"/>
               <a:t>On-Premise / IaaS / PaaS / SaaS</a:t>
@@ -23613,10 +23742,10 @@
       </p:pic>
       <p:pic>
         <p:nvPicPr>
-          <p:cNvPr id="5" name="Picture 4">
+          <p:cNvPr id="6" name="Picture 5">
             <a:extLst>
               <a:ext uri="{FF2B5EF4-FFF2-40B4-BE49-F238E27FC236}">
-                <a16:creationId xmlns:a16="http://schemas.microsoft.com/office/drawing/2014/main" id="{2364D306-554E-4D95-9F28-254B0E1537AD}"/>
+                <a16:creationId xmlns:a16="http://schemas.microsoft.com/office/drawing/2014/main" id="{9283E8F6-BAB6-4B02-AFE5-B168E5C508AC}"/>
               </a:ext>
             </a:extLst>
           </p:cNvPr>
@@ -23633,8 +23762,8 @@
         </p:blipFill>
         <p:spPr>
           <a:xfrm>
-            <a:off x="9462796" y="2702135"/>
-            <a:ext cx="2453695" cy="1453730"/>
+            <a:off x="186547" y="2265932"/>
+            <a:ext cx="2542657" cy="3240535"/>
           </a:xfrm>
           <a:prstGeom prst="rect">
             <a:avLst/>
@@ -23643,10 +23772,10 @@
       </p:pic>
       <p:pic>
         <p:nvPicPr>
-          <p:cNvPr id="6" name="Picture 5">
+          <p:cNvPr id="4" name="Picture 3">
             <a:extLst>
               <a:ext uri="{FF2B5EF4-FFF2-40B4-BE49-F238E27FC236}">
-                <a16:creationId xmlns:a16="http://schemas.microsoft.com/office/drawing/2014/main" id="{9283E8F6-BAB6-4B02-AFE5-B168E5C508AC}"/>
+                <a16:creationId xmlns:a16="http://schemas.microsoft.com/office/drawing/2014/main" id="{4E149B1F-5193-48DE-88BE-192002E15DD8}"/>
               </a:ext>
             </a:extLst>
           </p:cNvPr>
@@ -23663,8 +23792,8 @@
         </p:blipFill>
         <p:spPr>
           <a:xfrm>
-            <a:off x="186547" y="2265932"/>
-            <a:ext cx="2542657" cy="3240535"/>
+            <a:off x="9332617" y="1169264"/>
+            <a:ext cx="2771425" cy="4773406"/>
           </a:xfrm>
           <a:prstGeom prst="rect">
             <a:avLst/>
